--- a/6_BranchPrediction/lab4-分支预测-实验指导.pptx
+++ b/6_BranchPrediction/lab4-分支预测-实验指导.pptx
@@ -208,7 +208,7 @@
           <a:p>
             <a:fld id="{1CBB5AAE-746B-6C4B-BD4E-0C139C931B19}" type="datetimeFigureOut">
               <a:rPr kumimoji="1" lang="zh-CN" altLang="en-US" smtClean="0"/>
-              <a:t>2019/5/23</a:t>
+              <a:t>2019/5/26</a:t>
             </a:fld>
             <a:endParaRPr kumimoji="1" lang="zh-CN" altLang="en-US"/>
           </a:p>
@@ -799,7 +799,7 @@
           <a:p>
             <a:fld id="{5142D7EB-D6F0-A647-B8A4-DE9809283E97}" type="datetimeFigureOut">
               <a:rPr kumimoji="1" lang="zh-CN" altLang="en-US" smtClean="0"/>
-              <a:t>2019/5/23</a:t>
+              <a:t>2019/5/26</a:t>
             </a:fld>
             <a:endParaRPr kumimoji="1" lang="zh-CN" altLang="en-US"/>
           </a:p>
@@ -972,7 +972,7 @@
           <a:p>
             <a:fld id="{5142D7EB-D6F0-A647-B8A4-DE9809283E97}" type="datetimeFigureOut">
               <a:rPr kumimoji="1" lang="zh-CN" altLang="en-US" smtClean="0"/>
-              <a:t>2019/5/23</a:t>
+              <a:t>2019/5/26</a:t>
             </a:fld>
             <a:endParaRPr kumimoji="1" lang="zh-CN" altLang="en-US"/>
           </a:p>
@@ -1155,7 +1155,7 @@
           <a:p>
             <a:fld id="{5142D7EB-D6F0-A647-B8A4-DE9809283E97}" type="datetimeFigureOut">
               <a:rPr kumimoji="1" lang="zh-CN" altLang="en-US" smtClean="0"/>
-              <a:t>2019/5/23</a:t>
+              <a:t>2019/5/26</a:t>
             </a:fld>
             <a:endParaRPr kumimoji="1" lang="zh-CN" altLang="en-US"/>
           </a:p>
@@ -1328,7 +1328,7 @@
           <a:p>
             <a:fld id="{5142D7EB-D6F0-A647-B8A4-DE9809283E97}" type="datetimeFigureOut">
               <a:rPr kumimoji="1" lang="zh-CN" altLang="en-US" smtClean="0"/>
-              <a:t>2019/5/23</a:t>
+              <a:t>2019/5/26</a:t>
             </a:fld>
             <a:endParaRPr kumimoji="1" lang="zh-CN" altLang="en-US"/>
           </a:p>
@@ -1606,7 +1606,7 @@
           <a:p>
             <a:fld id="{5142D7EB-D6F0-A647-B8A4-DE9809283E97}" type="datetimeFigureOut">
               <a:rPr kumimoji="1" lang="zh-CN" altLang="en-US" smtClean="0"/>
-              <a:t>2019/5/23</a:t>
+              <a:t>2019/5/26</a:t>
             </a:fld>
             <a:endParaRPr kumimoji="1" lang="zh-CN" altLang="en-US"/>
           </a:p>
@@ -1821,7 +1821,7 @@
           <a:p>
             <a:fld id="{5142D7EB-D6F0-A647-B8A4-DE9809283E97}" type="datetimeFigureOut">
               <a:rPr kumimoji="1" lang="zh-CN" altLang="en-US" smtClean="0"/>
-              <a:t>2019/5/23</a:t>
+              <a:t>2019/5/26</a:t>
             </a:fld>
             <a:endParaRPr kumimoji="1" lang="zh-CN" altLang="en-US"/>
           </a:p>
@@ -2189,7 +2189,7 @@
           <a:p>
             <a:fld id="{5142D7EB-D6F0-A647-B8A4-DE9809283E97}" type="datetimeFigureOut">
               <a:rPr kumimoji="1" lang="zh-CN" altLang="en-US" smtClean="0"/>
-              <a:t>2019/5/23</a:t>
+              <a:t>2019/5/26</a:t>
             </a:fld>
             <a:endParaRPr kumimoji="1" lang="zh-CN" altLang="en-US"/>
           </a:p>
@@ -2330,7 +2330,7 @@
           <a:p>
             <a:fld id="{5142D7EB-D6F0-A647-B8A4-DE9809283E97}" type="datetimeFigureOut">
               <a:rPr kumimoji="1" lang="zh-CN" altLang="en-US" smtClean="0"/>
-              <a:t>2019/5/23</a:t>
+              <a:t>2019/5/26</a:t>
             </a:fld>
             <a:endParaRPr kumimoji="1" lang="zh-CN" altLang="en-US"/>
           </a:p>
@@ -2443,7 +2443,7 @@
           <a:p>
             <a:fld id="{5142D7EB-D6F0-A647-B8A4-DE9809283E97}" type="datetimeFigureOut">
               <a:rPr kumimoji="1" lang="zh-CN" altLang="en-US" smtClean="0"/>
-              <a:t>2019/5/23</a:t>
+              <a:t>2019/5/26</a:t>
             </a:fld>
             <a:endParaRPr kumimoji="1" lang="zh-CN" altLang="en-US"/>
           </a:p>
@@ -2732,7 +2732,7 @@
           <a:p>
             <a:fld id="{5142D7EB-D6F0-A647-B8A4-DE9809283E97}" type="datetimeFigureOut">
               <a:rPr kumimoji="1" lang="zh-CN" altLang="en-US" smtClean="0"/>
-              <a:t>2019/5/23</a:t>
+              <a:t>2019/5/26</a:t>
             </a:fld>
             <a:endParaRPr kumimoji="1" lang="zh-CN" altLang="en-US"/>
           </a:p>
@@ -3023,7 +3023,7 @@
           <a:p>
             <a:fld id="{5142D7EB-D6F0-A647-B8A4-DE9809283E97}" type="datetimeFigureOut">
               <a:rPr kumimoji="1" lang="zh-CN" altLang="en-US" smtClean="0"/>
-              <a:t>2019/5/23</a:t>
+              <a:t>2019/5/26</a:t>
             </a:fld>
             <a:endParaRPr kumimoji="1" lang="zh-CN" altLang="en-US"/>
           </a:p>
@@ -3239,7 +3239,7 @@
           <a:p>
             <a:fld id="{5142D7EB-D6F0-A647-B8A4-DE9809283E97}" type="datetimeFigureOut">
               <a:rPr kumimoji="1" lang="zh-CN" altLang="en-US" smtClean="0"/>
-              <a:t>2019/5/23</a:t>
+              <a:t>2019/5/26</a:t>
             </a:fld>
             <a:endParaRPr kumimoji="1" lang="zh-CN" altLang="en-US"/>
           </a:p>
@@ -3678,7 +3678,10 @@
           <a:lstStyle/>
           <a:p>
             <a:r>
-              <a:rPr kumimoji="1" lang="zh-CN" altLang="en-US" b="1" dirty="0"/>
+              <a:rPr kumimoji="1" lang="zh-CN" altLang="en-US" b="1" dirty="0">
+                <a:latin typeface="汉仪南宫体简" panose="02010609000101010101" pitchFamily="49" charset="-122"/>
+                <a:ea typeface="汉仪南宫体简" panose="02010609000101010101" pitchFamily="49" charset="-122"/>
+              </a:rPr>
               <a:t>分支预测实验</a:t>
             </a:r>
           </a:p>
@@ -3705,7 +3708,10 @@
           <a:bodyPr/>
           <a:lstStyle/>
           <a:p>
-            <a:endParaRPr kumimoji="1" lang="zh-CN" altLang="en-US" dirty="0"/>
+            <a:endParaRPr kumimoji="1" lang="zh-CN" altLang="en-US" dirty="0">
+              <a:latin typeface="汉仪南宫体简" panose="02010609000101010101" pitchFamily="49" charset="-122"/>
+              <a:ea typeface="汉仪南宫体简" panose="02010609000101010101" pitchFamily="49" charset="-122"/>
+            </a:endParaRPr>
           </a:p>
         </p:txBody>
       </p:sp>
@@ -3766,18 +3772,30 @@
           <a:lstStyle/>
           <a:p>
             <a:r>
-              <a:rPr lang="en-GB" altLang="zh-CN" b="1" dirty="0"/>
+              <a:rPr lang="en-GB" altLang="zh-CN" b="1" dirty="0">
+                <a:latin typeface="汉仪南宫体简" panose="02010609000101010101" pitchFamily="49" charset="-122"/>
+                <a:ea typeface="汉仪南宫体简" panose="02010609000101010101" pitchFamily="49" charset="-122"/>
+              </a:rPr>
               <a:t>Branch History Table </a:t>
             </a:r>
             <a:r>
-              <a:rPr lang="en-GB" altLang="zh-CN" dirty="0"/>
+              <a:rPr lang="en-GB" altLang="zh-CN" dirty="0">
+                <a:latin typeface="汉仪南宫体简" panose="02010609000101010101" pitchFamily="49" charset="-122"/>
+                <a:ea typeface="汉仪南宫体简" panose="02010609000101010101" pitchFamily="49" charset="-122"/>
+              </a:rPr>
               <a:t>(</a:t>
             </a:r>
             <a:r>
-              <a:rPr kumimoji="1" lang="en-US" altLang="zh-CN" dirty="0"/>
+              <a:rPr kumimoji="1" lang="en-US" altLang="zh-CN" dirty="0">
+                <a:latin typeface="汉仪南宫体简" panose="02010609000101010101" pitchFamily="49" charset="-122"/>
+                <a:ea typeface="汉仪南宫体简" panose="02010609000101010101" pitchFamily="49" charset="-122"/>
+              </a:rPr>
               <a:t>BHT)</a:t>
             </a:r>
-            <a:endParaRPr kumimoji="1" lang="zh-CN" altLang="en-US" dirty="0"/>
+            <a:endParaRPr kumimoji="1" lang="zh-CN" altLang="en-US" dirty="0">
+              <a:latin typeface="汉仪南宫体简" panose="02010609000101010101" pitchFamily="49" charset="-122"/>
+              <a:ea typeface="汉仪南宫体简" panose="02010609000101010101" pitchFamily="49" charset="-122"/>
+            </a:endParaRPr>
           </a:p>
         </p:txBody>
       </p:sp>
@@ -3814,32 +3832,37 @@
               <a:buAutoNum type="arabicPeriod"/>
             </a:pPr>
             <a:r>
-              <a:rPr kumimoji="1" lang="ja-JP" altLang="en-US"/>
-              <a:t>上表前三列是</a:t>
-            </a:r>
-            <a:r>
-              <a:rPr kumimoji="1" lang="ja-JP" altLang="en-US">
-                <a:ea typeface="+mj-ea"/>
-              </a:rPr>
-              <a:t>输</a:t>
-            </a:r>
-            <a:r>
-              <a:rPr kumimoji="1" lang="ja-JP" altLang="en-US"/>
-              <a:t>入</a:t>
-            </a:r>
-            <a:r>
-              <a:rPr kumimoji="1" lang="zh-CN" altLang="en-US" dirty="0"/>
+              <a:rPr kumimoji="1" lang="ja-JP" altLang="en-US" dirty="0">
+                <a:latin typeface="汉仪南宫体简" panose="02010609000101010101" pitchFamily="49" charset="-122"/>
+                <a:ea typeface="汉仪南宫体简" panose="02010609000101010101" pitchFamily="49" charset="-122"/>
+              </a:rPr>
+              <a:t>上表前三列是输入</a:t>
+            </a:r>
+            <a:r>
+              <a:rPr kumimoji="1" lang="zh-CN" altLang="en-US" dirty="0">
+                <a:latin typeface="汉仪南宫体简" panose="02010609000101010101" pitchFamily="49" charset="-122"/>
+                <a:ea typeface="汉仪南宫体简" panose="02010609000101010101" pitchFamily="49" charset="-122"/>
+              </a:rPr>
               <a:t>，</a:t>
             </a:r>
             <a:r>
-              <a:rPr kumimoji="1" lang="ja-JP" altLang="en-US"/>
+              <a:rPr kumimoji="1" lang="ja-JP" altLang="en-US" dirty="0">
+                <a:latin typeface="汉仪南宫体简" panose="02010609000101010101" pitchFamily="49" charset="-122"/>
+                <a:ea typeface="汉仪南宫体简" panose="02010609000101010101" pitchFamily="49" charset="-122"/>
+              </a:rPr>
               <a:t>其余是输出</a:t>
             </a:r>
             <a:r>
-              <a:rPr kumimoji="1" lang="zh-CN" altLang="en-US" dirty="0"/>
+              <a:rPr kumimoji="1" lang="zh-CN" altLang="en-US" dirty="0">
+                <a:latin typeface="汉仪南宫体简" panose="02010609000101010101" pitchFamily="49" charset="-122"/>
+                <a:ea typeface="汉仪南宫体简" panose="02010609000101010101" pitchFamily="49" charset="-122"/>
+              </a:rPr>
               <a:t>。</a:t>
             </a:r>
-            <a:endParaRPr kumimoji="1" lang="en-US" altLang="zh-CN" dirty="0"/>
+            <a:endParaRPr kumimoji="1" lang="en-US" altLang="zh-CN" dirty="0">
+              <a:latin typeface="汉仪南宫体简" panose="02010609000101010101" pitchFamily="49" charset="-122"/>
+              <a:ea typeface="汉仪南宫体简" panose="02010609000101010101" pitchFamily="49" charset="-122"/>
+            </a:endParaRPr>
           </a:p>
           <a:p>
             <a:pPr marL="514350" indent="-514350">
@@ -3847,154 +3870,280 @@
               <a:buAutoNum type="arabicPeriod"/>
             </a:pPr>
             <a:r>
-              <a:rPr kumimoji="1" lang="en-US" altLang="zh-CN" dirty="0"/>
+              <a:rPr kumimoji="1" lang="en-US" altLang="zh-CN" dirty="0">
+                <a:latin typeface="汉仪南宫体简" panose="02010609000101010101" pitchFamily="49" charset="-122"/>
+                <a:ea typeface="汉仪南宫体简" panose="02010609000101010101" pitchFamily="49" charset="-122"/>
+              </a:rPr>
               <a:t>BTB</a:t>
             </a:r>
             <a:r>
-              <a:rPr kumimoji="1" lang="ja-JP" altLang="en-US"/>
+              <a:rPr kumimoji="1" lang="ja-JP" altLang="en-US" dirty="0">
+                <a:latin typeface="汉仪南宫体简" panose="02010609000101010101" pitchFamily="49" charset="-122"/>
+                <a:ea typeface="汉仪南宫体简" panose="02010609000101010101" pitchFamily="49" charset="-122"/>
+              </a:rPr>
               <a:t>表示</a:t>
             </a:r>
             <a:r>
-              <a:rPr kumimoji="1" lang="en-US" altLang="ja-JP" dirty="0"/>
+              <a:rPr kumimoji="1" lang="en-US" altLang="ja-JP" dirty="0">
+                <a:latin typeface="汉仪南宫体简" panose="02010609000101010101" pitchFamily="49" charset="-122"/>
+                <a:ea typeface="汉仪南宫体简" panose="02010609000101010101" pitchFamily="49" charset="-122"/>
+              </a:rPr>
               <a:t>BTB</a:t>
             </a:r>
             <a:r>
-              <a:rPr kumimoji="1" lang="ja-JP" altLang="en-US"/>
+              <a:rPr kumimoji="1" lang="ja-JP" altLang="en-US" dirty="0">
+                <a:latin typeface="汉仪南宫体简" panose="02010609000101010101" pitchFamily="49" charset="-122"/>
+                <a:ea typeface="汉仪南宫体简" panose="02010609000101010101" pitchFamily="49" charset="-122"/>
+              </a:rPr>
               <a:t>的</a:t>
             </a:r>
             <a:r>
-              <a:rPr kumimoji="1" lang="en-US" altLang="ja-JP" dirty="0"/>
+              <a:rPr kumimoji="1" lang="en-US" altLang="ja-JP" dirty="0">
+                <a:latin typeface="汉仪南宫体简" panose="02010609000101010101" pitchFamily="49" charset="-122"/>
+                <a:ea typeface="汉仪南宫体简" panose="02010609000101010101" pitchFamily="49" charset="-122"/>
+              </a:rPr>
               <a:t>buffer</a:t>
             </a:r>
             <a:r>
-              <a:rPr kumimoji="1" lang="ja-JP" altLang="en-US"/>
+              <a:rPr kumimoji="1" lang="ja-JP" altLang="en-US" dirty="0">
+                <a:latin typeface="汉仪南宫体简" panose="02010609000101010101" pitchFamily="49" charset="-122"/>
+                <a:ea typeface="汉仪南宫体简" panose="02010609000101010101" pitchFamily="49" charset="-122"/>
+              </a:rPr>
               <a:t>是否命中</a:t>
             </a:r>
             <a:r>
-              <a:rPr kumimoji="1" lang="zh-CN" altLang="en-US" dirty="0"/>
+              <a:rPr kumimoji="1" lang="zh-CN" altLang="en-US" dirty="0">
+                <a:latin typeface="汉仪南宫体简" panose="02010609000101010101" pitchFamily="49" charset="-122"/>
+                <a:ea typeface="汉仪南宫体简" panose="02010609000101010101" pitchFamily="49" charset="-122"/>
+              </a:rPr>
               <a:t>；</a:t>
             </a:r>
             <a:r>
-              <a:rPr kumimoji="1" lang="en-US" altLang="zh-CN" dirty="0"/>
+              <a:rPr kumimoji="1" lang="en-US" altLang="zh-CN" dirty="0">
+                <a:latin typeface="汉仪南宫体简" panose="02010609000101010101" pitchFamily="49" charset="-122"/>
+                <a:ea typeface="汉仪南宫体简" panose="02010609000101010101" pitchFamily="49" charset="-122"/>
+              </a:rPr>
               <a:t>BHT</a:t>
             </a:r>
             <a:r>
-              <a:rPr kumimoji="1" lang="ja-JP" altLang="en-US"/>
+              <a:rPr kumimoji="1" lang="ja-JP" altLang="en-US" dirty="0">
+                <a:latin typeface="汉仪南宫体简" panose="02010609000101010101" pitchFamily="49" charset="-122"/>
+                <a:ea typeface="汉仪南宫体简" panose="02010609000101010101" pitchFamily="49" charset="-122"/>
+              </a:rPr>
               <a:t>表示当前指令地址对应</a:t>
             </a:r>
             <a:r>
-              <a:rPr kumimoji="1" lang="en-US" altLang="ja-JP" dirty="0"/>
+              <a:rPr kumimoji="1" lang="en-US" altLang="ja-JP" dirty="0">
+                <a:latin typeface="汉仪南宫体简" panose="02010609000101010101" pitchFamily="49" charset="-122"/>
+                <a:ea typeface="汉仪南宫体简" panose="02010609000101010101" pitchFamily="49" charset="-122"/>
+              </a:rPr>
               <a:t>BHT</a:t>
             </a:r>
             <a:r>
-              <a:rPr kumimoji="1" lang="ja-JP" altLang="en-US"/>
+              <a:rPr kumimoji="1" lang="ja-JP" altLang="en-US" dirty="0">
+                <a:latin typeface="汉仪南宫体简" panose="02010609000101010101" pitchFamily="49" charset="-122"/>
+                <a:ea typeface="汉仪南宫体简" panose="02010609000101010101" pitchFamily="49" charset="-122"/>
+              </a:rPr>
               <a:t>中的状态是否是</a:t>
             </a:r>
             <a:r>
-              <a:rPr kumimoji="1" lang="en-US" altLang="ja-JP" dirty="0"/>
+              <a:rPr kumimoji="1" lang="en-US" altLang="ja-JP" dirty="0">
+                <a:latin typeface="汉仪南宫体简" panose="02010609000101010101" pitchFamily="49" charset="-122"/>
+                <a:ea typeface="汉仪南宫体简" panose="02010609000101010101" pitchFamily="49" charset="-122"/>
+              </a:rPr>
               <a:t>predict taken</a:t>
             </a:r>
             <a:r>
-              <a:rPr kumimoji="1" lang="ja-JP" altLang="en-US"/>
+              <a:rPr kumimoji="1" lang="ja-JP" altLang="en-US" dirty="0">
+                <a:latin typeface="汉仪南宫体简" panose="02010609000101010101" pitchFamily="49" charset="-122"/>
+                <a:ea typeface="汉仪南宫体简" panose="02010609000101010101" pitchFamily="49" charset="-122"/>
+              </a:rPr>
               <a:t>状态</a:t>
             </a:r>
             <a:r>
-              <a:rPr kumimoji="1" lang="zh-CN" altLang="en-US" dirty="0"/>
+              <a:rPr kumimoji="1" lang="zh-CN" altLang="en-US" dirty="0">
+                <a:latin typeface="汉仪南宫体简" panose="02010609000101010101" pitchFamily="49" charset="-122"/>
+                <a:ea typeface="汉仪南宫体简" panose="02010609000101010101" pitchFamily="49" charset="-122"/>
+              </a:rPr>
               <a:t>；</a:t>
             </a:r>
             <a:r>
-              <a:rPr kumimoji="1" lang="en-US" altLang="zh-CN" dirty="0"/>
+              <a:rPr kumimoji="1" lang="en-US" altLang="zh-CN" dirty="0">
+                <a:latin typeface="汉仪南宫体简" panose="02010609000101010101" pitchFamily="49" charset="-122"/>
+                <a:ea typeface="汉仪南宫体简" panose="02010609000101010101" pitchFamily="49" charset="-122"/>
+              </a:rPr>
               <a:t>REAL</a:t>
             </a:r>
             <a:r>
-              <a:rPr kumimoji="1" lang="ja-JP" altLang="en-US"/>
+              <a:rPr kumimoji="1" lang="ja-JP" altLang="en-US" dirty="0">
+                <a:latin typeface="汉仪南宫体简" panose="02010609000101010101" pitchFamily="49" charset="-122"/>
+                <a:ea typeface="汉仪南宫体简" panose="02010609000101010101" pitchFamily="49" charset="-122"/>
+              </a:rPr>
               <a:t>表示当前分支指令是否真正跳转</a:t>
             </a:r>
             <a:r>
-              <a:rPr kumimoji="1" lang="zh-CN" altLang="en-US" dirty="0"/>
+              <a:rPr kumimoji="1" lang="zh-CN" altLang="en-US" dirty="0">
+                <a:latin typeface="汉仪南宫体简" panose="02010609000101010101" pitchFamily="49" charset="-122"/>
+                <a:ea typeface="汉仪南宫体简" panose="02010609000101010101" pitchFamily="49" charset="-122"/>
+              </a:rPr>
               <a:t>。</a:t>
             </a:r>
             <a:r>
-              <a:rPr kumimoji="1" lang="ja-JP" altLang="en-US"/>
+              <a:rPr kumimoji="1" lang="ja-JP" altLang="en-US" dirty="0">
+                <a:latin typeface="汉仪南宫体简" panose="02010609000101010101" pitchFamily="49" charset="-122"/>
+                <a:ea typeface="汉仪南宫体简" panose="02010609000101010101" pitchFamily="49" charset="-122"/>
+              </a:rPr>
               <a:t>其中</a:t>
             </a:r>
             <a:r>
-              <a:rPr kumimoji="1" lang="en-US" altLang="ja-JP" dirty="0"/>
-              <a:t>BTB</a:t>
-            </a:r>
-            <a:r>
-              <a:rPr kumimoji="1" lang="ja-JP" altLang="en-US"/>
-              <a:t>和</a:t>
-            </a:r>
-            <a:r>
-              <a:rPr kumimoji="1" lang="en-US" altLang="ja-JP" dirty="0"/>
-              <a:t>BHT</a:t>
-            </a:r>
-            <a:r>
-              <a:rPr kumimoji="1" lang="ja-JP" altLang="en-US"/>
-              <a:t>是否命中信号在</a:t>
-            </a:r>
-            <a:r>
-              <a:rPr kumimoji="1" lang="en-US" altLang="ja-JP" dirty="0"/>
-              <a:t>IF</a:t>
-            </a:r>
-            <a:r>
-              <a:rPr kumimoji="1" lang="ja-JP" altLang="en-US"/>
-              <a:t>阶段产生</a:t>
-            </a:r>
-            <a:r>
-              <a:rPr kumimoji="1" lang="zh-CN" altLang="en-US" dirty="0"/>
-              <a:t>，</a:t>
-            </a:r>
-            <a:r>
-              <a:rPr kumimoji="1" lang="ja-JP" altLang="en-US">
+              <a:rPr kumimoji="1" lang="en-US" altLang="ja-JP" b="1" dirty="0">
                 <a:solidFill>
                   <a:srgbClr val="FF0000"/>
                 </a:solidFill>
-              </a:rPr>
-              <a:t>随流水线段寄存器传递到</a:t>
-            </a:r>
-            <a:r>
-              <a:rPr kumimoji="1" lang="en-US" altLang="ja-JP" dirty="0">
+                <a:latin typeface="汉仪南宫体简" panose="02010609000101010101" pitchFamily="49" charset="-122"/>
+                <a:ea typeface="汉仪南宫体简" panose="02010609000101010101" pitchFamily="49" charset="-122"/>
+              </a:rPr>
+              <a:t>BTB</a:t>
+            </a:r>
+            <a:r>
+              <a:rPr kumimoji="1" lang="ja-JP" altLang="en-US" b="1" dirty="0">
                 <a:solidFill>
                   <a:srgbClr val="FF0000"/>
                 </a:solidFill>
-              </a:rPr>
-              <a:t>EX</a:t>
-            </a:r>
-            <a:r>
-              <a:rPr kumimoji="1" lang="ja-JP" altLang="en-US">
+                <a:latin typeface="汉仪南宫体简" panose="02010609000101010101" pitchFamily="49" charset="-122"/>
+                <a:ea typeface="汉仪南宫体简" panose="02010609000101010101" pitchFamily="49" charset="-122"/>
+              </a:rPr>
+              <a:t>和</a:t>
+            </a:r>
+            <a:r>
+              <a:rPr kumimoji="1" lang="en-US" altLang="ja-JP" b="1" dirty="0">
                 <a:solidFill>
                   <a:srgbClr val="FF0000"/>
                 </a:solidFill>
+                <a:latin typeface="汉仪南宫体简" panose="02010609000101010101" pitchFamily="49" charset="-122"/>
+                <a:ea typeface="汉仪南宫体简" panose="02010609000101010101" pitchFamily="49" charset="-122"/>
+              </a:rPr>
+              <a:t>BHT</a:t>
+            </a:r>
+            <a:r>
+              <a:rPr kumimoji="1" lang="ja-JP" altLang="en-US" b="1" dirty="0">
+                <a:solidFill>
+                  <a:srgbClr val="FF0000"/>
+                </a:solidFill>
+                <a:latin typeface="汉仪南宫体简" panose="02010609000101010101" pitchFamily="49" charset="-122"/>
+                <a:ea typeface="汉仪南宫体简" panose="02010609000101010101" pitchFamily="49" charset="-122"/>
+              </a:rPr>
+              <a:t>是否命中信号在</a:t>
+            </a:r>
+            <a:r>
+              <a:rPr kumimoji="1" lang="en-US" altLang="ja-JP" b="1" dirty="0">
+                <a:solidFill>
+                  <a:srgbClr val="FF0000"/>
+                </a:solidFill>
+                <a:latin typeface="汉仪南宫体简" panose="02010609000101010101" pitchFamily="49" charset="-122"/>
+                <a:ea typeface="汉仪南宫体简" panose="02010609000101010101" pitchFamily="49" charset="-122"/>
+              </a:rPr>
+              <a:t>IF</a:t>
+            </a:r>
+            <a:r>
+              <a:rPr kumimoji="1" lang="ja-JP" altLang="en-US" b="1" dirty="0">
+                <a:solidFill>
+                  <a:srgbClr val="FF0000"/>
+                </a:solidFill>
+                <a:latin typeface="汉仪南宫体简" panose="02010609000101010101" pitchFamily="49" charset="-122"/>
+                <a:ea typeface="汉仪南宫体简" panose="02010609000101010101" pitchFamily="49" charset="-122"/>
+              </a:rPr>
+              <a:t>阶段产生</a:t>
+            </a:r>
+            <a:r>
+              <a:rPr kumimoji="1" lang="zh-CN" altLang="en-US" b="1" dirty="0">
+                <a:solidFill>
+                  <a:srgbClr val="FF0000"/>
+                </a:solidFill>
+                <a:latin typeface="汉仪南宫体简" panose="02010609000101010101" pitchFamily="49" charset="-122"/>
+                <a:ea typeface="汉仪南宫体简" panose="02010609000101010101" pitchFamily="49" charset="-122"/>
+              </a:rPr>
+              <a:t>，</a:t>
+            </a:r>
+            <a:r>
+              <a:rPr kumimoji="1" lang="ja-JP" altLang="en-US" b="1" dirty="0">
+                <a:solidFill>
+                  <a:srgbClr val="FF0000"/>
+                </a:solidFill>
+                <a:latin typeface="汉仪南宫体简" panose="02010609000101010101" pitchFamily="49" charset="-122"/>
+                <a:ea typeface="汉仪南宫体简" panose="02010609000101010101" pitchFamily="49" charset="-122"/>
+              </a:rPr>
+              <a:t>随流水线段寄存器传递到</a:t>
+            </a:r>
+            <a:r>
+              <a:rPr kumimoji="1" lang="en-US" altLang="ja-JP" b="1" dirty="0">
+                <a:solidFill>
+                  <a:srgbClr val="FF0000"/>
+                </a:solidFill>
+                <a:latin typeface="汉仪南宫体简" panose="02010609000101010101" pitchFamily="49" charset="-122"/>
+                <a:ea typeface="汉仪南宫体简" panose="02010609000101010101" pitchFamily="49" charset="-122"/>
+              </a:rPr>
+              <a:t>EX</a:t>
+            </a:r>
+            <a:r>
+              <a:rPr kumimoji="1" lang="ja-JP" altLang="en-US" b="1" dirty="0">
+                <a:solidFill>
+                  <a:srgbClr val="FF0000"/>
+                </a:solidFill>
+                <a:latin typeface="汉仪南宫体简" panose="02010609000101010101" pitchFamily="49" charset="-122"/>
+                <a:ea typeface="汉仪南宫体简" panose="02010609000101010101" pitchFamily="49" charset="-122"/>
               </a:rPr>
               <a:t>阶段</a:t>
             </a:r>
             <a:r>
-              <a:rPr kumimoji="1" lang="zh-CN" altLang="en-US" dirty="0"/>
+              <a:rPr kumimoji="1" lang="zh-CN" altLang="en-US" b="1" dirty="0">
+                <a:solidFill>
+                  <a:srgbClr val="FF0000"/>
+                </a:solidFill>
+                <a:latin typeface="汉仪南宫体简" panose="02010609000101010101" pitchFamily="49" charset="-122"/>
+                <a:ea typeface="汉仪南宫体简" panose="02010609000101010101" pitchFamily="49" charset="-122"/>
+              </a:rPr>
               <a:t>；</a:t>
             </a:r>
             <a:r>
-              <a:rPr kumimoji="1" lang="en-US" altLang="zh-CN" dirty="0"/>
+              <a:rPr kumimoji="1" lang="en-US" altLang="zh-CN" dirty="0">
+                <a:latin typeface="汉仪南宫体简" panose="02010609000101010101" pitchFamily="49" charset="-122"/>
+                <a:ea typeface="汉仪南宫体简" panose="02010609000101010101" pitchFamily="49" charset="-122"/>
+              </a:rPr>
               <a:t>REAL</a:t>
             </a:r>
             <a:r>
-              <a:rPr kumimoji="1" lang="ja-JP" altLang="en-US"/>
+              <a:rPr kumimoji="1" lang="ja-JP" altLang="en-US" dirty="0">
+                <a:latin typeface="汉仪南宫体简" panose="02010609000101010101" pitchFamily="49" charset="-122"/>
+                <a:ea typeface="汉仪南宫体简" panose="02010609000101010101" pitchFamily="49" charset="-122"/>
+              </a:rPr>
               <a:t>信号在</a:t>
             </a:r>
             <a:r>
-              <a:rPr kumimoji="1" lang="en-US" altLang="ja-JP" dirty="0"/>
+              <a:rPr kumimoji="1" lang="en-US" altLang="ja-JP" dirty="0">
+                <a:latin typeface="汉仪南宫体简" panose="02010609000101010101" pitchFamily="49" charset="-122"/>
+                <a:ea typeface="汉仪南宫体简" panose="02010609000101010101" pitchFamily="49" charset="-122"/>
+              </a:rPr>
               <a:t>EX</a:t>
             </a:r>
             <a:r>
-              <a:rPr kumimoji="1" lang="ja-JP" altLang="en-US"/>
+              <a:rPr kumimoji="1" lang="ja-JP" altLang="en-US" dirty="0">
+                <a:latin typeface="汉仪南宫体简" panose="02010609000101010101" pitchFamily="49" charset="-122"/>
+                <a:ea typeface="汉仪南宫体简" panose="02010609000101010101" pitchFamily="49" charset="-122"/>
+              </a:rPr>
               <a:t>阶段产生</a:t>
             </a:r>
             <a:r>
-              <a:rPr kumimoji="1" lang="zh-CN" altLang="en-US" dirty="0"/>
+              <a:rPr kumimoji="1" lang="zh-CN" altLang="en-US" dirty="0">
+                <a:latin typeface="汉仪南宫体简" panose="02010609000101010101" pitchFamily="49" charset="-122"/>
+                <a:ea typeface="汉仪南宫体简" panose="02010609000101010101" pitchFamily="49" charset="-122"/>
+              </a:rPr>
               <a:t>。</a:t>
             </a:r>
-            <a:endParaRPr kumimoji="1" lang="en-US" altLang="zh-CN" dirty="0"/>
+            <a:endParaRPr kumimoji="1" lang="en-US" altLang="zh-CN" dirty="0">
+              <a:latin typeface="汉仪南宫体简" panose="02010609000101010101" pitchFamily="49" charset="-122"/>
+              <a:ea typeface="汉仪南宫体简" panose="02010609000101010101" pitchFamily="49" charset="-122"/>
+            </a:endParaRPr>
           </a:p>
           <a:p>
             <a:pPr marL="514350" indent="-514350">
@@ -4002,74 +4151,128 @@
               <a:buAutoNum type="arabicPeriod"/>
             </a:pPr>
             <a:r>
-              <a:rPr kumimoji="1" lang="en-US" altLang="zh-CN" dirty="0"/>
+              <a:rPr kumimoji="1" lang="en-US" altLang="zh-CN" dirty="0">
+                <a:latin typeface="汉仪南宫体简" panose="02010609000101010101" pitchFamily="49" charset="-122"/>
+                <a:ea typeface="汉仪南宫体简" panose="02010609000101010101" pitchFamily="49" charset="-122"/>
+              </a:rPr>
               <a:t>NPC_PRED</a:t>
             </a:r>
             <a:r>
-              <a:rPr kumimoji="1" lang="ja-JP" altLang="en-US"/>
+              <a:rPr kumimoji="1" lang="ja-JP" altLang="en-US" dirty="0">
+                <a:latin typeface="汉仪南宫体简" panose="02010609000101010101" pitchFamily="49" charset="-122"/>
+                <a:ea typeface="汉仪南宫体简" panose="02010609000101010101" pitchFamily="49" charset="-122"/>
+              </a:rPr>
               <a:t>表示预测下一条指令地址</a:t>
             </a:r>
             <a:r>
-              <a:rPr kumimoji="1" lang="zh-CN" altLang="en-US" dirty="0"/>
+              <a:rPr kumimoji="1" lang="zh-CN" altLang="en-US" dirty="0">
+                <a:latin typeface="汉仪南宫体简" panose="02010609000101010101" pitchFamily="49" charset="-122"/>
+                <a:ea typeface="汉仪南宫体简" panose="02010609000101010101" pitchFamily="49" charset="-122"/>
+              </a:rPr>
               <a:t>，</a:t>
             </a:r>
             <a:r>
-              <a:rPr kumimoji="1" lang="en-US" altLang="zh-CN" dirty="0"/>
+              <a:rPr kumimoji="1" lang="en-US" altLang="zh-CN" dirty="0">
+                <a:latin typeface="汉仪南宫体简" panose="02010609000101010101" pitchFamily="49" charset="-122"/>
+                <a:ea typeface="汉仪南宫体简" panose="02010609000101010101" pitchFamily="49" charset="-122"/>
+              </a:rPr>
               <a:t>BUF</a:t>
             </a:r>
             <a:r>
-              <a:rPr kumimoji="1" lang="ja-JP" altLang="en-US"/>
+              <a:rPr kumimoji="1" lang="ja-JP" altLang="en-US" dirty="0">
+                <a:latin typeface="汉仪南宫体简" panose="02010609000101010101" pitchFamily="49" charset="-122"/>
+                <a:ea typeface="汉仪南宫体简" panose="02010609000101010101" pitchFamily="49" charset="-122"/>
+              </a:rPr>
               <a:t>表示从</a:t>
             </a:r>
             <a:r>
-              <a:rPr kumimoji="1" lang="en-US" altLang="ja-JP" dirty="0"/>
+              <a:rPr kumimoji="1" lang="en-US" altLang="ja-JP" dirty="0">
+                <a:latin typeface="汉仪南宫体简" panose="02010609000101010101" pitchFamily="49" charset="-122"/>
+                <a:ea typeface="汉仪南宫体简" panose="02010609000101010101" pitchFamily="49" charset="-122"/>
+              </a:rPr>
               <a:t>BTB</a:t>
             </a:r>
             <a:r>
-              <a:rPr kumimoji="1" lang="ja-JP" altLang="en-US"/>
+              <a:rPr kumimoji="1" lang="ja-JP" altLang="en-US" dirty="0">
+                <a:latin typeface="汉仪南宫体简" panose="02010609000101010101" pitchFamily="49" charset="-122"/>
+                <a:ea typeface="汉仪南宫体简" panose="02010609000101010101" pitchFamily="49" charset="-122"/>
+              </a:rPr>
               <a:t>中取出的地址</a:t>
             </a:r>
             <a:r>
-              <a:rPr kumimoji="1" lang="zh-CN" altLang="en-US" dirty="0"/>
+              <a:rPr kumimoji="1" lang="zh-CN" altLang="en-US" dirty="0">
+                <a:latin typeface="汉仪南宫体简" panose="02010609000101010101" pitchFamily="49" charset="-122"/>
+                <a:ea typeface="汉仪南宫体简" panose="02010609000101010101" pitchFamily="49" charset="-122"/>
+              </a:rPr>
               <a:t>；</a:t>
             </a:r>
             <a:r>
-              <a:rPr kumimoji="1" lang="en-US" altLang="zh-CN" dirty="0"/>
+              <a:rPr kumimoji="1" lang="en-US" altLang="zh-CN" dirty="0">
+                <a:latin typeface="汉仪南宫体简" panose="02010609000101010101" pitchFamily="49" charset="-122"/>
+                <a:ea typeface="汉仪南宫体简" panose="02010609000101010101" pitchFamily="49" charset="-122"/>
+              </a:rPr>
               <a:t>flush</a:t>
             </a:r>
             <a:r>
-              <a:rPr kumimoji="1" lang="ja-JP" altLang="en-US"/>
+              <a:rPr kumimoji="1" lang="ja-JP" altLang="en-US" dirty="0">
+                <a:latin typeface="汉仪南宫体简" panose="02010609000101010101" pitchFamily="49" charset="-122"/>
+                <a:ea typeface="汉仪南宫体简" panose="02010609000101010101" pitchFamily="49" charset="-122"/>
+              </a:rPr>
               <a:t>表示刷新流水线</a:t>
             </a:r>
             <a:r>
-              <a:rPr kumimoji="1" lang="zh-CN" altLang="en-US" dirty="0"/>
+              <a:rPr kumimoji="1" lang="zh-CN" altLang="en-US" dirty="0">
+                <a:latin typeface="汉仪南宫体简" panose="02010609000101010101" pitchFamily="49" charset="-122"/>
+                <a:ea typeface="汉仪南宫体简" panose="02010609000101010101" pitchFamily="49" charset="-122"/>
+              </a:rPr>
               <a:t>；</a:t>
             </a:r>
             <a:r>
-              <a:rPr kumimoji="1" lang="en-US" altLang="zh-CN" dirty="0"/>
+              <a:rPr kumimoji="1" lang="en-US" altLang="zh-CN" dirty="0">
+                <a:latin typeface="汉仪南宫体简" panose="02010609000101010101" pitchFamily="49" charset="-122"/>
+                <a:ea typeface="汉仪南宫体简" panose="02010609000101010101" pitchFamily="49" charset="-122"/>
+              </a:rPr>
               <a:t>NPC_REAL</a:t>
             </a:r>
             <a:r>
-              <a:rPr kumimoji="1" lang="ja-JP" altLang="en-US"/>
+              <a:rPr kumimoji="1" lang="ja-JP" altLang="en-US" dirty="0">
+                <a:latin typeface="汉仪南宫体简" panose="02010609000101010101" pitchFamily="49" charset="-122"/>
+                <a:ea typeface="汉仪南宫体简" panose="02010609000101010101" pitchFamily="49" charset="-122"/>
+              </a:rPr>
               <a:t>表示</a:t>
             </a:r>
             <a:r>
-              <a:rPr kumimoji="1" lang="en-US" altLang="ja-JP" dirty="0"/>
+              <a:rPr kumimoji="1" lang="en-US" altLang="ja-JP" dirty="0">
+                <a:latin typeface="汉仪南宫体简" panose="02010609000101010101" pitchFamily="49" charset="-122"/>
+                <a:ea typeface="汉仪南宫体简" panose="02010609000101010101" pitchFamily="49" charset="-122"/>
+              </a:rPr>
               <a:t>EX</a:t>
             </a:r>
             <a:r>
-              <a:rPr kumimoji="1" lang="ja-JP" altLang="en-US"/>
+              <a:rPr kumimoji="1" lang="ja-JP" altLang="en-US" dirty="0">
+                <a:latin typeface="汉仪南宫体简" panose="02010609000101010101" pitchFamily="49" charset="-122"/>
+                <a:ea typeface="汉仪南宫体简" panose="02010609000101010101" pitchFamily="49" charset="-122"/>
+              </a:rPr>
               <a:t>阶段正确判断出的</a:t>
             </a:r>
             <a:r>
-              <a:rPr kumimoji="1" lang="en-US" altLang="ja-JP" dirty="0"/>
+              <a:rPr kumimoji="1" lang="en-US" altLang="ja-JP" dirty="0">
+                <a:latin typeface="汉仪南宫体简" panose="02010609000101010101" pitchFamily="49" charset="-122"/>
+                <a:ea typeface="汉仪南宫体简" panose="02010609000101010101" pitchFamily="49" charset="-122"/>
+              </a:rPr>
               <a:t>NPC</a:t>
             </a:r>
             <a:r>
-              <a:rPr kumimoji="1" lang="zh-CN" altLang="en-US" dirty="0"/>
+              <a:rPr kumimoji="1" lang="zh-CN" altLang="en-US" dirty="0">
+                <a:latin typeface="汉仪南宫体简" panose="02010609000101010101" pitchFamily="49" charset="-122"/>
+                <a:ea typeface="汉仪南宫体简" panose="02010609000101010101" pitchFamily="49" charset="-122"/>
+              </a:rPr>
               <a:t>。</a:t>
             </a:r>
-            <a:endParaRPr kumimoji="1" lang="en-US" altLang="zh-CN" dirty="0"/>
+            <a:endParaRPr kumimoji="1" lang="en-US" altLang="zh-CN" dirty="0">
+              <a:latin typeface="汉仪南宫体简" panose="02010609000101010101" pitchFamily="49" charset="-122"/>
+              <a:ea typeface="汉仪南宫体简" panose="02010609000101010101" pitchFamily="49" charset="-122"/>
+            </a:endParaRPr>
           </a:p>
           <a:p>
             <a:pPr marL="514350" indent="-514350">
@@ -4077,38 +4280,65 @@
               <a:buAutoNum type="arabicPeriod"/>
             </a:pPr>
             <a:r>
-              <a:rPr kumimoji="1" lang="en-US" altLang="zh-CN" dirty="0"/>
+              <a:rPr kumimoji="1" lang="en-US" altLang="zh-CN" dirty="0">
+                <a:latin typeface="汉仪南宫体简" panose="02010609000101010101" pitchFamily="49" charset="-122"/>
+                <a:ea typeface="汉仪南宫体简" panose="02010609000101010101" pitchFamily="49" charset="-122"/>
+              </a:rPr>
               <a:t>BHT</a:t>
             </a:r>
             <a:r>
-              <a:rPr kumimoji="1" lang="ja-JP" altLang="en-US"/>
+              <a:rPr kumimoji="1" lang="ja-JP" altLang="en-US" dirty="0">
+                <a:latin typeface="汉仪南宫体简" panose="02010609000101010101" pitchFamily="49" charset="-122"/>
+                <a:ea typeface="汉仪南宫体简" panose="02010609000101010101" pitchFamily="49" charset="-122"/>
+              </a:rPr>
               <a:t>根据状态机更新</a:t>
             </a:r>
             <a:r>
-              <a:rPr kumimoji="1" lang="zh-CN" altLang="en-US" dirty="0"/>
+              <a:rPr kumimoji="1" lang="zh-CN" altLang="en-US" dirty="0">
+                <a:latin typeface="汉仪南宫体简" panose="02010609000101010101" pitchFamily="49" charset="-122"/>
+                <a:ea typeface="汉仪南宫体简" panose="02010609000101010101" pitchFamily="49" charset="-122"/>
+              </a:rPr>
               <a:t>；</a:t>
             </a:r>
             <a:r>
-              <a:rPr kumimoji="1" lang="en-US" altLang="zh-CN" dirty="0"/>
+              <a:rPr kumimoji="1" lang="en-US" altLang="zh-CN" dirty="0">
+                <a:latin typeface="汉仪南宫体简" panose="02010609000101010101" pitchFamily="49" charset="-122"/>
+                <a:ea typeface="汉仪南宫体简" panose="02010609000101010101" pitchFamily="49" charset="-122"/>
+              </a:rPr>
               <a:t>BTB</a:t>
             </a:r>
             <a:r>
-              <a:rPr kumimoji="1" lang="ja-JP" altLang="en-US"/>
+              <a:rPr kumimoji="1" lang="ja-JP" altLang="en-US" dirty="0">
+                <a:latin typeface="汉仪南宫体简" panose="02010609000101010101" pitchFamily="49" charset="-122"/>
+                <a:ea typeface="汉仪南宫体简" panose="02010609000101010101" pitchFamily="49" charset="-122"/>
+              </a:rPr>
               <a:t>在</a:t>
             </a:r>
             <a:r>
-              <a:rPr kumimoji="1" lang="en-US" altLang="ja-JP" dirty="0"/>
+              <a:rPr kumimoji="1" lang="en-US" altLang="ja-JP" dirty="0">
+                <a:latin typeface="汉仪南宫体简" panose="02010609000101010101" pitchFamily="49" charset="-122"/>
+                <a:ea typeface="汉仪南宫体简" panose="02010609000101010101" pitchFamily="49" charset="-122"/>
+              </a:rPr>
               <a:t>cache</a:t>
             </a:r>
             <a:r>
-              <a:rPr kumimoji="1" lang="ja-JP" altLang="en-US"/>
+              <a:rPr kumimoji="1" lang="ja-JP" altLang="en-US" dirty="0">
+                <a:latin typeface="汉仪南宫体简" panose="02010609000101010101" pitchFamily="49" charset="-122"/>
+                <a:ea typeface="汉仪南宫体简" panose="02010609000101010101" pitchFamily="49" charset="-122"/>
+              </a:rPr>
               <a:t>冲突时更新</a:t>
             </a:r>
             <a:r>
-              <a:rPr kumimoji="1" lang="zh-CN" altLang="en-US" dirty="0"/>
+              <a:rPr kumimoji="1" lang="zh-CN" altLang="en-US" dirty="0">
+                <a:latin typeface="汉仪南宫体简" panose="02010609000101010101" pitchFamily="49" charset="-122"/>
+                <a:ea typeface="汉仪南宫体简" panose="02010609000101010101" pitchFamily="49" charset="-122"/>
+              </a:rPr>
               <a:t>。</a:t>
             </a:r>
-            <a:endParaRPr kumimoji="1" lang="en-US" altLang="zh-CN" dirty="0"/>
+            <a:endParaRPr kumimoji="1" lang="en-US" altLang="zh-CN" dirty="0">
+              <a:latin typeface="汉仪南宫体简" panose="02010609000101010101" pitchFamily="49" charset="-122"/>
+              <a:ea typeface="汉仪南宫体简" panose="02010609000101010101" pitchFamily="49" charset="-122"/>
+            </a:endParaRPr>
           </a:p>
           <a:p>
             <a:pPr marL="514350" indent="-514350">
@@ -4116,85 +4346,202 @@
               <a:buAutoNum type="arabicPeriod"/>
             </a:pPr>
             <a:r>
-              <a:rPr kumimoji="1" lang="ja-JP" altLang="en-US"/>
+              <a:rPr kumimoji="1" lang="ja-JP" altLang="en-US" dirty="0">
+                <a:solidFill>
+                  <a:srgbClr val="00B050"/>
+                </a:solidFill>
+                <a:latin typeface="汉仪南宫体简" panose="02010609000101010101" pitchFamily="49" charset="-122"/>
+                <a:ea typeface="汉仪南宫体简" panose="02010609000101010101" pitchFamily="49" charset="-122"/>
+              </a:rPr>
               <a:t>动态分支预测根据</a:t>
             </a:r>
             <a:r>
-              <a:rPr kumimoji="1" lang="en-US" altLang="ja-JP" dirty="0"/>
+              <a:rPr kumimoji="1" lang="en-US" altLang="ja-JP" dirty="0">
+                <a:solidFill>
+                  <a:srgbClr val="00B050"/>
+                </a:solidFill>
+                <a:latin typeface="汉仪南宫体简" panose="02010609000101010101" pitchFamily="49" charset="-122"/>
+                <a:ea typeface="汉仪南宫体简" panose="02010609000101010101" pitchFamily="49" charset="-122"/>
+              </a:rPr>
               <a:t>BHT</a:t>
             </a:r>
             <a:r>
-              <a:rPr kumimoji="1" lang="ja-JP" altLang="en-US"/>
+              <a:rPr kumimoji="1" lang="ja-JP" altLang="en-US" dirty="0">
+                <a:solidFill>
+                  <a:srgbClr val="00B050"/>
+                </a:solidFill>
+                <a:latin typeface="汉仪南宫体简" panose="02010609000101010101" pitchFamily="49" charset="-122"/>
+                <a:ea typeface="汉仪南宫体简" panose="02010609000101010101" pitchFamily="49" charset="-122"/>
+              </a:rPr>
               <a:t>的是否命中来确定</a:t>
             </a:r>
             <a:r>
-              <a:rPr kumimoji="1" lang="zh-CN" altLang="en-US" dirty="0"/>
+              <a:rPr kumimoji="1" lang="zh-CN" altLang="en-US" dirty="0">
+                <a:solidFill>
+                  <a:srgbClr val="00B050"/>
+                </a:solidFill>
+                <a:latin typeface="汉仪南宫体简" panose="02010609000101010101" pitchFamily="49" charset="-122"/>
+                <a:ea typeface="汉仪南宫体简" panose="02010609000101010101" pitchFamily="49" charset="-122"/>
+              </a:rPr>
               <a:t>（</a:t>
             </a:r>
             <a:r>
-              <a:rPr kumimoji="1" lang="ja-JP" altLang="en-US"/>
+              <a:rPr kumimoji="1" lang="ja-JP" altLang="en-US" dirty="0">
+                <a:solidFill>
+                  <a:srgbClr val="00B050"/>
+                </a:solidFill>
+                <a:latin typeface="汉仪南宫体简" panose="02010609000101010101" pitchFamily="49" charset="-122"/>
+                <a:ea typeface="汉仪南宫体简" panose="02010609000101010101" pitchFamily="49" charset="-122"/>
+              </a:rPr>
               <a:t>因为更精确</a:t>
             </a:r>
             <a:r>
-              <a:rPr kumimoji="1" lang="zh-CN" altLang="en-US"/>
+              <a:rPr kumimoji="1" lang="zh-CN" altLang="en-US" dirty="0">
+                <a:solidFill>
+                  <a:srgbClr val="00B050"/>
+                </a:solidFill>
+                <a:latin typeface="汉仪南宫体简" panose="02010609000101010101" pitchFamily="49" charset="-122"/>
+                <a:ea typeface="汉仪南宫体简" panose="02010609000101010101" pitchFamily="49" charset="-122"/>
+              </a:rPr>
               <a:t>）；</a:t>
             </a:r>
             <a:r>
-              <a:rPr kumimoji="1" lang="ja-JP" altLang="en-US"/>
+              <a:rPr kumimoji="1" lang="ja-JP" altLang="en-US" dirty="0">
+                <a:solidFill>
+                  <a:srgbClr val="00B050"/>
+                </a:solidFill>
+                <a:latin typeface="汉仪南宫体简" panose="02010609000101010101" pitchFamily="49" charset="-122"/>
+                <a:ea typeface="汉仪南宫体简" panose="02010609000101010101" pitchFamily="49" charset="-122"/>
+              </a:rPr>
               <a:t>但是如果</a:t>
             </a:r>
             <a:r>
-              <a:rPr kumimoji="1" lang="en-US" altLang="ja-JP" dirty="0"/>
+              <a:rPr kumimoji="1" lang="en-US" altLang="ja-JP" dirty="0">
+                <a:solidFill>
+                  <a:srgbClr val="00B050"/>
+                </a:solidFill>
+                <a:latin typeface="汉仪南宫体简" panose="02010609000101010101" pitchFamily="49" charset="-122"/>
+                <a:ea typeface="汉仪南宫体简" panose="02010609000101010101" pitchFamily="49" charset="-122"/>
+              </a:rPr>
               <a:t>BTB</a:t>
             </a:r>
             <a:r>
-              <a:rPr kumimoji="1" lang="ja-JP" altLang="en-US"/>
+              <a:rPr kumimoji="1" lang="ja-JP" altLang="en-US" dirty="0">
+                <a:solidFill>
+                  <a:srgbClr val="00B050"/>
+                </a:solidFill>
+                <a:latin typeface="汉仪南宫体简" panose="02010609000101010101" pitchFamily="49" charset="-122"/>
+                <a:ea typeface="汉仪南宫体简" panose="02010609000101010101" pitchFamily="49" charset="-122"/>
+              </a:rPr>
               <a:t>没命中</a:t>
             </a:r>
             <a:r>
-              <a:rPr kumimoji="1" lang="zh-CN" altLang="en-US" dirty="0"/>
+              <a:rPr kumimoji="1" lang="zh-CN" altLang="en-US" dirty="0">
+                <a:solidFill>
+                  <a:srgbClr val="00B050"/>
+                </a:solidFill>
+                <a:latin typeface="汉仪南宫体简" panose="02010609000101010101" pitchFamily="49" charset="-122"/>
+                <a:ea typeface="汉仪南宫体简" panose="02010609000101010101" pitchFamily="49" charset="-122"/>
+              </a:rPr>
               <a:t>，</a:t>
             </a:r>
             <a:r>
-              <a:rPr kumimoji="1" lang="en-US" altLang="zh-CN" dirty="0"/>
+              <a:rPr kumimoji="1" lang="en-US" altLang="zh-CN" dirty="0">
+                <a:solidFill>
+                  <a:srgbClr val="00B050"/>
+                </a:solidFill>
+                <a:latin typeface="汉仪南宫体简" panose="02010609000101010101" pitchFamily="49" charset="-122"/>
+                <a:ea typeface="汉仪南宫体简" panose="02010609000101010101" pitchFamily="49" charset="-122"/>
+              </a:rPr>
               <a:t>BHT</a:t>
             </a:r>
             <a:r>
-              <a:rPr kumimoji="1" lang="ja-JP" altLang="en-US"/>
+              <a:rPr kumimoji="1" lang="ja-JP" altLang="en-US" dirty="0">
+                <a:solidFill>
+                  <a:srgbClr val="00B050"/>
+                </a:solidFill>
+                <a:latin typeface="汉仪南宫体简" panose="02010609000101010101" pitchFamily="49" charset="-122"/>
+                <a:ea typeface="汉仪南宫体简" panose="02010609000101010101" pitchFamily="49" charset="-122"/>
+              </a:rPr>
               <a:t>命中</a:t>
             </a:r>
             <a:r>
-              <a:rPr kumimoji="1" lang="zh-CN" altLang="en-US" dirty="0"/>
+              <a:rPr kumimoji="1" lang="zh-CN" altLang="en-US" dirty="0">
+                <a:solidFill>
+                  <a:srgbClr val="00B050"/>
+                </a:solidFill>
+                <a:latin typeface="汉仪南宫体简" panose="02010609000101010101" pitchFamily="49" charset="-122"/>
+                <a:ea typeface="汉仪南宫体简" panose="02010609000101010101" pitchFamily="49" charset="-122"/>
+              </a:rPr>
               <a:t>，</a:t>
             </a:r>
             <a:r>
-              <a:rPr kumimoji="1" lang="ja-JP" altLang="en-US"/>
+              <a:rPr kumimoji="1" lang="ja-JP" altLang="en-US" dirty="0">
+                <a:solidFill>
+                  <a:srgbClr val="00B050"/>
+                </a:solidFill>
+                <a:latin typeface="汉仪南宫体简" panose="02010609000101010101" pitchFamily="49" charset="-122"/>
+                <a:ea typeface="汉仪南宫体简" panose="02010609000101010101" pitchFamily="49" charset="-122"/>
+              </a:rPr>
               <a:t>那么</a:t>
             </a:r>
             <a:r>
-              <a:rPr kumimoji="1" lang="en-US" altLang="ja-JP" dirty="0"/>
+              <a:rPr kumimoji="1" lang="en-US" altLang="ja-JP" dirty="0">
+                <a:solidFill>
+                  <a:srgbClr val="00B050"/>
+                </a:solidFill>
+                <a:latin typeface="汉仪南宫体简" panose="02010609000101010101" pitchFamily="49" charset="-122"/>
+                <a:ea typeface="汉仪南宫体简" panose="02010609000101010101" pitchFamily="49" charset="-122"/>
+              </a:rPr>
               <a:t>NPC_PRED</a:t>
             </a:r>
             <a:r>
-              <a:rPr kumimoji="1" lang="ja-JP" altLang="en-US"/>
+              <a:rPr kumimoji="1" lang="ja-JP" altLang="en-US" dirty="0">
+                <a:solidFill>
+                  <a:srgbClr val="00B050"/>
+                </a:solidFill>
+                <a:latin typeface="汉仪南宫体简" panose="02010609000101010101" pitchFamily="49" charset="-122"/>
+                <a:ea typeface="汉仪南宫体简" panose="02010609000101010101" pitchFamily="49" charset="-122"/>
+              </a:rPr>
               <a:t>选择</a:t>
             </a:r>
             <a:r>
-              <a:rPr kumimoji="1" lang="en-US" altLang="ja-JP" dirty="0"/>
+              <a:rPr kumimoji="1" lang="en-US" altLang="ja-JP" dirty="0">
+                <a:solidFill>
+                  <a:srgbClr val="00B050"/>
+                </a:solidFill>
+                <a:latin typeface="汉仪南宫体简" panose="02010609000101010101" pitchFamily="49" charset="-122"/>
+                <a:ea typeface="汉仪南宫体简" panose="02010609000101010101" pitchFamily="49" charset="-122"/>
+              </a:rPr>
               <a:t>PC_IF+4</a:t>
             </a:r>
             <a:r>
-              <a:rPr kumimoji="1" lang="zh-CN" altLang="en-US" dirty="0"/>
+              <a:rPr kumimoji="1" lang="zh-CN" altLang="en-US" dirty="0">
+                <a:solidFill>
+                  <a:srgbClr val="00B050"/>
+                </a:solidFill>
+                <a:latin typeface="汉仪南宫体简" panose="02010609000101010101" pitchFamily="49" charset="-122"/>
+                <a:ea typeface="汉仪南宫体简" panose="02010609000101010101" pitchFamily="49" charset="-122"/>
+              </a:rPr>
               <a:t>。</a:t>
             </a:r>
-            <a:endParaRPr kumimoji="1" lang="en-US" altLang="zh-CN" dirty="0"/>
+            <a:endParaRPr kumimoji="1" lang="en-US" altLang="zh-CN" dirty="0">
+              <a:solidFill>
+                <a:srgbClr val="00B050"/>
+              </a:solidFill>
+              <a:latin typeface="汉仪南宫体简" panose="02010609000101010101" pitchFamily="49" charset="-122"/>
+              <a:ea typeface="汉仪南宫体简" panose="02010609000101010101" pitchFamily="49" charset="-122"/>
+            </a:endParaRPr>
           </a:p>
           <a:p>
             <a:pPr marL="514350" indent="-514350">
               <a:buFont typeface="+mj-lt"/>
               <a:buAutoNum type="arabicPeriod"/>
             </a:pPr>
-            <a:endParaRPr kumimoji="1" lang="en-US" altLang="zh-CN" dirty="0"/>
+            <a:endParaRPr kumimoji="1" lang="en-US" altLang="zh-CN" dirty="0">
+              <a:latin typeface="汉仪南宫体简" panose="02010609000101010101" pitchFamily="49" charset="-122"/>
+              <a:ea typeface="汉仪南宫体简" panose="02010609000101010101" pitchFamily="49" charset="-122"/>
+            </a:endParaRPr>
           </a:p>
         </p:txBody>
       </p:sp>
@@ -4255,10 +4602,16 @@
           <a:lstStyle/>
           <a:p>
             <a:r>
-              <a:rPr kumimoji="1" lang="zh-CN" altLang="en-US" dirty="0"/>
+              <a:rPr kumimoji="1" lang="zh-CN" altLang="en-US" b="1" dirty="0">
+                <a:latin typeface="汉仪南宫体简" panose="02010609000101010101" pitchFamily="49" charset="-122"/>
+                <a:ea typeface="汉仪南宫体简" panose="02010609000101010101" pitchFamily="49" charset="-122"/>
+              </a:rPr>
               <a:t>需要添加、修改的代码部分</a:t>
             </a:r>
-            <a:endParaRPr kumimoji="1" lang="en-US" altLang="zh-CN" dirty="0"/>
+            <a:endParaRPr kumimoji="1" lang="en-US" altLang="zh-CN" b="1" dirty="0">
+              <a:latin typeface="汉仪南宫体简" panose="02010609000101010101" pitchFamily="49" charset="-122"/>
+              <a:ea typeface="汉仪南宫体简" panose="02010609000101010101" pitchFamily="49" charset="-122"/>
+            </a:endParaRPr>
           </a:p>
         </p:txBody>
       </p:sp>
@@ -4293,22 +4646,37 @@
               <a:buAutoNum type="arabicPeriod"/>
             </a:pPr>
             <a:r>
-              <a:rPr kumimoji="1" lang="zh-CN" altLang="en-US" dirty="0"/>
+              <a:rPr kumimoji="1" lang="zh-CN" altLang="en-US" b="1" dirty="0">
+                <a:latin typeface="汉仪南宫体简" panose="02010609000101010101" pitchFamily="49" charset="-122"/>
+                <a:ea typeface="汉仪南宫体简" panose="02010609000101010101" pitchFamily="49" charset="-122"/>
+              </a:rPr>
               <a:t>添加</a:t>
             </a:r>
             <a:r>
-              <a:rPr kumimoji="1" lang="en-US" altLang="zh-CN" dirty="0" err="1"/>
+              <a:rPr kumimoji="1" lang="en-US" altLang="zh-CN" b="1" dirty="0" err="1">
+                <a:latin typeface="汉仪南宫体简" panose="02010609000101010101" pitchFamily="49" charset="-122"/>
+                <a:ea typeface="汉仪南宫体简" panose="02010609000101010101" pitchFamily="49" charset="-122"/>
+              </a:rPr>
               <a:t>btb.v</a:t>
             </a:r>
             <a:r>
-              <a:rPr kumimoji="1" lang="zh-CN" altLang="en-US" dirty="0"/>
+              <a:rPr kumimoji="1" lang="zh-CN" altLang="en-US" b="1" dirty="0">
+                <a:latin typeface="汉仪南宫体简" panose="02010609000101010101" pitchFamily="49" charset="-122"/>
+                <a:ea typeface="汉仪南宫体简" panose="02010609000101010101" pitchFamily="49" charset="-122"/>
+              </a:rPr>
               <a:t>、</a:t>
             </a:r>
             <a:r>
-              <a:rPr kumimoji="1" lang="en-US" altLang="zh-CN" dirty="0" err="1"/>
+              <a:rPr kumimoji="1" lang="en-US" altLang="zh-CN" b="1" dirty="0" err="1">
+                <a:latin typeface="汉仪南宫体简" panose="02010609000101010101" pitchFamily="49" charset="-122"/>
+                <a:ea typeface="汉仪南宫体简" panose="02010609000101010101" pitchFamily="49" charset="-122"/>
+              </a:rPr>
               <a:t>bht.v</a:t>
             </a:r>
-            <a:endParaRPr kumimoji="1" lang="en-US" altLang="zh-CN" dirty="0"/>
+            <a:endParaRPr kumimoji="1" lang="en-US" altLang="zh-CN" b="1" dirty="0">
+              <a:latin typeface="汉仪南宫体简" panose="02010609000101010101" pitchFamily="49" charset="-122"/>
+              <a:ea typeface="汉仪南宫体简" panose="02010609000101010101" pitchFamily="49" charset="-122"/>
+            </a:endParaRPr>
           </a:p>
           <a:p>
             <a:pPr marL="514350" indent="-514350">
@@ -4316,7 +4684,10 @@
               <a:buAutoNum type="arabicPeriod"/>
             </a:pPr>
             <a:r>
-              <a:rPr kumimoji="1" lang="en-US" altLang="zh-CN" dirty="0"/>
+              <a:rPr kumimoji="1" lang="en-US" altLang="zh-CN" b="1" dirty="0">
+                <a:latin typeface="汉仪南宫体简" panose="02010609000101010101" pitchFamily="49" charset="-122"/>
+                <a:ea typeface="汉仪南宫体简" panose="02010609000101010101" pitchFamily="49" charset="-122"/>
+              </a:rPr>
               <a:t>RV32Core.v</a:t>
             </a:r>
           </a:p>
@@ -4326,10 +4697,16 @@
               <a:buAutoNum type="arabicPeriod"/>
             </a:pPr>
             <a:r>
-              <a:rPr kumimoji="1" lang="en-US" altLang="zh-CN" dirty="0" err="1"/>
+              <a:rPr kumimoji="1" lang="en-US" altLang="zh-CN" b="1" dirty="0" err="1">
+                <a:latin typeface="汉仪南宫体简" panose="02010609000101010101" pitchFamily="49" charset="-122"/>
+                <a:ea typeface="汉仪南宫体简" panose="02010609000101010101" pitchFamily="49" charset="-122"/>
+              </a:rPr>
               <a:t>NPC.v</a:t>
             </a:r>
-            <a:endParaRPr kumimoji="1" lang="en-US" altLang="zh-CN" dirty="0"/>
+            <a:endParaRPr kumimoji="1" lang="en-US" altLang="zh-CN" b="1" dirty="0">
+              <a:latin typeface="汉仪南宫体简" panose="02010609000101010101" pitchFamily="49" charset="-122"/>
+              <a:ea typeface="汉仪南宫体简" panose="02010609000101010101" pitchFamily="49" charset="-122"/>
+            </a:endParaRPr>
           </a:p>
           <a:p>
             <a:pPr marL="514350" indent="-514350">
@@ -4337,10 +4714,16 @@
               <a:buAutoNum type="arabicPeriod"/>
             </a:pPr>
             <a:r>
-              <a:rPr kumimoji="1" lang="en-US" altLang="zh-CN" dirty="0" err="1"/>
+              <a:rPr kumimoji="1" lang="en-US" altLang="zh-CN" b="1" dirty="0" err="1">
+                <a:latin typeface="汉仪南宫体简" panose="02010609000101010101" pitchFamily="49" charset="-122"/>
+                <a:ea typeface="汉仪南宫体简" panose="02010609000101010101" pitchFamily="49" charset="-122"/>
+              </a:rPr>
               <a:t>HazardUnit.v</a:t>
             </a:r>
-            <a:endParaRPr kumimoji="1" lang="en-US" altLang="zh-CN" dirty="0"/>
+            <a:endParaRPr kumimoji="1" lang="en-US" altLang="zh-CN" b="1" dirty="0">
+              <a:latin typeface="汉仪南宫体简" panose="02010609000101010101" pitchFamily="49" charset="-122"/>
+              <a:ea typeface="汉仪南宫体简" panose="02010609000101010101" pitchFamily="49" charset="-122"/>
+            </a:endParaRPr>
           </a:p>
           <a:p>
             <a:pPr marL="514350" indent="-514350">
@@ -4348,18 +4731,30 @@
               <a:buAutoNum type="arabicPeriod"/>
             </a:pPr>
             <a:r>
-              <a:rPr kumimoji="1" lang="en-US" altLang="zh-CN" dirty="0" err="1"/>
+              <a:rPr kumimoji="1" lang="en-US" altLang="zh-CN" b="1" dirty="0" err="1">
+                <a:latin typeface="汉仪南宫体简" panose="02010609000101010101" pitchFamily="49" charset="-122"/>
+                <a:ea typeface="汉仪南宫体简" panose="02010609000101010101" pitchFamily="49" charset="-122"/>
+              </a:rPr>
               <a:t>IDSegReg.v</a:t>
             </a:r>
             <a:r>
-              <a:rPr kumimoji="1" lang="zh-CN" altLang="en-US" dirty="0"/>
+              <a:rPr kumimoji="1" lang="zh-CN" altLang="en-US" b="1" dirty="0">
+                <a:latin typeface="汉仪南宫体简" panose="02010609000101010101" pitchFamily="49" charset="-122"/>
+                <a:ea typeface="汉仪南宫体简" panose="02010609000101010101" pitchFamily="49" charset="-122"/>
+              </a:rPr>
               <a:t>、</a:t>
             </a:r>
             <a:r>
-              <a:rPr kumimoji="1" lang="en-US" altLang="zh-CN" dirty="0" err="1"/>
+              <a:rPr kumimoji="1" lang="en-US" altLang="zh-CN" b="1" dirty="0" err="1">
+                <a:latin typeface="汉仪南宫体简" panose="02010609000101010101" pitchFamily="49" charset="-122"/>
+                <a:ea typeface="汉仪南宫体简" panose="02010609000101010101" pitchFamily="49" charset="-122"/>
+              </a:rPr>
               <a:t>EXSegReg.v</a:t>
             </a:r>
-            <a:endParaRPr kumimoji="1" lang="en-US" altLang="zh-CN" dirty="0"/>
+            <a:endParaRPr kumimoji="1" lang="en-US" altLang="zh-CN" b="1" dirty="0">
+              <a:latin typeface="汉仪南宫体简" panose="02010609000101010101" pitchFamily="49" charset="-122"/>
+              <a:ea typeface="汉仪南宫体简" panose="02010609000101010101" pitchFamily="49" charset="-122"/>
+            </a:endParaRPr>
           </a:p>
         </p:txBody>
       </p:sp>
@@ -4415,10 +4810,16 @@
           <a:lstStyle/>
           <a:p>
             <a:r>
-              <a:rPr kumimoji="1" lang="zh-CN" altLang="en-US" dirty="0"/>
+              <a:rPr kumimoji="1" lang="zh-CN" altLang="en-US" b="1" dirty="0">
+                <a:latin typeface="汉仪南宫体简" panose="02010609000101010101" pitchFamily="49" charset="-122"/>
+                <a:ea typeface="汉仪南宫体简" panose="02010609000101010101" pitchFamily="49" charset="-122"/>
+              </a:rPr>
               <a:t>检查、实验报告要求</a:t>
             </a:r>
-            <a:endParaRPr kumimoji="1" lang="en-US" altLang="zh-CN" dirty="0"/>
+            <a:endParaRPr kumimoji="1" lang="en-US" altLang="zh-CN" b="1" dirty="0">
+              <a:latin typeface="汉仪南宫体简" panose="02010609000101010101" pitchFamily="49" charset="-122"/>
+              <a:ea typeface="汉仪南宫体简" panose="02010609000101010101" pitchFamily="49" charset="-122"/>
+            </a:endParaRPr>
           </a:p>
         </p:txBody>
       </p:sp>
@@ -4448,84 +4849,116 @@
               <a:buChar char="Ø"/>
             </a:pPr>
             <a:r>
-              <a:rPr kumimoji="1" lang="zh-CN" altLang="en-US" sz="3200" b="1" dirty="0"/>
+              <a:rPr kumimoji="1" lang="zh-CN" altLang="en-US" sz="3200" b="1" dirty="0">
+                <a:latin typeface="汉仪南宫体简" panose="02010609000101010101" pitchFamily="49" charset="-122"/>
+                <a:ea typeface="汉仪南宫体简" panose="02010609000101010101" pitchFamily="49" charset="-122"/>
+              </a:rPr>
               <a:t>检查、报告</a:t>
             </a:r>
-            <a:endParaRPr kumimoji="1" lang="en-US" altLang="zh-CN" sz="3200" b="1" dirty="0"/>
+            <a:endParaRPr kumimoji="1" lang="en-US" altLang="zh-CN" sz="3200" b="1" dirty="0">
+              <a:latin typeface="汉仪南宫体简" panose="02010609000101010101" pitchFamily="49" charset="-122"/>
+              <a:ea typeface="汉仪南宫体简" panose="02010609000101010101" pitchFamily="49" charset="-122"/>
+            </a:endParaRPr>
           </a:p>
           <a:p>
             <a:pPr lvl="1"/>
             <a:r>
-              <a:rPr kumimoji="1" lang="zh-CN" altLang="en-US" sz="2800" dirty="0"/>
+              <a:rPr kumimoji="1" lang="zh-CN" altLang="en-US" sz="2800" b="1" dirty="0">
+                <a:latin typeface="汉仪南宫体简" panose="02010609000101010101" pitchFamily="49" charset="-122"/>
+                <a:ea typeface="汉仪南宫体简" panose="02010609000101010101" pitchFamily="49" charset="-122"/>
+              </a:rPr>
               <a:t>分支收益和分支代价</a:t>
             </a:r>
-            <a:endParaRPr kumimoji="1" lang="en-US" altLang="zh-CN" sz="2800" dirty="0"/>
+            <a:endParaRPr kumimoji="1" lang="en-US" altLang="zh-CN" sz="2800" b="1" dirty="0">
+              <a:latin typeface="汉仪南宫体简" panose="02010609000101010101" pitchFamily="49" charset="-122"/>
+              <a:ea typeface="汉仪南宫体简" panose="02010609000101010101" pitchFamily="49" charset="-122"/>
+            </a:endParaRPr>
           </a:p>
           <a:p>
             <a:pPr lvl="1"/>
             <a:r>
-              <a:rPr kumimoji="1" lang="zh-CN" altLang="en-US" sz="2800" dirty="0"/>
+              <a:rPr kumimoji="1" lang="zh-CN" altLang="en-US" sz="2800" b="1" dirty="0">
+                <a:latin typeface="汉仪南宫体简" panose="02010609000101010101" pitchFamily="49" charset="-122"/>
+                <a:ea typeface="汉仪南宫体简" panose="02010609000101010101" pitchFamily="49" charset="-122"/>
+              </a:rPr>
               <a:t>统计未使用分支预测和使用分支预测的总周期数及差值</a:t>
             </a:r>
-            <a:endParaRPr kumimoji="1" lang="en-US" altLang="zh-CN" sz="2800" dirty="0"/>
+            <a:endParaRPr kumimoji="1" lang="en-US" altLang="zh-CN" sz="2800" b="1" dirty="0">
+              <a:latin typeface="汉仪南宫体简" panose="02010609000101010101" pitchFamily="49" charset="-122"/>
+              <a:ea typeface="汉仪南宫体简" panose="02010609000101010101" pitchFamily="49" charset="-122"/>
+            </a:endParaRPr>
           </a:p>
           <a:p>
             <a:pPr lvl="1"/>
             <a:r>
-              <a:rPr kumimoji="1" lang="zh-CN" altLang="en-US" sz="2800" dirty="0"/>
-              <a:t>统计分支指令数目</a:t>
-            </a:r>
-            <a:r>
-              <a:rPr kumimoji="1" lang="zh-CN" altLang="en-US" sz="2800" dirty="0">
-                <a:latin typeface="+mn-ea"/>
-              </a:rPr>
-              <a:t>、</a:t>
-            </a:r>
-            <a:r>
-              <a:rPr kumimoji="1" lang="ja-JP" altLang="en-US" sz="2800"/>
+              <a:rPr kumimoji="1" lang="zh-CN" altLang="en-US" sz="2800" b="1" dirty="0">
+                <a:latin typeface="汉仪南宫体简" panose="02010609000101010101" pitchFamily="49" charset="-122"/>
+                <a:ea typeface="汉仪南宫体简" panose="02010609000101010101" pitchFamily="49" charset="-122"/>
+              </a:rPr>
+              <a:t>统计分支指令数目、</a:t>
+            </a:r>
+            <a:r>
+              <a:rPr kumimoji="1" lang="ja-JP" altLang="en-US" sz="2800" b="1">
+                <a:latin typeface="汉仪南宫体简" panose="02010609000101010101" pitchFamily="49" charset="-122"/>
+                <a:ea typeface="汉仪南宫体简" panose="02010609000101010101" pitchFamily="49" charset="-122"/>
+              </a:rPr>
               <a:t>动态</a:t>
             </a:r>
             <a:r>
-              <a:rPr kumimoji="1" lang="zh-CN" altLang="en-US" sz="2800" dirty="0">
-                <a:latin typeface="+mn-ea"/>
+              <a:rPr kumimoji="1" lang="zh-CN" altLang="en-US" sz="2800" b="1" dirty="0">
+                <a:latin typeface="汉仪南宫体简" panose="02010609000101010101" pitchFamily="49" charset="-122"/>
+                <a:ea typeface="汉仪南宫体简" panose="02010609000101010101" pitchFamily="49" charset="-122"/>
               </a:rPr>
               <a:t>分支预测正确</a:t>
             </a:r>
             <a:r>
-              <a:rPr kumimoji="1" lang="ja-JP" altLang="en-US" sz="2800">
-                <a:latin typeface="+mn-ea"/>
+              <a:rPr kumimoji="1" lang="ja-JP" altLang="en-US" sz="2800" b="1">
+                <a:latin typeface="汉仪南宫体简" panose="02010609000101010101" pitchFamily="49" charset="-122"/>
+                <a:ea typeface="汉仪南宫体简" panose="02010609000101010101" pitchFamily="49" charset="-122"/>
               </a:rPr>
               <a:t>次数</a:t>
             </a:r>
             <a:r>
-              <a:rPr kumimoji="1" lang="zh-CN" altLang="en-US" sz="2800" dirty="0">
-                <a:latin typeface="+mn-ea"/>
+              <a:rPr kumimoji="1" lang="zh-CN" altLang="en-US" sz="2800" b="1" dirty="0">
+                <a:latin typeface="汉仪南宫体简" panose="02010609000101010101" pitchFamily="49" charset="-122"/>
+                <a:ea typeface="汉仪南宫体简" panose="02010609000101010101" pitchFamily="49" charset="-122"/>
               </a:rPr>
               <a:t>和</a:t>
             </a:r>
             <a:r>
-              <a:rPr kumimoji="1" lang="ja-JP" altLang="en-US" sz="2800">
-                <a:latin typeface="+mn-ea"/>
+              <a:rPr kumimoji="1" lang="ja-JP" altLang="en-US" sz="2800" b="1">
+                <a:latin typeface="汉仪南宫体简" panose="02010609000101010101" pitchFamily="49" charset="-122"/>
+                <a:ea typeface="汉仪南宫体简" panose="02010609000101010101" pitchFamily="49" charset="-122"/>
               </a:rPr>
               <a:t>错误次数</a:t>
             </a:r>
-            <a:endParaRPr kumimoji="1" lang="en-US" altLang="zh-CN" sz="2800" dirty="0">
-              <a:latin typeface="+mn-ea"/>
+            <a:endParaRPr kumimoji="1" lang="en-US" altLang="zh-CN" sz="2800" b="1" dirty="0">
+              <a:latin typeface="汉仪南宫体简" panose="02010609000101010101" pitchFamily="49" charset="-122"/>
+              <a:ea typeface="汉仪南宫体简" panose="02010609000101010101" pitchFamily="49" charset="-122"/>
             </a:endParaRPr>
           </a:p>
           <a:p>
             <a:pPr lvl="1"/>
             <a:r>
-              <a:rPr kumimoji="1" lang="zh-CN" altLang="en-US" sz="2800" dirty="0"/>
+              <a:rPr kumimoji="1" lang="zh-CN" altLang="en-US" sz="2800" b="1" dirty="0">
+                <a:latin typeface="汉仪南宫体简" panose="02010609000101010101" pitchFamily="49" charset="-122"/>
+                <a:ea typeface="汉仪南宫体简" panose="02010609000101010101" pitchFamily="49" charset="-122"/>
+              </a:rPr>
               <a:t>对比不同策略并分析以上几点的关系</a:t>
             </a:r>
-            <a:endParaRPr kumimoji="1" lang="en-US" altLang="zh-CN" sz="2800" dirty="0"/>
+            <a:endParaRPr kumimoji="1" lang="en-US" altLang="zh-CN" sz="2800" b="1" dirty="0">
+              <a:latin typeface="汉仪南宫体简" panose="02010609000101010101" pitchFamily="49" charset="-122"/>
+              <a:ea typeface="汉仪南宫体简" panose="02010609000101010101" pitchFamily="49" charset="-122"/>
+            </a:endParaRPr>
           </a:p>
           <a:p>
             <a:pPr marL="0" indent="0">
               <a:buNone/>
             </a:pPr>
-            <a:endParaRPr kumimoji="1" lang="en-US" altLang="zh-CN" dirty="0"/>
+            <a:endParaRPr kumimoji="1" lang="en-US" altLang="zh-CN" b="1" dirty="0">
+              <a:latin typeface="汉仪南宫体简" panose="02010609000101010101" pitchFamily="49" charset="-122"/>
+              <a:ea typeface="汉仪南宫体简" panose="02010609000101010101" pitchFamily="49" charset="-122"/>
+            </a:endParaRPr>
           </a:p>
           <a:p>
             <a:pPr>
@@ -4533,35 +4966,59 @@
               <a:buChar char="Ø"/>
             </a:pPr>
             <a:r>
-              <a:rPr kumimoji="1" lang="zh-CN" altLang="en-US" sz="3200" b="1" dirty="0"/>
+              <a:rPr kumimoji="1" lang="zh-CN" altLang="en-US" sz="3200" b="1" dirty="0">
+                <a:latin typeface="汉仪南宫体简" panose="02010609000101010101" pitchFamily="49" charset="-122"/>
+                <a:ea typeface="汉仪南宫体简" panose="02010609000101010101" pitchFamily="49" charset="-122"/>
+              </a:rPr>
               <a:t>报告</a:t>
             </a:r>
-            <a:endParaRPr kumimoji="1" lang="en-US" altLang="zh-CN" sz="3200" b="1" dirty="0"/>
+            <a:endParaRPr kumimoji="1" lang="en-US" altLang="zh-CN" sz="3200" b="1" dirty="0">
+              <a:latin typeface="汉仪南宫体简" panose="02010609000101010101" pitchFamily="49" charset="-122"/>
+              <a:ea typeface="汉仪南宫体简" panose="02010609000101010101" pitchFamily="49" charset="-122"/>
+            </a:endParaRPr>
           </a:p>
           <a:p>
             <a:pPr lvl="1"/>
             <a:r>
-              <a:rPr kumimoji="1" lang="zh-CN" altLang="en-US" sz="2800" dirty="0"/>
+              <a:rPr kumimoji="1" lang="zh-CN" altLang="en-US" sz="2800" b="1" dirty="0">
+                <a:latin typeface="汉仪南宫体简" panose="02010609000101010101" pitchFamily="49" charset="-122"/>
+                <a:ea typeface="汉仪南宫体简" panose="02010609000101010101" pitchFamily="49" charset="-122"/>
+              </a:rPr>
               <a:t>计算整体</a:t>
             </a:r>
             <a:r>
-              <a:rPr kumimoji="1" lang="en-US" altLang="zh-CN" sz="2800" dirty="0"/>
+              <a:rPr kumimoji="1" lang="en-US" altLang="zh-CN" sz="2800" b="1" dirty="0">
+                <a:latin typeface="汉仪南宫体简" panose="02010609000101010101" pitchFamily="49" charset="-122"/>
+                <a:ea typeface="汉仪南宫体简" panose="02010609000101010101" pitchFamily="49" charset="-122"/>
+              </a:rPr>
               <a:t>CPI</a:t>
             </a:r>
             <a:r>
-              <a:rPr kumimoji="1" lang="zh-CN" altLang="en-US" sz="2800" dirty="0"/>
+              <a:rPr kumimoji="1" lang="zh-CN" altLang="en-US" sz="2800" b="1" dirty="0">
+                <a:latin typeface="汉仪南宫体简" panose="02010609000101010101" pitchFamily="49" charset="-122"/>
+                <a:ea typeface="汉仪南宫体简" panose="02010609000101010101" pitchFamily="49" charset="-122"/>
+              </a:rPr>
               <a:t>和加速比</a:t>
             </a:r>
-            <a:endParaRPr kumimoji="1" lang="en-US" altLang="zh-CN" sz="2800" dirty="0"/>
+            <a:endParaRPr kumimoji="1" lang="en-US" altLang="zh-CN" sz="2800" b="1" dirty="0">
+              <a:latin typeface="汉仪南宫体简" panose="02010609000101010101" pitchFamily="49" charset="-122"/>
+              <a:ea typeface="汉仪南宫体简" panose="02010609000101010101" pitchFamily="49" charset="-122"/>
+            </a:endParaRPr>
           </a:p>
           <a:p>
             <a:pPr marL="457200" lvl="1" indent="0">
               <a:buNone/>
             </a:pPr>
-            <a:endParaRPr kumimoji="1" lang="en-US" altLang="zh-CN" sz="2800" dirty="0"/>
-          </a:p>
-          <a:p>
-            <a:endParaRPr kumimoji="1" lang="en-US" altLang="zh-CN" dirty="0"/>
+            <a:endParaRPr kumimoji="1" lang="en-US" altLang="zh-CN" sz="2800" b="1" dirty="0">
+              <a:latin typeface="汉仪南宫体简" panose="02010609000101010101" pitchFamily="49" charset="-122"/>
+              <a:ea typeface="汉仪南宫体简" panose="02010609000101010101" pitchFamily="49" charset="-122"/>
+            </a:endParaRPr>
+          </a:p>
+          <a:p>
+            <a:endParaRPr kumimoji="1" lang="en-US" altLang="zh-CN" b="1" dirty="0">
+              <a:latin typeface="汉仪南宫体简" panose="02010609000101010101" pitchFamily="49" charset="-122"/>
+              <a:ea typeface="汉仪南宫体简" panose="02010609000101010101" pitchFamily="49" charset="-122"/>
+            </a:endParaRPr>
           </a:p>
         </p:txBody>
       </p:sp>
@@ -4617,7 +5074,10 @@
           <a:lstStyle/>
           <a:p>
             <a:r>
-              <a:rPr kumimoji="1" lang="zh-CN" altLang="en-US" dirty="0"/>
+              <a:rPr kumimoji="1" lang="zh-CN" altLang="en-US" dirty="0">
+                <a:latin typeface="汉仪南宫体简" panose="02010609000101010101" pitchFamily="49" charset="-122"/>
+                <a:ea typeface="汉仪南宫体简" panose="02010609000101010101" pitchFamily="49" charset="-122"/>
+              </a:rPr>
               <a:t>主要内容</a:t>
             </a:r>
           </a:p>
@@ -4645,29 +5105,47 @@
           <a:lstStyle/>
           <a:p>
             <a:r>
-              <a:rPr kumimoji="1" lang="zh-CN" altLang="en-US" dirty="0"/>
+              <a:rPr kumimoji="1" lang="zh-CN" altLang="en-US" dirty="0">
+                <a:latin typeface="汉仪南宫体简" panose="02010609000101010101" pitchFamily="49" charset="-122"/>
+                <a:ea typeface="汉仪南宫体简" panose="02010609000101010101" pitchFamily="49" charset="-122"/>
+              </a:rPr>
               <a:t>实验内容</a:t>
             </a:r>
-            <a:endParaRPr kumimoji="1" lang="en-US" altLang="zh-CN" dirty="0"/>
-          </a:p>
-          <a:p>
-            <a:r>
-              <a:rPr kumimoji="1" lang="en-US" altLang="zh-CN" dirty="0"/>
+            <a:endParaRPr kumimoji="1" lang="en-US" altLang="zh-CN" dirty="0">
+              <a:latin typeface="汉仪南宫体简" panose="02010609000101010101" pitchFamily="49" charset="-122"/>
+              <a:ea typeface="汉仪南宫体简" panose="02010609000101010101" pitchFamily="49" charset="-122"/>
+            </a:endParaRPr>
+          </a:p>
+          <a:p>
+            <a:r>
+              <a:rPr kumimoji="1" lang="en-US" altLang="zh-CN" dirty="0">
+                <a:latin typeface="汉仪南宫体简" panose="02010609000101010101" pitchFamily="49" charset="-122"/>
+                <a:ea typeface="汉仪南宫体简" panose="02010609000101010101" pitchFamily="49" charset="-122"/>
+              </a:rPr>
               <a:t>BTB</a:t>
             </a:r>
           </a:p>
           <a:p>
             <a:r>
-              <a:rPr kumimoji="1" lang="en-US" altLang="zh-CN" dirty="0"/>
+              <a:rPr kumimoji="1" lang="en-US" altLang="zh-CN" dirty="0">
+                <a:latin typeface="汉仪南宫体简" panose="02010609000101010101" pitchFamily="49" charset="-122"/>
+                <a:ea typeface="汉仪南宫体简" panose="02010609000101010101" pitchFamily="49" charset="-122"/>
+              </a:rPr>
               <a:t>BHT(2 bit)</a:t>
             </a:r>
           </a:p>
           <a:p>
             <a:r>
-              <a:rPr kumimoji="1" lang="zh-CN" altLang="en-US" dirty="0"/>
+              <a:rPr kumimoji="1" lang="zh-CN" altLang="en-US" dirty="0">
+                <a:latin typeface="汉仪南宫体简" panose="02010609000101010101" pitchFamily="49" charset="-122"/>
+                <a:ea typeface="汉仪南宫体简" panose="02010609000101010101" pitchFamily="49" charset="-122"/>
+              </a:rPr>
               <a:t>检查、实验报告要求</a:t>
             </a:r>
-            <a:endParaRPr kumimoji="1" lang="en-US" altLang="zh-CN" dirty="0"/>
+            <a:endParaRPr kumimoji="1" lang="en-US" altLang="zh-CN" dirty="0">
+              <a:latin typeface="汉仪南宫体简" panose="02010609000101010101" pitchFamily="49" charset="-122"/>
+              <a:ea typeface="汉仪南宫体简" panose="02010609000101010101" pitchFamily="49" charset="-122"/>
+            </a:endParaRPr>
           </a:p>
         </p:txBody>
       </p:sp>
@@ -4723,7 +5201,10 @@
           <a:lstStyle/>
           <a:p>
             <a:r>
-              <a:rPr kumimoji="1" lang="zh-CN" altLang="en-US" dirty="0"/>
+              <a:rPr kumimoji="1" lang="zh-CN" altLang="en-US" dirty="0">
+                <a:latin typeface="汉仪南宫体简" panose="02010609000101010101" pitchFamily="49" charset="-122"/>
+                <a:ea typeface="汉仪南宫体简" panose="02010609000101010101" pitchFamily="49" charset="-122"/>
+              </a:rPr>
               <a:t>实验内容</a:t>
             </a:r>
           </a:p>
@@ -4755,11 +5236,17 @@
               <a:buAutoNum type="arabicPeriod"/>
             </a:pPr>
             <a:r>
-              <a:rPr kumimoji="1" lang="zh-CN" altLang="en-US" dirty="0"/>
+              <a:rPr kumimoji="1" lang="zh-CN" altLang="en-US" dirty="0">
+                <a:latin typeface="汉仪南宫体简" panose="02010609000101010101" pitchFamily="49" charset="-122"/>
+                <a:ea typeface="汉仪南宫体简" panose="02010609000101010101" pitchFamily="49" charset="-122"/>
+              </a:rPr>
               <a:t>首先实现</a:t>
             </a:r>
             <a:r>
-              <a:rPr kumimoji="1" lang="en-US" altLang="zh-CN" dirty="0"/>
+              <a:rPr kumimoji="1" lang="en-US" altLang="zh-CN" dirty="0">
+                <a:latin typeface="汉仪南宫体简" panose="02010609000101010101" pitchFamily="49" charset="-122"/>
+                <a:ea typeface="汉仪南宫体简" panose="02010609000101010101" pitchFamily="49" charset="-122"/>
+              </a:rPr>
               <a:t>BTB</a:t>
             </a:r>
           </a:p>
@@ -4769,27 +5256,45 @@
               <a:buAutoNum type="arabicPeriod"/>
             </a:pPr>
             <a:r>
-              <a:rPr kumimoji="1" lang="zh-CN" altLang="en-US" dirty="0"/>
+              <a:rPr kumimoji="1" lang="zh-CN" altLang="en-US" dirty="0">
+                <a:latin typeface="汉仪南宫体简" panose="02010609000101010101" pitchFamily="49" charset="-122"/>
+                <a:ea typeface="汉仪南宫体简" panose="02010609000101010101" pitchFamily="49" charset="-122"/>
+              </a:rPr>
               <a:t>在</a:t>
             </a:r>
             <a:r>
-              <a:rPr kumimoji="1" lang="en-US" altLang="zh-CN" dirty="0"/>
+              <a:rPr kumimoji="1" lang="en-US" altLang="zh-CN" dirty="0">
+                <a:latin typeface="汉仪南宫体简" panose="02010609000101010101" pitchFamily="49" charset="-122"/>
+                <a:ea typeface="汉仪南宫体简" panose="02010609000101010101" pitchFamily="49" charset="-122"/>
+              </a:rPr>
               <a:t>BTB</a:t>
             </a:r>
             <a:r>
-              <a:rPr kumimoji="1" lang="zh-CN" altLang="en-US" dirty="0"/>
+              <a:rPr kumimoji="1" lang="zh-CN" altLang="en-US" dirty="0">
+                <a:latin typeface="汉仪南宫体简" panose="02010609000101010101" pitchFamily="49" charset="-122"/>
+                <a:ea typeface="汉仪南宫体简" panose="02010609000101010101" pitchFamily="49" charset="-122"/>
+              </a:rPr>
               <a:t>的基础上添加</a:t>
             </a:r>
             <a:r>
-              <a:rPr kumimoji="1" lang="en-US" altLang="zh-CN" dirty="0"/>
+              <a:rPr kumimoji="1" lang="en-US" altLang="zh-CN" dirty="0">
+                <a:latin typeface="汉仪南宫体简" panose="02010609000101010101" pitchFamily="49" charset="-122"/>
+                <a:ea typeface="汉仪南宫体简" panose="02010609000101010101" pitchFamily="49" charset="-122"/>
+              </a:rPr>
               <a:t>2bit</a:t>
             </a:r>
             <a:r>
-              <a:rPr kumimoji="1" lang="zh-CN" altLang="en-US" dirty="0"/>
+              <a:rPr kumimoji="1" lang="zh-CN" altLang="en-US" dirty="0">
+                <a:latin typeface="汉仪南宫体简" panose="02010609000101010101" pitchFamily="49" charset="-122"/>
+                <a:ea typeface="汉仪南宫体简" panose="02010609000101010101" pitchFamily="49" charset="-122"/>
+              </a:rPr>
               <a:t>的</a:t>
             </a:r>
             <a:r>
-              <a:rPr kumimoji="1" lang="en-US" altLang="zh-CN" dirty="0"/>
+              <a:rPr kumimoji="1" lang="en-US" altLang="zh-CN" dirty="0">
+                <a:latin typeface="汉仪南宫体简" panose="02010609000101010101" pitchFamily="49" charset="-122"/>
+                <a:ea typeface="汉仪南宫体简" panose="02010609000101010101" pitchFamily="49" charset="-122"/>
+              </a:rPr>
               <a:t>BHT</a:t>
             </a:r>
           </a:p>
@@ -4799,30 +5304,51 @@
               <a:buAutoNum type="arabicPeriod"/>
             </a:pPr>
             <a:r>
-              <a:rPr kumimoji="1" lang="zh-CN" altLang="en-US"/>
+              <a:rPr kumimoji="1" lang="zh-CN" altLang="en-US">
+                <a:latin typeface="汉仪南宫体简" panose="02010609000101010101" pitchFamily="49" charset="-122"/>
+                <a:ea typeface="汉仪南宫体简" panose="02010609000101010101" pitchFamily="49" charset="-122"/>
+              </a:rPr>
               <a:t>为了</a:t>
             </a:r>
             <a:r>
-              <a:rPr kumimoji="1" lang="zh-CN" altLang="en-US" dirty="0"/>
+              <a:rPr kumimoji="1" lang="zh-CN" altLang="en-US" dirty="0">
+                <a:latin typeface="汉仪南宫体简" panose="02010609000101010101" pitchFamily="49" charset="-122"/>
+                <a:ea typeface="汉仪南宫体简" panose="02010609000101010101" pitchFamily="49" charset="-122"/>
+              </a:rPr>
               <a:t>降低实验难度，非</a:t>
             </a:r>
             <a:r>
-              <a:rPr kumimoji="1" lang="en-US" altLang="zh-CN" dirty="0"/>
+              <a:rPr kumimoji="1" lang="en-US" altLang="zh-CN" dirty="0">
+                <a:latin typeface="汉仪南宫体简" panose="02010609000101010101" pitchFamily="49" charset="-122"/>
+                <a:ea typeface="汉仪南宫体简" panose="02010609000101010101" pitchFamily="49" charset="-122"/>
+              </a:rPr>
               <a:t>branch</a:t>
             </a:r>
             <a:r>
-              <a:rPr kumimoji="1" lang="zh-CN" altLang="en-US" dirty="0"/>
+              <a:rPr kumimoji="1" lang="zh-CN" altLang="en-US" dirty="0">
+                <a:latin typeface="汉仪南宫体简" panose="02010609000101010101" pitchFamily="49" charset="-122"/>
+                <a:ea typeface="汉仪南宫体简" panose="02010609000101010101" pitchFamily="49" charset="-122"/>
+              </a:rPr>
               <a:t>指令就不考虑了，</a:t>
             </a:r>
             <a:r>
-              <a:rPr kumimoji="1" lang="en-US" altLang="zh-CN" dirty="0" err="1"/>
+              <a:rPr kumimoji="1" lang="en-US" altLang="zh-CN" dirty="0" err="1">
+                <a:latin typeface="汉仪南宫体简" panose="02010609000101010101" pitchFamily="49" charset="-122"/>
+                <a:ea typeface="汉仪南宫体简" panose="02010609000101010101" pitchFamily="49" charset="-122"/>
+              </a:rPr>
               <a:t>eg:jal</a:t>
             </a:r>
             <a:r>
-              <a:rPr kumimoji="1" lang="zh-CN" altLang="en-US" dirty="0"/>
+              <a:rPr kumimoji="1" lang="zh-CN" altLang="en-US" dirty="0">
+                <a:latin typeface="汉仪南宫体简" panose="02010609000101010101" pitchFamily="49" charset="-122"/>
+                <a:ea typeface="汉仪南宫体简" panose="02010609000101010101" pitchFamily="49" charset="-122"/>
+              </a:rPr>
               <a:t>等</a:t>
             </a:r>
-            <a:endParaRPr kumimoji="1" lang="en-US" altLang="zh-CN" dirty="0"/>
+            <a:endParaRPr kumimoji="1" lang="en-US" altLang="zh-CN" dirty="0">
+              <a:latin typeface="汉仪南宫体简" panose="02010609000101010101" pitchFamily="49" charset="-122"/>
+              <a:ea typeface="汉仪南宫体简" panose="02010609000101010101" pitchFamily="49" charset="-122"/>
+            </a:endParaRPr>
           </a:p>
         </p:txBody>
       </p:sp>
@@ -4884,22 +5410,30 @@
           <a:p>
             <a:r>
               <a:rPr lang="en-US" altLang="zh-CN" b="1" dirty="0">
-                <a:latin typeface="Calibri Light" pitchFamily="34" charset="0"/>
+                <a:latin typeface="汉仪南宫体简" panose="02010609000101010101" pitchFamily="49" charset="-122"/>
+                <a:ea typeface="汉仪南宫体简" panose="02010609000101010101" pitchFamily="49" charset="-122"/>
               </a:rPr>
               <a:t>Branch Target Buffer </a:t>
             </a:r>
             <a:r>
               <a:rPr lang="zh-CN" altLang="en-US" b="1" dirty="0">
-                <a:latin typeface="Calibri Light" pitchFamily="34" charset="0"/>
+                <a:latin typeface="汉仪南宫体简" panose="02010609000101010101" pitchFamily="49" charset="-122"/>
+                <a:ea typeface="汉仪南宫体简" panose="02010609000101010101" pitchFamily="49" charset="-122"/>
               </a:rPr>
               <a:t>（</a:t>
             </a:r>
             <a:r>
-              <a:rPr kumimoji="1" lang="en-US" altLang="zh-CN" dirty="0"/>
+              <a:rPr kumimoji="1" lang="en-US" altLang="zh-CN" b="1" dirty="0">
+                <a:latin typeface="汉仪南宫体简" panose="02010609000101010101" pitchFamily="49" charset="-122"/>
+                <a:ea typeface="汉仪南宫体简" panose="02010609000101010101" pitchFamily="49" charset="-122"/>
+              </a:rPr>
               <a:t>BTB</a:t>
             </a:r>
             <a:r>
-              <a:rPr kumimoji="1" lang="zh-CN" altLang="en-US" dirty="0"/>
+              <a:rPr kumimoji="1" lang="zh-CN" altLang="en-US" b="1" dirty="0">
+                <a:latin typeface="汉仪南宫体简" panose="02010609000101010101" pitchFamily="49" charset="-122"/>
+                <a:ea typeface="汉仪南宫体简" panose="02010609000101010101" pitchFamily="49" charset="-122"/>
+              </a:rPr>
               <a:t>）</a:t>
             </a:r>
           </a:p>
@@ -4921,10 +5455,10 @@
         </p:nvGrpSpPr>
         <p:grpSpPr bwMode="auto">
           <a:xfrm>
-            <a:off x="1807982" y="1365621"/>
-            <a:ext cx="8089900" cy="4137025"/>
-            <a:chOff x="523" y="1405"/>
-            <a:chExt cx="5096" cy="2606"/>
+            <a:off x="1931807" y="1362446"/>
+            <a:ext cx="7953375" cy="4144963"/>
+            <a:chOff x="601" y="1403"/>
+            <a:chExt cx="5010" cy="2611"/>
           </a:xfrm>
         </p:grpSpPr>
         <p:grpSp>
@@ -4943,10 +5477,10 @@
           </p:nvGrpSpPr>
           <p:grpSpPr bwMode="auto">
             <a:xfrm>
-              <a:off x="1740" y="1405"/>
-              <a:ext cx="3311" cy="1370"/>
-              <a:chOff x="1740" y="1405"/>
-              <a:chExt cx="3311" cy="1370"/>
+              <a:off x="1740" y="1403"/>
+              <a:ext cx="3311" cy="1371"/>
+              <a:chOff x="1740" y="1403"/>
+              <a:chExt cx="3311" cy="1371"/>
             </a:xfrm>
           </p:grpSpPr>
           <p:grpSp>
@@ -5017,7 +5551,10 @@
                     <a:buFont typeface="Times New Roman" pitchFamily="18" charset="0"/>
                     <a:buNone/>
                   </a:pPr>
-                  <a:endParaRPr lang="zh-CN" altLang="en-US"/>
+                  <a:endParaRPr lang="zh-CN" altLang="en-US" b="1">
+                    <a:latin typeface="汉仪南宫体简" panose="02010609000101010101" pitchFamily="49" charset="-122"/>
+                    <a:ea typeface="汉仪南宫体简" panose="02010609000101010101" pitchFamily="49" charset="-122"/>
+                  </a:endParaRPr>
                 </a:p>
               </p:txBody>
             </p:sp>
@@ -5067,7 +5604,10 @@
                     <a:buFont typeface="Times New Roman" pitchFamily="18" charset="0"/>
                     <a:buNone/>
                   </a:pPr>
-                  <a:endParaRPr lang="zh-CN" altLang="en-US"/>
+                  <a:endParaRPr lang="zh-CN" altLang="en-US" b="1">
+                    <a:latin typeface="汉仪南宫体简" panose="02010609000101010101" pitchFamily="49" charset="-122"/>
+                    <a:ea typeface="汉仪南宫体简" panose="02010609000101010101" pitchFamily="49" charset="-122"/>
+                  </a:endParaRPr>
                 </a:p>
               </p:txBody>
             </p:sp>
@@ -5117,7 +5657,10 @@
                     <a:buFont typeface="Times New Roman" pitchFamily="18" charset="0"/>
                     <a:buNone/>
                   </a:pPr>
-                  <a:endParaRPr lang="zh-CN" altLang="en-US"/>
+                  <a:endParaRPr lang="zh-CN" altLang="en-US" b="1">
+                    <a:latin typeface="汉仪南宫体简" panose="02010609000101010101" pitchFamily="49" charset="-122"/>
+                    <a:ea typeface="汉仪南宫体简" panose="02010609000101010101" pitchFamily="49" charset="-122"/>
+                  </a:endParaRPr>
                 </a:p>
               </p:txBody>
             </p:sp>
@@ -5167,7 +5710,10 @@
                     <a:buFont typeface="Times New Roman" pitchFamily="18" charset="0"/>
                     <a:buNone/>
                   </a:pPr>
-                  <a:endParaRPr lang="zh-CN" altLang="en-US"/>
+                  <a:endParaRPr lang="zh-CN" altLang="en-US" b="1">
+                    <a:latin typeface="汉仪南宫体简" panose="02010609000101010101" pitchFamily="49" charset="-122"/>
+                    <a:ea typeface="汉仪南宫体简" panose="02010609000101010101" pitchFamily="49" charset="-122"/>
+                  </a:endParaRPr>
                 </a:p>
               </p:txBody>
             </p:sp>
@@ -5217,7 +5763,10 @@
                     <a:buFont typeface="Times New Roman" pitchFamily="18" charset="0"/>
                     <a:buNone/>
                   </a:pPr>
-                  <a:endParaRPr lang="zh-CN" altLang="en-US"/>
+                  <a:endParaRPr lang="zh-CN" altLang="en-US" b="1">
+                    <a:latin typeface="汉仪南宫体简" panose="02010609000101010101" pitchFamily="49" charset="-122"/>
+                    <a:ea typeface="汉仪南宫体简" panose="02010609000101010101" pitchFamily="49" charset="-122"/>
+                  </a:endParaRPr>
                 </a:p>
               </p:txBody>
             </p:sp>
@@ -5267,7 +5816,10 @@
                     <a:buFont typeface="Times New Roman" pitchFamily="18" charset="0"/>
                     <a:buNone/>
                   </a:pPr>
-                  <a:endParaRPr lang="zh-CN" altLang="en-US"/>
+                  <a:endParaRPr lang="zh-CN" altLang="en-US" b="1">
+                    <a:latin typeface="汉仪南宫体简" panose="02010609000101010101" pitchFamily="49" charset="-122"/>
+                    <a:ea typeface="汉仪南宫体简" panose="02010609000101010101" pitchFamily="49" charset="-122"/>
+                  </a:endParaRPr>
                 </a:p>
               </p:txBody>
             </p:sp>
@@ -5317,7 +5869,10 @@
                     <a:buFont typeface="Times New Roman" pitchFamily="18" charset="0"/>
                     <a:buNone/>
                   </a:pPr>
-                  <a:endParaRPr lang="zh-CN" altLang="en-US"/>
+                  <a:endParaRPr lang="zh-CN" altLang="en-US" b="1">
+                    <a:latin typeface="汉仪南宫体简" panose="02010609000101010101" pitchFamily="49" charset="-122"/>
+                    <a:ea typeface="汉仪南宫体简" panose="02010609000101010101" pitchFamily="49" charset="-122"/>
+                  </a:endParaRPr>
                 </a:p>
               </p:txBody>
             </p:sp>
@@ -5367,7 +5922,10 @@
                     <a:buFont typeface="Times New Roman" pitchFamily="18" charset="0"/>
                     <a:buNone/>
                   </a:pPr>
-                  <a:endParaRPr lang="zh-CN" altLang="en-US"/>
+                  <a:endParaRPr lang="zh-CN" altLang="en-US" b="1">
+                    <a:latin typeface="汉仪南宫体简" panose="02010609000101010101" pitchFamily="49" charset="-122"/>
+                    <a:ea typeface="汉仪南宫体简" panose="02010609000101010101" pitchFamily="49" charset="-122"/>
+                  </a:endParaRPr>
                 </a:p>
               </p:txBody>
             </p:sp>
@@ -5417,7 +5975,10 @@
                     <a:buFont typeface="Times New Roman" pitchFamily="18" charset="0"/>
                     <a:buNone/>
                   </a:pPr>
-                  <a:endParaRPr lang="zh-CN" altLang="en-US"/>
+                  <a:endParaRPr lang="zh-CN" altLang="en-US" b="1">
+                    <a:latin typeface="汉仪南宫体简" panose="02010609000101010101" pitchFamily="49" charset="-122"/>
+                    <a:ea typeface="汉仪南宫体简" panose="02010609000101010101" pitchFamily="49" charset="-122"/>
+                  </a:endParaRPr>
                 </a:p>
               </p:txBody>
             </p:sp>
@@ -5467,7 +6028,10 @@
                     <a:buFont typeface="Times New Roman" pitchFamily="18" charset="0"/>
                     <a:buNone/>
                   </a:pPr>
-                  <a:endParaRPr lang="zh-CN" altLang="en-US"/>
+                  <a:endParaRPr lang="zh-CN" altLang="en-US" b="1">
+                    <a:latin typeface="汉仪南宫体简" panose="02010609000101010101" pitchFamily="49" charset="-122"/>
+                    <a:ea typeface="汉仪南宫体简" panose="02010609000101010101" pitchFamily="49" charset="-122"/>
+                  </a:endParaRPr>
                 </a:p>
               </p:txBody>
             </p:sp>
@@ -5517,7 +6081,10 @@
                     <a:buFont typeface="Times New Roman" pitchFamily="18" charset="0"/>
                     <a:buNone/>
                   </a:pPr>
-                  <a:endParaRPr lang="zh-CN" altLang="en-US"/>
+                  <a:endParaRPr lang="zh-CN" altLang="en-US" b="1">
+                    <a:latin typeface="汉仪南宫体简" panose="02010609000101010101" pitchFamily="49" charset="-122"/>
+                    <a:ea typeface="汉仪南宫体简" panose="02010609000101010101" pitchFamily="49" charset="-122"/>
+                  </a:endParaRPr>
                 </a:p>
               </p:txBody>
             </p:sp>
@@ -5567,7 +6134,10 @@
                     <a:buFont typeface="Times New Roman" pitchFamily="18" charset="0"/>
                     <a:buNone/>
                   </a:pPr>
-                  <a:endParaRPr lang="zh-CN" altLang="en-US"/>
+                  <a:endParaRPr lang="zh-CN" altLang="en-US" b="1">
+                    <a:latin typeface="汉仪南宫体简" panose="02010609000101010101" pitchFamily="49" charset="-122"/>
+                    <a:ea typeface="汉仪南宫体简" panose="02010609000101010101" pitchFamily="49" charset="-122"/>
+                  </a:endParaRPr>
                 </a:p>
               </p:txBody>
             </p:sp>
@@ -5617,7 +6187,10 @@
                     <a:buFont typeface="Times New Roman" pitchFamily="18" charset="0"/>
                     <a:buNone/>
                   </a:pPr>
-                  <a:endParaRPr lang="zh-CN" altLang="en-US" dirty="0"/>
+                  <a:endParaRPr lang="zh-CN" altLang="en-US" b="1" dirty="0">
+                    <a:latin typeface="汉仪南宫体简" panose="02010609000101010101" pitchFamily="49" charset="-122"/>
+                    <a:ea typeface="汉仪南宫体简" panose="02010609000101010101" pitchFamily="49" charset="-122"/>
+                  </a:endParaRPr>
                 </a:p>
               </p:txBody>
             </p:sp>
@@ -5667,7 +6240,10 @@
                     <a:buFont typeface="Times New Roman" pitchFamily="18" charset="0"/>
                     <a:buNone/>
                   </a:pPr>
-                  <a:endParaRPr lang="zh-CN" altLang="en-US"/>
+                  <a:endParaRPr lang="zh-CN" altLang="en-US" b="1">
+                    <a:latin typeface="汉仪南宫体简" panose="02010609000101010101" pitchFamily="49" charset="-122"/>
+                    <a:ea typeface="汉仪南宫体简" panose="02010609000101010101" pitchFamily="49" charset="-122"/>
+                  </a:endParaRPr>
                 </a:p>
               </p:txBody>
             </p:sp>
@@ -5717,7 +6293,10 @@
                     <a:buFont typeface="Times New Roman" pitchFamily="18" charset="0"/>
                     <a:buNone/>
                   </a:pPr>
-                  <a:endParaRPr lang="zh-CN" altLang="en-US"/>
+                  <a:endParaRPr lang="zh-CN" altLang="en-US" b="1">
+                    <a:latin typeface="汉仪南宫体简" panose="02010609000101010101" pitchFamily="49" charset="-122"/>
+                    <a:ea typeface="汉仪南宫体简" panose="02010609000101010101" pitchFamily="49" charset="-122"/>
+                  </a:endParaRPr>
                 </a:p>
               </p:txBody>
             </p:sp>
@@ -5767,7 +6346,10 @@
                     <a:buFont typeface="Times New Roman" pitchFamily="18" charset="0"/>
                     <a:buNone/>
                   </a:pPr>
-                  <a:endParaRPr lang="zh-CN" altLang="en-US"/>
+                  <a:endParaRPr lang="zh-CN" altLang="en-US" b="1">
+                    <a:latin typeface="汉仪南宫体简" panose="02010609000101010101" pitchFamily="49" charset="-122"/>
+                    <a:ea typeface="汉仪南宫体简" panose="02010609000101010101" pitchFamily="49" charset="-122"/>
+                  </a:endParaRPr>
                 </a:p>
               </p:txBody>
             </p:sp>
@@ -5817,7 +6399,10 @@
                     <a:buFont typeface="Times New Roman" pitchFamily="18" charset="0"/>
                     <a:buNone/>
                   </a:pPr>
-                  <a:endParaRPr lang="zh-CN" altLang="en-US"/>
+                  <a:endParaRPr lang="zh-CN" altLang="en-US" b="1">
+                    <a:latin typeface="汉仪南宫体简" panose="02010609000101010101" pitchFamily="49" charset="-122"/>
+                    <a:ea typeface="汉仪南宫体简" panose="02010609000101010101" pitchFamily="49" charset="-122"/>
+                  </a:endParaRPr>
                 </a:p>
               </p:txBody>
             </p:sp>
@@ -5867,7 +6452,10 @@
                     <a:buFont typeface="Times New Roman" pitchFamily="18" charset="0"/>
                     <a:buNone/>
                   </a:pPr>
-                  <a:endParaRPr lang="zh-CN" altLang="en-US"/>
+                  <a:endParaRPr lang="zh-CN" altLang="en-US" b="1">
+                    <a:latin typeface="汉仪南宫体简" panose="02010609000101010101" pitchFamily="49" charset="-122"/>
+                    <a:ea typeface="汉仪南宫体简" panose="02010609000101010101" pitchFamily="49" charset="-122"/>
+                  </a:endParaRPr>
                 </a:p>
               </p:txBody>
             </p:sp>
@@ -5888,8 +6476,8 @@
             </p:nvSpPr>
             <p:spPr bwMode="auto">
               <a:xfrm>
-                <a:off x="2076" y="1405"/>
-                <a:ext cx="815" cy="231"/>
+                <a:off x="2081" y="1403"/>
+                <a:ext cx="804" cy="234"/>
               </a:xfrm>
               <a:prstGeom prst="rect">
                 <a:avLst/>
@@ -5930,7 +6518,8 @@
                     <a:solidFill>
                       <a:srgbClr val="000000"/>
                     </a:solidFill>
-                    <a:latin typeface="Comic Sans MS" pitchFamily="66" charset="0"/>
+                    <a:latin typeface="汉仪南宫体简" panose="02010609000101010101" pitchFamily="49" charset="-122"/>
+                    <a:ea typeface="汉仪南宫体简" panose="02010609000101010101" pitchFamily="49" charset="-122"/>
                   </a:rPr>
                   <a:t>Branch PC</a:t>
                 </a:r>
@@ -5953,8 +6542,8 @@
             </p:nvSpPr>
             <p:spPr bwMode="auto">
               <a:xfrm>
-                <a:off x="3522" y="1405"/>
-                <a:ext cx="1000" cy="231"/>
+                <a:off x="3521" y="1403"/>
+                <a:ext cx="1002" cy="234"/>
               </a:xfrm>
               <a:prstGeom prst="rect">
                 <a:avLst/>
@@ -5995,7 +6584,8 @@
                     <a:solidFill>
                       <a:srgbClr val="000000"/>
                     </a:solidFill>
-                    <a:latin typeface="Comic Sans MS" pitchFamily="66" charset="0"/>
+                    <a:latin typeface="汉仪南宫体简" panose="02010609000101010101" pitchFamily="49" charset="-122"/>
+                    <a:ea typeface="汉仪南宫体简" panose="02010609000101010101" pitchFamily="49" charset="-122"/>
                   </a:rPr>
                   <a:t>Predicted PC</a:t>
                 </a:r>
@@ -6061,7 +6651,8 @@
                   <a:solidFill>
                     <a:srgbClr val="000000"/>
                   </a:solidFill>
-                  <a:latin typeface="Comic Sans MS" pitchFamily="66" charset="0"/>
+                  <a:latin typeface="汉仪南宫体简" panose="02010609000101010101" pitchFamily="49" charset="-122"/>
+                  <a:ea typeface="汉仪南宫体简" panose="02010609000101010101" pitchFamily="49" charset="-122"/>
                 </a:rPr>
                 <a:t>=?</a:t>
               </a:r>
@@ -6104,7 +6695,10 @@
             <a:bodyPr/>
             <a:lstStyle/>
             <a:p>
-              <a:endParaRPr lang="zh-CN" altLang="en-US"/>
+              <a:endParaRPr lang="zh-CN" altLang="en-US" b="1">
+                <a:latin typeface="汉仪南宫体简" panose="02010609000101010101" pitchFamily="49" charset="-122"/>
+                <a:ea typeface="汉仪南宫体简" panose="02010609000101010101" pitchFamily="49" charset="-122"/>
+              </a:endParaRPr>
             </a:p>
           </p:txBody>
         </p:sp>
@@ -6124,8 +6718,8 @@
           </p:nvSpPr>
           <p:spPr bwMode="auto">
             <a:xfrm rot="5400000">
-              <a:off x="591" y="2010"/>
-              <a:ext cx="1285" cy="404"/>
+              <a:off x="580" y="2008"/>
+              <a:ext cx="1307" cy="409"/>
             </a:xfrm>
             <a:prstGeom prst="rect">
               <a:avLst/>
@@ -6166,7 +6760,8 @@
                   <a:solidFill>
                     <a:srgbClr val="000000"/>
                   </a:solidFill>
-                  <a:latin typeface="Comic Sans MS" pitchFamily="66" charset="0"/>
+                  <a:latin typeface="汉仪南宫体简" panose="02010609000101010101" pitchFamily="49" charset="-122"/>
+                  <a:ea typeface="汉仪南宫体简" panose="02010609000101010101" pitchFamily="49" charset="-122"/>
                 </a:rPr>
                 <a:t>PC of instruction</a:t>
               </a:r>
@@ -6194,7 +6789,8 @@
                   <a:solidFill>
                     <a:srgbClr val="000000"/>
                   </a:solidFill>
-                  <a:latin typeface="Comic Sans MS" pitchFamily="66" charset="0"/>
+                  <a:latin typeface="汉仪南宫体简" panose="02010609000101010101" pitchFamily="49" charset="-122"/>
+                  <a:ea typeface="汉仪南宫体简" panose="02010609000101010101" pitchFamily="49" charset="-122"/>
                 </a:rPr>
                 <a:t>FETCH</a:t>
               </a:r>
@@ -6248,7 +6844,10 @@
                 <a:buFont typeface="Times New Roman" pitchFamily="18" charset="0"/>
                 <a:buNone/>
               </a:pPr>
-              <a:endParaRPr lang="zh-CN" altLang="en-US"/>
+              <a:endParaRPr lang="zh-CN" altLang="en-US" b="1">
+                <a:latin typeface="汉仪南宫体简" panose="02010609000101010101" pitchFamily="49" charset="-122"/>
+                <a:ea typeface="汉仪南宫体简" panose="02010609000101010101" pitchFamily="49" charset="-122"/>
+              </a:endParaRPr>
             </a:p>
           </p:txBody>
         </p:sp>
@@ -6329,7 +6928,10 @@
             <a:bodyPr wrap="none" anchor="ctr"/>
             <a:lstStyle/>
             <a:p>
-              <a:endParaRPr lang="zh-CN" altLang="en-US"/>
+              <a:endParaRPr lang="zh-CN" altLang="en-US" b="1">
+                <a:latin typeface="汉仪南宫体简" panose="02010609000101010101" pitchFamily="49" charset="-122"/>
+                <a:ea typeface="汉仪南宫体简" panose="02010609000101010101" pitchFamily="49" charset="-122"/>
+              </a:endParaRPr>
             </a:p>
           </p:txBody>
         </p:sp>
@@ -6369,7 +6971,10 @@
             <a:bodyPr/>
             <a:lstStyle/>
             <a:p>
-              <a:endParaRPr lang="zh-CN" altLang="en-US"/>
+              <a:endParaRPr lang="zh-CN" altLang="en-US" b="1">
+                <a:latin typeface="汉仪南宫体简" panose="02010609000101010101" pitchFamily="49" charset="-122"/>
+                <a:ea typeface="汉仪南宫体简" panose="02010609000101010101" pitchFamily="49" charset="-122"/>
+              </a:endParaRPr>
             </a:p>
           </p:txBody>
         </p:sp>
@@ -6389,8 +6994,8 @@
           </p:nvSpPr>
           <p:spPr bwMode="auto">
             <a:xfrm>
-              <a:off x="4392" y="3050"/>
-              <a:ext cx="1227" cy="577"/>
+              <a:off x="4400" y="3047"/>
+              <a:ext cx="1211" cy="583"/>
             </a:xfrm>
             <a:prstGeom prst="rect">
               <a:avLst/>
@@ -6431,7 +7036,8 @@
                   <a:solidFill>
                     <a:srgbClr val="000000"/>
                   </a:solidFill>
-                  <a:latin typeface="Comic Sans MS" pitchFamily="66" charset="0"/>
+                  <a:latin typeface="汉仪南宫体简" panose="02010609000101010101" pitchFamily="49" charset="-122"/>
+                  <a:ea typeface="汉仪南宫体简" panose="02010609000101010101" pitchFamily="49" charset="-122"/>
                 </a:rPr>
                 <a:t>Extra </a:t>
               </a:r>
@@ -6459,7 +7065,8 @@
                   <a:solidFill>
                     <a:srgbClr val="000000"/>
                   </a:solidFill>
-                  <a:latin typeface="Comic Sans MS" pitchFamily="66" charset="0"/>
+                  <a:latin typeface="汉仪南宫体简" panose="02010609000101010101" pitchFamily="49" charset="-122"/>
+                  <a:ea typeface="汉仪南宫体简" panose="02010609000101010101" pitchFamily="49" charset="-122"/>
                 </a:rPr>
                 <a:t>prediction state</a:t>
               </a:r>
@@ -6487,7 +7094,8 @@
                   <a:solidFill>
                     <a:srgbClr val="000000"/>
                   </a:solidFill>
-                  <a:latin typeface="Comic Sans MS" pitchFamily="66" charset="0"/>
+                  <a:latin typeface="汉仪南宫体简" panose="02010609000101010101" pitchFamily="49" charset="-122"/>
+                  <a:ea typeface="汉仪南宫体简" panose="02010609000101010101" pitchFamily="49" charset="-122"/>
                 </a:rPr>
                 <a:t>bits</a:t>
               </a:r>
@@ -6530,7 +7138,10 @@
             <a:bodyPr/>
             <a:lstStyle/>
             <a:p>
-              <a:endParaRPr lang="zh-CN" altLang="en-US"/>
+              <a:endParaRPr lang="zh-CN" altLang="en-US" b="1">
+                <a:latin typeface="汉仪南宫体简" panose="02010609000101010101" pitchFamily="49" charset="-122"/>
+                <a:ea typeface="汉仪南宫体简" panose="02010609000101010101" pitchFamily="49" charset="-122"/>
+              </a:endParaRPr>
             </a:p>
           </p:txBody>
         </p:sp>
@@ -6550,8 +7161,8 @@
           </p:nvSpPr>
           <p:spPr bwMode="auto">
             <a:xfrm>
-              <a:off x="3000" y="3160"/>
-              <a:ext cx="1391" cy="749"/>
+              <a:off x="3000" y="3156"/>
+              <a:ext cx="1391" cy="757"/>
             </a:xfrm>
             <a:prstGeom prst="rect">
               <a:avLst/>
@@ -6592,7 +7203,8 @@
                   <a:solidFill>
                     <a:srgbClr val="000000"/>
                   </a:solidFill>
-                  <a:latin typeface="Comic Sans MS" pitchFamily="66" charset="0"/>
+                  <a:latin typeface="汉仪南宫体简" panose="02010609000101010101" pitchFamily="49" charset="-122"/>
+                  <a:ea typeface="汉仪南宫体简" panose="02010609000101010101" pitchFamily="49" charset="-122"/>
                 </a:rPr>
                 <a:t>Yes: instruction is branch and use predicted PC as next PC</a:t>
               </a:r>
@@ -6615,8 +7227,8 @@
           </p:nvSpPr>
           <p:spPr bwMode="auto">
             <a:xfrm>
-              <a:off x="523" y="3434"/>
-              <a:ext cx="2071" cy="577"/>
+              <a:off x="601" y="3431"/>
+              <a:ext cx="1993" cy="583"/>
             </a:xfrm>
             <a:prstGeom prst="rect">
               <a:avLst/>
@@ -6657,7 +7269,8 @@
                   <a:solidFill>
                     <a:srgbClr val="000000"/>
                   </a:solidFill>
-                  <a:latin typeface="Comic Sans MS" pitchFamily="66" charset="0"/>
+                  <a:latin typeface="汉仪南宫体简" panose="02010609000101010101" pitchFamily="49" charset="-122"/>
+                  <a:ea typeface="汉仪南宫体简" panose="02010609000101010101" pitchFamily="49" charset="-122"/>
                 </a:rPr>
                 <a:t>No: branch not </a:t>
               </a:r>
@@ -6685,7 +7298,8 @@
                   <a:solidFill>
                     <a:srgbClr val="000000"/>
                   </a:solidFill>
-                  <a:latin typeface="Comic Sans MS" pitchFamily="66" charset="0"/>
+                  <a:latin typeface="汉仪南宫体简" panose="02010609000101010101" pitchFamily="49" charset="-122"/>
+                  <a:ea typeface="汉仪南宫体简" panose="02010609000101010101" pitchFamily="49" charset="-122"/>
                 </a:rPr>
                 <a:t>predicted, proceed normally</a:t>
               </a:r>
@@ -6713,7 +7327,8 @@
                   <a:solidFill>
                     <a:srgbClr val="000000"/>
                   </a:solidFill>
-                  <a:latin typeface="Comic Sans MS" pitchFamily="66" charset="0"/>
+                  <a:latin typeface="汉仪南宫体简" panose="02010609000101010101" pitchFamily="49" charset="-122"/>
+                  <a:ea typeface="汉仪南宫体简" panose="02010609000101010101" pitchFamily="49" charset="-122"/>
                 </a:rPr>
                 <a:t> (Next PC = PC+4)</a:t>
               </a:r>
@@ -6756,7 +7371,10 @@
             <a:bodyPr/>
             <a:lstStyle/>
             <a:p>
-              <a:endParaRPr lang="zh-CN" altLang="en-US"/>
+              <a:endParaRPr lang="zh-CN" altLang="en-US" b="1">
+                <a:latin typeface="汉仪南宫体简" panose="02010609000101010101" pitchFamily="49" charset="-122"/>
+                <a:ea typeface="汉仪南宫体简" panose="02010609000101010101" pitchFamily="49" charset="-122"/>
+              </a:endParaRPr>
             </a:p>
           </p:txBody>
         </p:sp>
@@ -6776,7 +7394,7 @@
         <p:spPr>
           <a:xfrm>
             <a:off x="1127569" y="5926807"/>
-            <a:ext cx="10515600" cy="461665"/>
+            <a:ext cx="10515600" cy="830997"/>
           </a:xfrm>
           <a:prstGeom prst="rect">
             <a:avLst/>
@@ -6789,27 +7407,29 @@
           <a:lstStyle/>
           <a:p>
             <a:r>
-              <a:rPr lang="en-GB" altLang="zh-CN" sz="2400" dirty="0">
-                <a:latin typeface="AdvOTab62ddd1"/>
+              <a:rPr lang="en-GB" altLang="zh-CN" sz="2400" b="1" dirty="0">
+                <a:latin typeface="汉仪南宫体简" panose="02010609000101010101" pitchFamily="49" charset="-122"/>
+                <a:ea typeface="汉仪南宫体简" panose="02010609000101010101" pitchFamily="49" charset="-122"/>
               </a:rPr>
               <a:t>The memory contains a bit that says whether the branch was </a:t>
             </a:r>
             <a:r>
-              <a:rPr lang="en-GB" altLang="zh-CN" sz="2400" dirty="0">
+              <a:rPr lang="en-GB" altLang="zh-CN" sz="2400" b="1" dirty="0">
                 <a:solidFill>
                   <a:srgbClr val="FF0000"/>
                 </a:solidFill>
-                <a:latin typeface="AdvOTab62ddd1"/>
+                <a:latin typeface="汉仪南宫体简" panose="02010609000101010101" pitchFamily="49" charset="-122"/>
+                <a:ea typeface="汉仪南宫体简" panose="02010609000101010101" pitchFamily="49" charset="-122"/>
               </a:rPr>
               <a:t>recently taken or not</a:t>
             </a:r>
             <a:r>
-              <a:rPr lang="en-GB" altLang="zh-CN" sz="2400" dirty="0">
-                <a:latin typeface="AdvOTab62ddd1"/>
+              <a:rPr lang="en-GB" altLang="zh-CN" sz="2400" b="1" dirty="0">
+                <a:latin typeface="汉仪南宫体简" panose="02010609000101010101" pitchFamily="49" charset="-122"/>
+                <a:ea typeface="汉仪南宫体简" panose="02010609000101010101" pitchFamily="49" charset="-122"/>
               </a:rPr>
               <a:t>. </a:t>
             </a:r>
-            <a:endParaRPr lang="en-GB" altLang="zh-CN" sz="2400" dirty="0"/>
           </a:p>
         </p:txBody>
       </p:sp>
@@ -6915,8 +7535,8 @@
         </p:nvSpPr>
         <p:spPr>
           <a:xfrm>
-            <a:off x="762000" y="-2995"/>
-            <a:ext cx="10515600" cy="1325563"/>
+            <a:off x="749594" y="116772"/>
+            <a:ext cx="10943598" cy="1325563"/>
           </a:xfrm>
         </p:spPr>
         <p:txBody>
@@ -6924,7 +7544,10 @@
           <a:lstStyle/>
           <a:p>
             <a:r>
-              <a:rPr lang="en-US" dirty="0"/>
+              <a:rPr lang="en-US" b="1" dirty="0">
+                <a:latin typeface="汉仪南宫体简" panose="02010609000101010101" pitchFamily="49" charset="-122"/>
+                <a:ea typeface="汉仪南宫体简" panose="02010609000101010101" pitchFamily="49" charset="-122"/>
+              </a:rPr>
               <a:t>Example using 1-bit branch history table </a:t>
             </a:r>
           </a:p>
@@ -6940,8 +7563,8 @@
         </p:nvSpPr>
         <p:spPr bwMode="auto">
           <a:xfrm>
-            <a:off x="1204912" y="1663701"/>
-            <a:ext cx="2986088" cy="1200329"/>
+            <a:off x="1291171" y="1663701"/>
+            <a:ext cx="3107625" cy="1200329"/>
           </a:xfrm>
           <a:prstGeom prst="rect">
             <a:avLst/>
@@ -6956,7 +7579,7 @@
           <a:effectLst/>
         </p:spPr>
         <p:txBody>
-          <a:bodyPr>
+          <a:bodyPr wrap="square">
             <a:spAutoFit/>
           </a:bodyPr>
           <a:lstStyle/>
@@ -6967,47 +7590,52 @@
               <a:defRPr/>
             </a:pPr>
             <a:r>
-              <a:rPr lang="en-US" dirty="0">
+              <a:rPr lang="en-US" b="1" dirty="0">
                 <a:solidFill>
                   <a:srgbClr val="0000FF"/>
                 </a:solidFill>
-                <a:latin typeface="Verdana" pitchFamily="34" charset="0"/>
+                <a:latin typeface="汉仪南宫体简" panose="02010609000101010101" pitchFamily="49" charset="-122"/>
+                <a:ea typeface="汉仪南宫体简" panose="02010609000101010101" pitchFamily="49" charset="-122"/>
               </a:rPr>
               <a:t> for (</a:t>
             </a:r>
             <a:r>
-              <a:rPr lang="en-US" dirty="0" err="1">
+              <a:rPr lang="en-US" b="1" dirty="0" err="1">
                 <a:solidFill>
                   <a:srgbClr val="0000FF"/>
                 </a:solidFill>
-                <a:latin typeface="Verdana" pitchFamily="34" charset="0"/>
+                <a:latin typeface="汉仪南宫体简" panose="02010609000101010101" pitchFamily="49" charset="-122"/>
+                <a:ea typeface="汉仪南宫体简" panose="02010609000101010101" pitchFamily="49" charset="-122"/>
               </a:rPr>
               <a:t>i</a:t>
             </a:r>
             <a:r>
-              <a:rPr lang="en-US" dirty="0">
+              <a:rPr lang="en-US" b="1" dirty="0">
                 <a:solidFill>
                   <a:srgbClr val="0000FF"/>
                 </a:solidFill>
-                <a:latin typeface="Verdana" pitchFamily="34" charset="0"/>
+                <a:latin typeface="汉仪南宫体简" panose="02010609000101010101" pitchFamily="49" charset="-122"/>
+                <a:ea typeface="汉仪南宫体简" panose="02010609000101010101" pitchFamily="49" charset="-122"/>
               </a:rPr>
               <a:t>=0; </a:t>
             </a:r>
             <a:r>
-              <a:rPr lang="en-US" dirty="0" err="1">
+              <a:rPr lang="en-US" b="1" dirty="0" err="1">
                 <a:solidFill>
                   <a:srgbClr val="0000FF"/>
                 </a:solidFill>
-                <a:latin typeface="Verdana" pitchFamily="34" charset="0"/>
+                <a:latin typeface="汉仪南宫体简" panose="02010609000101010101" pitchFamily="49" charset="-122"/>
+                <a:ea typeface="汉仪南宫体简" panose="02010609000101010101" pitchFamily="49" charset="-122"/>
               </a:rPr>
               <a:t>i</a:t>
             </a:r>
             <a:r>
-              <a:rPr lang="en-US" dirty="0">
+              <a:rPr lang="en-US" b="1" dirty="0">
                 <a:solidFill>
                   <a:srgbClr val="0000FF"/>
                 </a:solidFill>
-                <a:latin typeface="Verdana" pitchFamily="34" charset="0"/>
+                <a:latin typeface="汉仪南宫体简" panose="02010609000101010101" pitchFamily="49" charset="-122"/>
+                <a:ea typeface="汉仪南宫体简" panose="02010609000101010101" pitchFamily="49" charset="-122"/>
               </a:rPr>
               <a:t>&lt;</a:t>
             </a:r>
@@ -7021,34 +7649,38 @@
                     <a:srgbClr val="C0C0C0"/>
                   </a:outerShdw>
                 </a:effectLst>
-                <a:latin typeface="Verdana" pitchFamily="34" charset="0"/>
+                <a:latin typeface="汉仪南宫体简" panose="02010609000101010101" pitchFamily="49" charset="-122"/>
+                <a:ea typeface="汉仪南宫体简" panose="02010609000101010101" pitchFamily="49" charset="-122"/>
               </a:rPr>
               <a:t>4</a:t>
             </a:r>
             <a:r>
-              <a:rPr lang="en-US" dirty="0">
+              <a:rPr lang="en-US" b="1" dirty="0">
                 <a:solidFill>
                   <a:srgbClr val="0000FF"/>
                 </a:solidFill>
-                <a:latin typeface="Verdana" pitchFamily="34" charset="0"/>
+                <a:latin typeface="汉仪南宫体简" panose="02010609000101010101" pitchFamily="49" charset="-122"/>
+                <a:ea typeface="汉仪南宫体简" panose="02010609000101010101" pitchFamily="49" charset="-122"/>
               </a:rPr>
               <a:t>; </a:t>
             </a:r>
             <a:r>
-              <a:rPr lang="en-US" dirty="0" err="1">
+              <a:rPr lang="en-US" b="1" dirty="0" err="1">
                 <a:solidFill>
                   <a:srgbClr val="0000FF"/>
                 </a:solidFill>
-                <a:latin typeface="Verdana" pitchFamily="34" charset="0"/>
+                <a:latin typeface="汉仪南宫体简" panose="02010609000101010101" pitchFamily="49" charset="-122"/>
+                <a:ea typeface="汉仪南宫体简" panose="02010609000101010101" pitchFamily="49" charset="-122"/>
               </a:rPr>
               <a:t>i</a:t>
             </a:r>
             <a:r>
-              <a:rPr lang="en-US" dirty="0">
+              <a:rPr lang="en-US" b="1" dirty="0">
                 <a:solidFill>
                   <a:srgbClr val="0000FF"/>
                 </a:solidFill>
-                <a:latin typeface="Verdana" pitchFamily="34" charset="0"/>
+                <a:latin typeface="汉仪南宫体简" panose="02010609000101010101" pitchFamily="49" charset="-122"/>
+                <a:ea typeface="汉仪南宫体简" panose="02010609000101010101" pitchFamily="49" charset="-122"/>
               </a:rPr>
               <a:t>++) {</a:t>
             </a:r>
@@ -7060,11 +7692,12 @@
               <a:defRPr/>
             </a:pPr>
             <a:r>
-              <a:rPr lang="en-US" dirty="0">
+              <a:rPr lang="en-US" b="1" dirty="0">
                 <a:solidFill>
                   <a:srgbClr val="0000FF"/>
                 </a:solidFill>
-                <a:latin typeface="Verdana" pitchFamily="34" charset="0"/>
+                <a:latin typeface="汉仪南宫体简" panose="02010609000101010101" pitchFamily="49" charset="-122"/>
+                <a:ea typeface="汉仪南宫体简" panose="02010609000101010101" pitchFamily="49" charset="-122"/>
               </a:rPr>
               <a:t>	….</a:t>
             </a:r>
@@ -7076,20 +7709,22 @@
               <a:defRPr/>
             </a:pPr>
             <a:r>
-              <a:rPr lang="zh-CN" altLang="en-US" dirty="0">
+              <a:rPr lang="zh-CN" altLang="en-US" b="1" dirty="0">
                 <a:solidFill>
                   <a:srgbClr val="0000FF"/>
                 </a:solidFill>
-                <a:latin typeface="Verdana" pitchFamily="34" charset="0"/>
+                <a:latin typeface="汉仪南宫体简" panose="02010609000101010101" pitchFamily="49" charset="-122"/>
+                <a:ea typeface="汉仪南宫体简" panose="02010609000101010101" pitchFamily="49" charset="-122"/>
               </a:rPr>
               <a:t> </a:t>
             </a:r>
             <a:r>
-              <a:rPr lang="en-US" dirty="0">
+              <a:rPr lang="en-US" b="1" dirty="0">
                 <a:solidFill>
                   <a:srgbClr val="0000FF"/>
                 </a:solidFill>
-                <a:latin typeface="Verdana" pitchFamily="34" charset="0"/>
+                <a:latin typeface="汉仪南宫体简" panose="02010609000101010101" pitchFamily="49" charset="-122"/>
+                <a:ea typeface="汉仪南宫体简" panose="02010609000101010101" pitchFamily="49" charset="-122"/>
               </a:rPr>
               <a:t>}</a:t>
             </a:r>
@@ -7100,11 +7735,12 @@
               <a:buNone/>
               <a:defRPr/>
             </a:pPr>
-            <a:endParaRPr lang="en-US" dirty="0">
+            <a:endParaRPr lang="en-US" b="1" dirty="0">
               <a:solidFill>
                 <a:srgbClr val="0000FF"/>
               </a:solidFill>
-              <a:latin typeface="Verdana" pitchFamily="34" charset="0"/>
+              <a:latin typeface="汉仪南宫体简" panose="02010609000101010101" pitchFamily="49" charset="-122"/>
+              <a:ea typeface="汉仪南宫体简" panose="02010609000101010101" pitchFamily="49" charset="-122"/>
             </a:endParaRPr>
           </a:p>
         </p:txBody>
@@ -7119,8 +7755,8 @@
         </p:nvSpPr>
         <p:spPr bwMode="auto">
           <a:xfrm>
-            <a:off x="2209800" y="3870325"/>
-            <a:ext cx="304800" cy="304800"/>
+            <a:off x="2405190" y="3870325"/>
+            <a:ext cx="317206" cy="304800"/>
           </a:xfrm>
           <a:prstGeom prst="ellipse">
             <a:avLst/>
@@ -7152,17 +7788,21 @@
               <a:defRPr/>
             </a:pPr>
             <a:r>
-              <a:rPr lang="en-US" altLang="zh-TW" sz="1600">
+              <a:rPr lang="en-US" altLang="zh-TW" sz="1600" b="1">
                 <a:solidFill>
                   <a:schemeClr val="bg1"/>
                 </a:solidFill>
+                <a:latin typeface="汉仪南宫体简" panose="02010609000101010101" pitchFamily="49" charset="-122"/>
+                <a:ea typeface="汉仪南宫体简" panose="02010609000101010101" pitchFamily="49" charset="-122"/>
               </a:rPr>
               <a:t>0</a:t>
             </a:r>
-            <a:endParaRPr lang="en-US" altLang="zh-TW" sz="1600" baseline="-25000">
+            <a:endParaRPr lang="en-US" altLang="zh-TW" sz="1600" b="1" baseline="-25000">
               <a:solidFill>
                 <a:schemeClr val="bg1"/>
               </a:solidFill>
+              <a:latin typeface="汉仪南宫体简" panose="02010609000101010101" pitchFamily="49" charset="-122"/>
+              <a:ea typeface="汉仪南宫体简" panose="02010609000101010101" pitchFamily="49" charset="-122"/>
             </a:endParaRPr>
           </a:p>
         </p:txBody>
@@ -7177,8 +7817,8 @@
         </p:nvSpPr>
         <p:spPr bwMode="auto">
           <a:xfrm>
-            <a:off x="1579564" y="3870325"/>
-            <a:ext cx="554037" cy="336550"/>
+            <a:off x="1762424" y="3870325"/>
+            <a:ext cx="637604" cy="338554"/>
           </a:xfrm>
           <a:prstGeom prst="rect">
             <a:avLst/>
@@ -7192,7 +7832,7 @@
           </a:ln>
         </p:spPr>
         <p:txBody>
-          <a:bodyPr wrap="none">
+          <a:bodyPr wrap="square">
             <a:spAutoFit/>
           </a:bodyPr>
           <a:lstStyle/>
@@ -7202,8 +7842,9 @@
               <a:buNone/>
             </a:pPr>
             <a:r>
-              <a:rPr lang="en-US" sz="1600">
-                <a:latin typeface="Arial Narrow" pitchFamily="34" charset="0"/>
+              <a:rPr lang="en-US" sz="1600" b="1">
+                <a:latin typeface="汉仪南宫体简" panose="02010609000101010101" pitchFamily="49" charset="-122"/>
+                <a:ea typeface="汉仪南宫体简" panose="02010609000101010101" pitchFamily="49" charset="-122"/>
               </a:rPr>
               <a:t>Pred</a:t>
             </a:r>
@@ -7220,8 +7861,8 @@
         </p:nvSpPr>
         <p:spPr bwMode="auto">
           <a:xfrm>
-            <a:off x="1579564" y="4665664"/>
-            <a:ext cx="650875" cy="338137"/>
+            <a:off x="1756486" y="4665664"/>
+            <a:ext cx="789415" cy="338554"/>
           </a:xfrm>
           <a:prstGeom prst="rect">
             <a:avLst/>
@@ -7235,7 +7876,7 @@
           </a:ln>
         </p:spPr>
         <p:txBody>
-          <a:bodyPr wrap="none">
+          <a:bodyPr wrap="square">
             <a:spAutoFit/>
           </a:bodyPr>
           <a:lstStyle/>
@@ -7245,8 +7886,9 @@
               <a:buNone/>
             </a:pPr>
             <a:r>
-              <a:rPr lang="en-US" sz="1600">
-                <a:latin typeface="Arial Narrow" pitchFamily="34" charset="0"/>
+              <a:rPr lang="en-US" sz="1600" b="1">
+                <a:latin typeface="汉仪南宫体简" panose="02010609000101010101" pitchFamily="49" charset="-122"/>
+                <a:ea typeface="汉仪南宫体简" panose="02010609000101010101" pitchFamily="49" charset="-122"/>
               </a:rPr>
               <a:t>Actual</a:t>
             </a:r>
@@ -7263,8 +7905,8 @@
         </p:nvSpPr>
         <p:spPr bwMode="auto">
           <a:xfrm>
-            <a:off x="2522431" y="4616450"/>
-            <a:ext cx="317715" cy="400110"/>
+            <a:off x="2702561" y="4616450"/>
+            <a:ext cx="359007" cy="400110"/>
           </a:xfrm>
           <a:prstGeom prst="rect">
             <a:avLst/>
@@ -7278,7 +7920,7 @@
           </a:ln>
         </p:spPr>
         <p:txBody>
-          <a:bodyPr wrap="none">
+          <a:bodyPr wrap="square">
             <a:spAutoFit/>
           </a:bodyPr>
           <a:lstStyle/>
@@ -7288,10 +7930,12 @@
               <a:buNone/>
             </a:pPr>
             <a:r>
-              <a:rPr lang="en-US" sz="2000">
+              <a:rPr lang="en-US" sz="2000" b="1">
                 <a:solidFill>
                   <a:srgbClr val="006600"/>
                 </a:solidFill>
+                <a:latin typeface="汉仪南宫体简" panose="02010609000101010101" pitchFamily="49" charset="-122"/>
+                <a:ea typeface="汉仪南宫体简" panose="02010609000101010101" pitchFamily="49" charset="-122"/>
               </a:rPr>
               <a:t>T</a:t>
             </a:r>
@@ -7308,8 +7952,8 @@
         </p:nvSpPr>
         <p:spPr bwMode="auto">
           <a:xfrm>
-            <a:off x="3132031" y="4616450"/>
-            <a:ext cx="317715" cy="400110"/>
+            <a:off x="3312161" y="4616450"/>
+            <a:ext cx="359007" cy="400110"/>
           </a:xfrm>
           <a:prstGeom prst="rect">
             <a:avLst/>
@@ -7323,7 +7967,7 @@
           </a:ln>
         </p:spPr>
         <p:txBody>
-          <a:bodyPr wrap="none">
+          <a:bodyPr wrap="square">
             <a:spAutoFit/>
           </a:bodyPr>
           <a:lstStyle/>
@@ -7333,10 +7977,12 @@
               <a:buNone/>
             </a:pPr>
             <a:r>
-              <a:rPr lang="en-US" sz="2000">
+              <a:rPr lang="en-US" sz="2000" b="1">
                 <a:solidFill>
                   <a:srgbClr val="006600"/>
                 </a:solidFill>
+                <a:latin typeface="汉仪南宫体简" panose="02010609000101010101" pitchFamily="49" charset="-122"/>
+                <a:ea typeface="汉仪南宫体简" panose="02010609000101010101" pitchFamily="49" charset="-122"/>
               </a:rPr>
               <a:t>T</a:t>
             </a:r>
@@ -7353,8 +7999,8 @@
         </p:nvSpPr>
         <p:spPr bwMode="auto">
           <a:xfrm>
-            <a:off x="2800350" y="3473451"/>
-            <a:ext cx="323850" cy="396875"/>
+            <a:off x="2994965" y="3473451"/>
+            <a:ext cx="337031" cy="396875"/>
           </a:xfrm>
           <a:prstGeom prst="rect">
             <a:avLst/>
@@ -7368,7 +8014,7 @@
           </a:ln>
         </p:spPr>
         <p:txBody>
-          <a:bodyPr wrap="none">
+          <a:bodyPr wrap="square">
             <a:spAutoFit/>
           </a:bodyPr>
           <a:lstStyle/>
@@ -7378,8 +8024,9 @@
               <a:buNone/>
             </a:pPr>
             <a:r>
-              <a:rPr lang="en-US" sz="2000">
-                <a:latin typeface="Verdana" pitchFamily="34" charset="0"/>
+              <a:rPr lang="en-US" sz="2000" b="1">
+                <a:latin typeface="汉仪南宫体简" panose="02010609000101010101" pitchFamily="49" charset="-122"/>
+                <a:ea typeface="汉仪南宫体简" panose="02010609000101010101" pitchFamily="49" charset="-122"/>
                 <a:sym typeface="Symbol" pitchFamily="18" charset="2"/>
               </a:rPr>
               <a:t></a:t>
@@ -7397,8 +8044,8 @@
         </p:nvGrpSpPr>
         <p:grpSpPr bwMode="auto">
           <a:xfrm>
-            <a:off x="2743200" y="3870325"/>
-            <a:ext cx="381000" cy="762000"/>
+            <a:off x="2935489" y="3870325"/>
+            <a:ext cx="396507" cy="762000"/>
             <a:chOff x="768" y="2438"/>
             <a:chExt cx="240" cy="480"/>
           </a:xfrm>
@@ -7446,10 +8093,16 @@
                 <a:defRPr/>
               </a:pPr>
               <a:r>
-                <a:rPr lang="en-US" altLang="zh-TW" sz="1600"/>
+                <a:rPr lang="en-US" altLang="zh-TW" sz="1600" b="1">
+                  <a:latin typeface="汉仪南宫体简" panose="02010609000101010101" pitchFamily="49" charset="-122"/>
+                  <a:ea typeface="汉仪南宫体简" panose="02010609000101010101" pitchFamily="49" charset="-122"/>
+                </a:rPr>
                 <a:t>1</a:t>
               </a:r>
-              <a:endParaRPr lang="en-US" altLang="zh-TW" sz="1600" baseline="-25000"/>
+              <a:endParaRPr lang="en-US" altLang="zh-TW" sz="1600" b="1" baseline="-25000">
+                <a:latin typeface="汉仪南宫体简" panose="02010609000101010101" pitchFamily="49" charset="-122"/>
+                <a:ea typeface="汉仪南宫体简" panose="02010609000101010101" pitchFamily="49" charset="-122"/>
+              </a:endParaRPr>
             </a:p>
           </p:txBody>
         </p:sp>
@@ -7484,7 +8137,10 @@
             <a:bodyPr/>
             <a:lstStyle/>
             <a:p>
-              <a:endParaRPr lang="en-US"/>
+              <a:endParaRPr lang="en-US" b="1">
+                <a:latin typeface="汉仪南宫体简" panose="02010609000101010101" pitchFamily="49" charset="-122"/>
+                <a:ea typeface="汉仪南宫体简" panose="02010609000101010101" pitchFamily="49" charset="-122"/>
+              </a:endParaRPr>
             </a:p>
           </p:txBody>
         </p:sp>
@@ -7499,8 +8155,8 @@
         </p:nvGrpSpPr>
         <p:grpSpPr bwMode="auto">
           <a:xfrm>
-            <a:off x="3352800" y="3870325"/>
-            <a:ext cx="381000" cy="762000"/>
+            <a:off x="3545089" y="3870325"/>
+            <a:ext cx="396507" cy="762000"/>
             <a:chOff x="1152" y="2438"/>
             <a:chExt cx="240" cy="480"/>
           </a:xfrm>
@@ -7548,10 +8204,16 @@
                 <a:defRPr/>
               </a:pPr>
               <a:r>
-                <a:rPr lang="en-US" altLang="zh-TW" sz="1600"/>
+                <a:rPr lang="en-US" altLang="zh-TW" sz="1600" b="1">
+                  <a:latin typeface="汉仪南宫体简" panose="02010609000101010101" pitchFamily="49" charset="-122"/>
+                  <a:ea typeface="汉仪南宫体简" panose="02010609000101010101" pitchFamily="49" charset="-122"/>
+                </a:rPr>
                 <a:t>1</a:t>
               </a:r>
-              <a:endParaRPr lang="en-US" altLang="zh-TW" sz="1600" baseline="-25000"/>
+              <a:endParaRPr lang="en-US" altLang="zh-TW" sz="1600" b="1" baseline="-25000">
+                <a:latin typeface="汉仪南宫体简" panose="02010609000101010101" pitchFamily="49" charset="-122"/>
+                <a:ea typeface="汉仪南宫体简" panose="02010609000101010101" pitchFamily="49" charset="-122"/>
+              </a:endParaRPr>
             </a:p>
           </p:txBody>
         </p:sp>
@@ -7586,7 +8248,10 @@
             <a:bodyPr/>
             <a:lstStyle/>
             <a:p>
-              <a:endParaRPr lang="en-US"/>
+              <a:endParaRPr lang="en-US" b="1">
+                <a:latin typeface="汉仪南宫体简" panose="02010609000101010101" pitchFamily="49" charset="-122"/>
+                <a:ea typeface="汉仪南宫体简" panose="02010609000101010101" pitchFamily="49" charset="-122"/>
+              </a:endParaRPr>
             </a:p>
           </p:txBody>
         </p:sp>
@@ -7601,8 +8266,8 @@
         </p:nvSpPr>
         <p:spPr bwMode="auto">
           <a:xfrm>
-            <a:off x="3409950" y="3489326"/>
-            <a:ext cx="323850" cy="396875"/>
+            <a:off x="3604565" y="3489326"/>
+            <a:ext cx="337031" cy="396875"/>
           </a:xfrm>
           <a:prstGeom prst="rect">
             <a:avLst/>
@@ -7616,7 +8281,7 @@
           </a:ln>
         </p:spPr>
         <p:txBody>
-          <a:bodyPr wrap="none">
+          <a:bodyPr wrap="square">
             <a:spAutoFit/>
           </a:bodyPr>
           <a:lstStyle/>
@@ -7626,8 +8291,9 @@
               <a:buNone/>
             </a:pPr>
             <a:r>
-              <a:rPr lang="en-US" sz="2000">
-                <a:latin typeface="Verdana" pitchFamily="34" charset="0"/>
+              <a:rPr lang="en-US" sz="2000" b="1">
+                <a:latin typeface="汉仪南宫体简" panose="02010609000101010101" pitchFamily="49" charset="-122"/>
+                <a:ea typeface="汉仪南宫体简" panose="02010609000101010101" pitchFamily="49" charset="-122"/>
                 <a:sym typeface="Symbol" pitchFamily="18" charset="2"/>
               </a:rPr>
               <a:t></a:t>
@@ -7645,8 +8311,8 @@
         </p:nvSpPr>
         <p:spPr bwMode="auto">
           <a:xfrm>
-            <a:off x="3741631" y="4632325"/>
-            <a:ext cx="317715" cy="400110"/>
+            <a:off x="3921761" y="4632325"/>
+            <a:ext cx="359007" cy="400110"/>
           </a:xfrm>
           <a:prstGeom prst="rect">
             <a:avLst/>
@@ -7660,7 +8326,7 @@
           </a:ln>
         </p:spPr>
         <p:txBody>
-          <a:bodyPr wrap="none">
+          <a:bodyPr wrap="square">
             <a:spAutoFit/>
           </a:bodyPr>
           <a:lstStyle/>
@@ -7670,10 +8336,12 @@
               <a:buNone/>
             </a:pPr>
             <a:r>
-              <a:rPr lang="en-US" sz="2000">
+              <a:rPr lang="en-US" sz="2000" b="1">
                 <a:solidFill>
                   <a:srgbClr val="006600"/>
                 </a:solidFill>
+                <a:latin typeface="汉仪南宫体简" panose="02010609000101010101" pitchFamily="49" charset="-122"/>
+                <a:ea typeface="汉仪南宫体简" panose="02010609000101010101" pitchFamily="49" charset="-122"/>
               </a:rPr>
               <a:t>T</a:t>
             </a:r>
@@ -7690,8 +8358,8 @@
         </p:nvSpPr>
         <p:spPr bwMode="auto">
           <a:xfrm>
-            <a:off x="4351231" y="4632325"/>
-            <a:ext cx="317715" cy="400110"/>
+            <a:off x="4531361" y="4632325"/>
+            <a:ext cx="359007" cy="400110"/>
           </a:xfrm>
           <a:prstGeom prst="rect">
             <a:avLst/>
@@ -7705,7 +8373,7 @@
           </a:ln>
         </p:spPr>
         <p:txBody>
-          <a:bodyPr wrap="none">
+          <a:bodyPr wrap="square">
             <a:spAutoFit/>
           </a:bodyPr>
           <a:lstStyle/>
@@ -7715,10 +8383,12 @@
               <a:buNone/>
             </a:pPr>
             <a:r>
-              <a:rPr lang="en-US" sz="2000">
+              <a:rPr lang="en-US" sz="2000" b="1">
                 <a:solidFill>
                   <a:srgbClr val="006600"/>
                 </a:solidFill>
+                <a:latin typeface="汉仪南宫体简" panose="02010609000101010101" pitchFamily="49" charset="-122"/>
+                <a:ea typeface="汉仪南宫体简" panose="02010609000101010101" pitchFamily="49" charset="-122"/>
               </a:rPr>
               <a:t>T</a:t>
             </a:r>
@@ -7735,8 +8405,8 @@
         </p:nvSpPr>
         <p:spPr bwMode="auto">
           <a:xfrm>
-            <a:off x="4019550" y="3489326"/>
-            <a:ext cx="323850" cy="396875"/>
+            <a:off x="4214165" y="3489326"/>
+            <a:ext cx="337031" cy="396875"/>
           </a:xfrm>
           <a:prstGeom prst="rect">
             <a:avLst/>
@@ -7750,7 +8420,7 @@
           </a:ln>
         </p:spPr>
         <p:txBody>
-          <a:bodyPr wrap="none">
+          <a:bodyPr wrap="square">
             <a:spAutoFit/>
           </a:bodyPr>
           <a:lstStyle/>
@@ -7760,8 +8430,9 @@
               <a:buNone/>
             </a:pPr>
             <a:r>
-              <a:rPr lang="en-US" sz="2000">
-                <a:latin typeface="Verdana" pitchFamily="34" charset="0"/>
+              <a:rPr lang="en-US" sz="2000" b="1">
+                <a:latin typeface="汉仪南宫体简" panose="02010609000101010101" pitchFamily="49" charset="-122"/>
+                <a:ea typeface="汉仪南宫体简" panose="02010609000101010101" pitchFamily="49" charset="-122"/>
                 <a:sym typeface="Symbol" pitchFamily="18" charset="2"/>
               </a:rPr>
               <a:t></a:t>
@@ -7779,8 +8450,8 @@
         </p:nvGrpSpPr>
         <p:grpSpPr bwMode="auto">
           <a:xfrm>
-            <a:off x="3962400" y="3886200"/>
-            <a:ext cx="381000" cy="762000"/>
+            <a:off x="4154689" y="3886200"/>
+            <a:ext cx="396507" cy="762000"/>
             <a:chOff x="1536" y="2448"/>
             <a:chExt cx="240" cy="480"/>
           </a:xfrm>
@@ -7828,10 +8499,16 @@
                 <a:defRPr/>
               </a:pPr>
               <a:r>
-                <a:rPr lang="en-US" altLang="zh-TW" sz="1600"/>
+                <a:rPr lang="en-US" altLang="zh-TW" sz="1600" b="1">
+                  <a:latin typeface="汉仪南宫体简" panose="02010609000101010101" pitchFamily="49" charset="-122"/>
+                  <a:ea typeface="汉仪南宫体简" panose="02010609000101010101" pitchFamily="49" charset="-122"/>
+                </a:rPr>
                 <a:t>1</a:t>
               </a:r>
-              <a:endParaRPr lang="en-US" altLang="zh-TW" sz="1600" baseline="-25000"/>
+              <a:endParaRPr lang="en-US" altLang="zh-TW" sz="1600" b="1" baseline="-25000">
+                <a:latin typeface="汉仪南宫体简" panose="02010609000101010101" pitchFamily="49" charset="-122"/>
+                <a:ea typeface="汉仪南宫体简" panose="02010609000101010101" pitchFamily="49" charset="-122"/>
+              </a:endParaRPr>
             </a:p>
           </p:txBody>
         </p:sp>
@@ -7866,7 +8543,10 @@
             <a:bodyPr/>
             <a:lstStyle/>
             <a:p>
-              <a:endParaRPr lang="en-US"/>
+              <a:endParaRPr lang="en-US" b="1">
+                <a:latin typeface="汉仪南宫体简" panose="02010609000101010101" pitchFamily="49" charset="-122"/>
+                <a:ea typeface="汉仪南宫体简" panose="02010609000101010101" pitchFamily="49" charset="-122"/>
+              </a:endParaRPr>
             </a:p>
           </p:txBody>
         </p:sp>
@@ -7881,8 +8561,8 @@
         </p:nvGrpSpPr>
         <p:grpSpPr bwMode="auto">
           <a:xfrm>
-            <a:off x="4572000" y="3886200"/>
-            <a:ext cx="381000" cy="762000"/>
+            <a:off x="4764289" y="3886200"/>
+            <a:ext cx="396507" cy="762000"/>
             <a:chOff x="1920" y="2448"/>
             <a:chExt cx="240" cy="480"/>
           </a:xfrm>
@@ -7930,10 +8610,16 @@
                 <a:defRPr/>
               </a:pPr>
               <a:r>
-                <a:rPr lang="en-US" altLang="zh-TW" sz="1600"/>
+                <a:rPr lang="en-US" altLang="zh-TW" sz="1600" b="1">
+                  <a:latin typeface="汉仪南宫体简" panose="02010609000101010101" pitchFamily="49" charset="-122"/>
+                  <a:ea typeface="汉仪南宫体简" panose="02010609000101010101" pitchFamily="49" charset="-122"/>
+                </a:rPr>
                 <a:t>1</a:t>
               </a:r>
-              <a:endParaRPr lang="en-US" altLang="zh-TW" sz="1600" baseline="-25000"/>
+              <a:endParaRPr lang="en-US" altLang="zh-TW" sz="1600" b="1" baseline="-25000">
+                <a:latin typeface="汉仪南宫体简" panose="02010609000101010101" pitchFamily="49" charset="-122"/>
+                <a:ea typeface="汉仪南宫体简" panose="02010609000101010101" pitchFamily="49" charset="-122"/>
+              </a:endParaRPr>
             </a:p>
           </p:txBody>
         </p:sp>
@@ -7968,7 +8654,10 @@
             <a:bodyPr/>
             <a:lstStyle/>
             <a:p>
-              <a:endParaRPr lang="en-US"/>
+              <a:endParaRPr lang="en-US" b="1">
+                <a:latin typeface="汉仪南宫体简" panose="02010609000101010101" pitchFamily="49" charset="-122"/>
+                <a:ea typeface="汉仪南宫体简" panose="02010609000101010101" pitchFamily="49" charset="-122"/>
+              </a:endParaRPr>
             </a:p>
           </p:txBody>
         </p:sp>
@@ -7983,8 +8672,8 @@
         </p:nvSpPr>
         <p:spPr bwMode="auto">
           <a:xfrm>
-            <a:off x="6948488" y="1224549"/>
-            <a:ext cx="2265364" cy="1754326"/>
+            <a:off x="7057622" y="1224549"/>
+            <a:ext cx="2522724" cy="1754326"/>
           </a:xfrm>
           <a:prstGeom prst="rect">
             <a:avLst/>
@@ -8000,7 +8689,7 @@
           </a:ln>
         </p:spPr>
         <p:txBody>
-          <a:bodyPr wrap="none">
+          <a:bodyPr wrap="square">
             <a:spAutoFit/>
           </a:bodyPr>
           <a:lstStyle/>
@@ -8010,17 +8699,19 @@
               <a:buNone/>
             </a:pPr>
             <a:r>
-              <a:rPr lang="en-US">
-                <a:latin typeface="Verdana" pitchFamily="34" charset="0"/>
+              <a:rPr lang="en-US" b="1">
+                <a:latin typeface="汉仪南宫体简" panose="02010609000101010101" pitchFamily="49" charset="-122"/>
+                <a:ea typeface="汉仪南宫体简" panose="02010609000101010101" pitchFamily="49" charset="-122"/>
               </a:rPr>
               <a:t> </a:t>
             </a:r>
             <a:r>
-              <a:rPr lang="en-US">
+              <a:rPr lang="en-US" b="1">
                 <a:solidFill>
                   <a:srgbClr val="0000FF"/>
                 </a:solidFill>
-                <a:latin typeface="Verdana" pitchFamily="34" charset="0"/>
+                <a:latin typeface="汉仪南宫体简" panose="02010609000101010101" pitchFamily="49" charset="-122"/>
+                <a:ea typeface="汉仪南宫体简" panose="02010609000101010101" pitchFamily="49" charset="-122"/>
               </a:rPr>
               <a:t>addi   r10, r0, 4</a:t>
             </a:r>
@@ -8031,11 +8722,12 @@
               <a:buNone/>
             </a:pPr>
             <a:r>
-              <a:rPr lang="en-US">
+              <a:rPr lang="en-US" b="1">
                 <a:solidFill>
                   <a:srgbClr val="0000FF"/>
                 </a:solidFill>
-                <a:latin typeface="Verdana" pitchFamily="34" charset="0"/>
+                <a:latin typeface="汉仪南宫体简" panose="02010609000101010101" pitchFamily="49" charset="-122"/>
+                <a:ea typeface="汉仪南宫体简" panose="02010609000101010101" pitchFamily="49" charset="-122"/>
               </a:rPr>
               <a:t> addi   r1,   r1, r0</a:t>
             </a:r>
@@ -8046,11 +8738,12 @@
               <a:buNone/>
             </a:pPr>
             <a:r>
-              <a:rPr lang="en-US">
+              <a:rPr lang="en-US" b="1">
                 <a:solidFill>
                   <a:srgbClr val="0000FF"/>
                 </a:solidFill>
-                <a:latin typeface="Verdana" pitchFamily="34" charset="0"/>
+                <a:latin typeface="汉仪南宫体简" panose="02010609000101010101" pitchFamily="49" charset="-122"/>
+                <a:ea typeface="汉仪南宫体简" panose="02010609000101010101" pitchFamily="49" charset="-122"/>
               </a:rPr>
               <a:t>L1:</a:t>
             </a:r>
@@ -8061,11 +8754,12 @@
               <a:buNone/>
             </a:pPr>
             <a:r>
-              <a:rPr lang="en-US">
+              <a:rPr lang="en-US" b="1">
                 <a:solidFill>
                   <a:srgbClr val="0000FF"/>
                 </a:solidFill>
-                <a:latin typeface="Verdana" pitchFamily="34" charset="0"/>
+                <a:latin typeface="汉仪南宫体简" panose="02010609000101010101" pitchFamily="49" charset="-122"/>
+                <a:ea typeface="汉仪南宫体简" panose="02010609000101010101" pitchFamily="49" charset="-122"/>
               </a:rPr>
               <a:t> … …</a:t>
             </a:r>
@@ -8076,11 +8770,12 @@
               <a:buNone/>
             </a:pPr>
             <a:r>
-              <a:rPr lang="en-US">
+              <a:rPr lang="en-US" b="1">
                 <a:solidFill>
                   <a:srgbClr val="0000FF"/>
                 </a:solidFill>
-                <a:latin typeface="Verdana" pitchFamily="34" charset="0"/>
+                <a:latin typeface="汉仪南宫体简" panose="02010609000101010101" pitchFamily="49" charset="-122"/>
+                <a:ea typeface="汉仪南宫体简" panose="02010609000101010101" pitchFamily="49" charset="-122"/>
               </a:rPr>
               <a:t> addi   r1, r1,   1</a:t>
             </a:r>
@@ -8091,20 +8786,22 @@
               <a:buNone/>
             </a:pPr>
             <a:r>
-              <a:rPr lang="en-US">
+              <a:rPr lang="en-US" b="1">
                 <a:solidFill>
                   <a:srgbClr val="0000FF"/>
                 </a:solidFill>
-                <a:latin typeface="Verdana" pitchFamily="34" charset="0"/>
+                <a:latin typeface="汉仪南宫体简" panose="02010609000101010101" pitchFamily="49" charset="-122"/>
+                <a:ea typeface="汉仪南宫体简" panose="02010609000101010101" pitchFamily="49" charset="-122"/>
               </a:rPr>
               <a:t> </a:t>
             </a:r>
             <a:r>
-              <a:rPr lang="en-US">
+              <a:rPr lang="en-US" b="1">
                 <a:solidFill>
                   <a:srgbClr val="FF0000"/>
                 </a:solidFill>
-                <a:latin typeface="Verdana" pitchFamily="34" charset="0"/>
+                <a:latin typeface="汉仪南宫体简" panose="02010609000101010101" pitchFamily="49" charset="-122"/>
+                <a:ea typeface="汉仪南宫体简" panose="02010609000101010101" pitchFamily="49" charset="-122"/>
               </a:rPr>
               <a:t>bne    r1, r10, L1</a:t>
             </a:r>
@@ -8121,8 +8818,8 @@
         </p:nvSpPr>
         <p:spPr bwMode="auto">
           <a:xfrm>
-            <a:off x="4876801" y="4616451"/>
-            <a:ext cx="523875" cy="396875"/>
+            <a:off x="5063275" y="4616451"/>
+            <a:ext cx="545197" cy="396875"/>
           </a:xfrm>
           <a:prstGeom prst="rect">
             <a:avLst/>
@@ -8136,7 +8833,7 @@
           </a:ln>
         </p:spPr>
         <p:txBody>
-          <a:bodyPr wrap="none">
+          <a:bodyPr wrap="square">
             <a:spAutoFit/>
           </a:bodyPr>
           <a:lstStyle/>
@@ -8146,10 +8843,12 @@
               <a:buNone/>
             </a:pPr>
             <a:r>
-              <a:rPr lang="en-US" sz="2000">
+              <a:rPr lang="en-US" sz="2000" b="1">
                 <a:solidFill>
                   <a:srgbClr val="FF0000"/>
                 </a:solidFill>
+                <a:latin typeface="汉仪南宫体简" panose="02010609000101010101" pitchFamily="49" charset="-122"/>
+                <a:ea typeface="汉仪南宫体简" panose="02010609000101010101" pitchFamily="49" charset="-122"/>
               </a:rPr>
               <a:t>NT</a:t>
             </a:r>
@@ -8166,8 +8865,8 @@
         </p:nvGrpSpPr>
         <p:grpSpPr bwMode="auto">
           <a:xfrm>
-            <a:off x="5181600" y="3886201"/>
-            <a:ext cx="381000" cy="746125"/>
+            <a:off x="5373889" y="3886201"/>
+            <a:ext cx="396507" cy="746125"/>
             <a:chOff x="2304" y="2448"/>
             <a:chExt cx="240" cy="470"/>
           </a:xfrm>
@@ -8203,7 +8902,10 @@
             <a:bodyPr/>
             <a:lstStyle/>
             <a:p>
-              <a:endParaRPr lang="en-US"/>
+              <a:endParaRPr lang="en-US" b="1">
+                <a:latin typeface="汉仪南宫体简" panose="02010609000101010101" pitchFamily="49" charset="-122"/>
+                <a:ea typeface="汉仪南宫体简" panose="02010609000101010101" pitchFamily="49" charset="-122"/>
+              </a:endParaRPr>
             </a:p>
           </p:txBody>
         </p:sp>
@@ -8250,17 +8952,21 @@
                 <a:defRPr/>
               </a:pPr>
               <a:r>
-                <a:rPr lang="en-US" altLang="zh-TW" sz="1600">
+                <a:rPr lang="en-US" altLang="zh-TW" sz="1600" b="1">
                   <a:solidFill>
                     <a:schemeClr val="bg1"/>
                   </a:solidFill>
+                  <a:latin typeface="汉仪南宫体简" panose="02010609000101010101" pitchFamily="49" charset="-122"/>
+                  <a:ea typeface="汉仪南宫体简" panose="02010609000101010101" pitchFamily="49" charset="-122"/>
                 </a:rPr>
                 <a:t>0</a:t>
               </a:r>
-              <a:endParaRPr lang="en-US" altLang="zh-TW" sz="1600" baseline="-25000">
+              <a:endParaRPr lang="en-US" altLang="zh-TW" sz="1600" b="1" baseline="-25000">
                 <a:solidFill>
                   <a:schemeClr val="bg1"/>
                 </a:solidFill>
+                <a:latin typeface="汉仪南宫体简" panose="02010609000101010101" pitchFamily="49" charset="-122"/>
+                <a:ea typeface="汉仪南宫体简" panose="02010609000101010101" pitchFamily="49" charset="-122"/>
               </a:endParaRPr>
             </a:p>
           </p:txBody>
@@ -8276,8 +8982,8 @@
         </p:nvSpPr>
         <p:spPr bwMode="auto">
           <a:xfrm>
-            <a:off x="2133600" y="3367088"/>
-            <a:ext cx="419100" cy="519112"/>
+            <a:off x="2324338" y="3367088"/>
+            <a:ext cx="436158" cy="519112"/>
           </a:xfrm>
           <a:prstGeom prst="rect">
             <a:avLst/>
@@ -8291,7 +8997,7 @@
           </a:ln>
         </p:spPr>
         <p:txBody>
-          <a:bodyPr wrap="none">
+          <a:bodyPr wrap="square">
             <a:spAutoFit/>
           </a:bodyPr>
           <a:lstStyle/>
@@ -8301,8 +9007,9 @@
               <a:buNone/>
             </a:pPr>
             <a:r>
-              <a:rPr lang="en-US" sz="2800">
-                <a:latin typeface="Verdana" pitchFamily="34" charset="0"/>
+              <a:rPr lang="en-US" sz="2800" b="1">
+                <a:latin typeface="汉仪南宫体简" panose="02010609000101010101" pitchFamily="49" charset="-122"/>
+                <a:ea typeface="汉仪南宫体简" panose="02010609000101010101" pitchFamily="49" charset="-122"/>
                 <a:sym typeface="Wingdings" pitchFamily="2" charset="2"/>
               </a:rPr>
               <a:t></a:t>
@@ -8320,8 +9027,8 @@
         </p:nvSpPr>
         <p:spPr bwMode="auto">
           <a:xfrm>
-            <a:off x="4572000" y="3429001"/>
-            <a:ext cx="419100" cy="519113"/>
+            <a:off x="4762738" y="3429001"/>
+            <a:ext cx="436158" cy="519113"/>
           </a:xfrm>
           <a:prstGeom prst="rect">
             <a:avLst/>
@@ -8335,7 +9042,7 @@
           </a:ln>
         </p:spPr>
         <p:txBody>
-          <a:bodyPr wrap="none">
+          <a:bodyPr wrap="square">
             <a:spAutoFit/>
           </a:bodyPr>
           <a:lstStyle/>
@@ -8345,8 +9052,9 @@
               <a:buNone/>
             </a:pPr>
             <a:r>
-              <a:rPr lang="en-US" sz="2800" dirty="0">
-                <a:latin typeface="Verdana" pitchFamily="34" charset="0"/>
+              <a:rPr lang="en-US" sz="2800" b="1" dirty="0">
+                <a:latin typeface="汉仪南宫体简" panose="02010609000101010101" pitchFamily="49" charset="-122"/>
+                <a:ea typeface="汉仪南宫体简" panose="02010609000101010101" pitchFamily="49" charset="-122"/>
                 <a:sym typeface="Wingdings" pitchFamily="2" charset="2"/>
               </a:rPr>
               <a:t></a:t>
@@ -8364,8 +9072,8 @@
         </p:nvSpPr>
         <p:spPr bwMode="auto">
           <a:xfrm>
-            <a:off x="5570431" y="4632325"/>
-            <a:ext cx="317715" cy="400110"/>
+            <a:off x="5750561" y="4632325"/>
+            <a:ext cx="359007" cy="400110"/>
           </a:xfrm>
           <a:prstGeom prst="rect">
             <a:avLst/>
@@ -8379,7 +9087,7 @@
           </a:ln>
         </p:spPr>
         <p:txBody>
-          <a:bodyPr wrap="none">
+          <a:bodyPr wrap="square">
             <a:spAutoFit/>
           </a:bodyPr>
           <a:lstStyle/>
@@ -8389,10 +9097,12 @@
               <a:buNone/>
             </a:pPr>
             <a:r>
-              <a:rPr lang="en-US" sz="2000">
+              <a:rPr lang="en-US" sz="2000" b="1">
                 <a:solidFill>
                   <a:srgbClr val="006600"/>
                 </a:solidFill>
+                <a:latin typeface="汉仪南宫体简" panose="02010609000101010101" pitchFamily="49" charset="-122"/>
+                <a:ea typeface="汉仪南宫体简" panose="02010609000101010101" pitchFamily="49" charset="-122"/>
               </a:rPr>
               <a:t>T</a:t>
             </a:r>
@@ -8409,8 +9119,8 @@
         </p:nvGrpSpPr>
         <p:grpSpPr bwMode="auto">
           <a:xfrm>
-            <a:off x="5791200" y="3886200"/>
-            <a:ext cx="381000" cy="762000"/>
+            <a:off x="5983489" y="3886200"/>
+            <a:ext cx="396507" cy="762000"/>
             <a:chOff x="768" y="2438"/>
             <a:chExt cx="240" cy="480"/>
           </a:xfrm>
@@ -8458,10 +9168,16 @@
                 <a:defRPr/>
               </a:pPr>
               <a:r>
-                <a:rPr lang="en-US" altLang="zh-TW" sz="1600"/>
+                <a:rPr lang="en-US" altLang="zh-TW" sz="1600" b="1">
+                  <a:latin typeface="汉仪南宫体简" panose="02010609000101010101" pitchFamily="49" charset="-122"/>
+                  <a:ea typeface="汉仪南宫体简" panose="02010609000101010101" pitchFamily="49" charset="-122"/>
+                </a:rPr>
                 <a:t>1</a:t>
               </a:r>
-              <a:endParaRPr lang="en-US" altLang="zh-TW" sz="1600" baseline="-25000"/>
+              <a:endParaRPr lang="en-US" altLang="zh-TW" sz="1600" b="1" baseline="-25000">
+                <a:latin typeface="汉仪南宫体简" panose="02010609000101010101" pitchFamily="49" charset="-122"/>
+                <a:ea typeface="汉仪南宫体简" panose="02010609000101010101" pitchFamily="49" charset="-122"/>
+              </a:endParaRPr>
             </a:p>
           </p:txBody>
         </p:sp>
@@ -8496,7 +9212,10 @@
             <a:bodyPr/>
             <a:lstStyle/>
             <a:p>
-              <a:endParaRPr lang="en-US"/>
+              <a:endParaRPr lang="en-US" b="1">
+                <a:latin typeface="汉仪南宫体简" panose="02010609000101010101" pitchFamily="49" charset="-122"/>
+                <a:ea typeface="汉仪南宫体简" panose="02010609000101010101" pitchFamily="49" charset="-122"/>
+              </a:endParaRPr>
             </a:p>
           </p:txBody>
         </p:sp>
@@ -8511,8 +9230,8 @@
         </p:nvSpPr>
         <p:spPr bwMode="auto">
           <a:xfrm>
-            <a:off x="5181600" y="3429001"/>
-            <a:ext cx="419100" cy="519113"/>
+            <a:off x="5372338" y="3429001"/>
+            <a:ext cx="436158" cy="519113"/>
           </a:xfrm>
           <a:prstGeom prst="rect">
             <a:avLst/>
@@ -8526,7 +9245,7 @@
           </a:ln>
         </p:spPr>
         <p:txBody>
-          <a:bodyPr wrap="none">
+          <a:bodyPr wrap="square">
             <a:spAutoFit/>
           </a:bodyPr>
           <a:lstStyle/>
@@ -8536,8 +9255,9 @@
               <a:buNone/>
             </a:pPr>
             <a:r>
-              <a:rPr lang="en-US" sz="2800" dirty="0">
-                <a:latin typeface="Verdana" pitchFamily="34" charset="0"/>
+              <a:rPr lang="en-US" sz="2800" b="1" dirty="0">
+                <a:latin typeface="汉仪南宫体简" panose="02010609000101010101" pitchFamily="49" charset="-122"/>
+                <a:ea typeface="汉仪南宫体简" panose="02010609000101010101" pitchFamily="49" charset="-122"/>
                 <a:sym typeface="Wingdings" pitchFamily="2" charset="2"/>
               </a:rPr>
               <a:t></a:t>
@@ -8555,8 +9275,8 @@
         </p:nvSpPr>
         <p:spPr bwMode="auto">
           <a:xfrm>
-            <a:off x="6180031" y="4616450"/>
-            <a:ext cx="317715" cy="400110"/>
+            <a:off x="6360161" y="4616450"/>
+            <a:ext cx="359007" cy="400110"/>
           </a:xfrm>
           <a:prstGeom prst="rect">
             <a:avLst/>
@@ -8570,7 +9290,7 @@
           </a:ln>
         </p:spPr>
         <p:txBody>
-          <a:bodyPr wrap="none">
+          <a:bodyPr wrap="square">
             <a:spAutoFit/>
           </a:bodyPr>
           <a:lstStyle/>
@@ -8580,10 +9300,12 @@
               <a:buNone/>
             </a:pPr>
             <a:r>
-              <a:rPr lang="en-US" sz="2000">
+              <a:rPr lang="en-US" sz="2000" b="1">
                 <a:solidFill>
                   <a:srgbClr val="006600"/>
                 </a:solidFill>
+                <a:latin typeface="汉仪南宫体简" panose="02010609000101010101" pitchFamily="49" charset="-122"/>
+                <a:ea typeface="汉仪南宫体简" panose="02010609000101010101" pitchFamily="49" charset="-122"/>
               </a:rPr>
               <a:t>T</a:t>
             </a:r>
@@ -8600,8 +9322,8 @@
         </p:nvSpPr>
         <p:spPr bwMode="auto">
           <a:xfrm>
-            <a:off x="5848350" y="3473451"/>
-            <a:ext cx="323850" cy="396875"/>
+            <a:off x="6042965" y="3473451"/>
+            <a:ext cx="337031" cy="396875"/>
           </a:xfrm>
           <a:prstGeom prst="rect">
             <a:avLst/>
@@ -8615,7 +9337,7 @@
           </a:ln>
         </p:spPr>
         <p:txBody>
-          <a:bodyPr wrap="none">
+          <a:bodyPr wrap="square">
             <a:spAutoFit/>
           </a:bodyPr>
           <a:lstStyle/>
@@ -8625,8 +9347,9 @@
               <a:buNone/>
             </a:pPr>
             <a:r>
-              <a:rPr lang="en-US" sz="2000">
-                <a:latin typeface="Verdana" pitchFamily="34" charset="0"/>
+              <a:rPr lang="en-US" sz="2000" b="1">
+                <a:latin typeface="汉仪南宫体简" panose="02010609000101010101" pitchFamily="49" charset="-122"/>
+                <a:ea typeface="汉仪南宫体简" panose="02010609000101010101" pitchFamily="49" charset="-122"/>
                 <a:sym typeface="Symbol" pitchFamily="18" charset="2"/>
               </a:rPr>
               <a:t></a:t>
@@ -8644,8 +9367,8 @@
         </p:nvGrpSpPr>
         <p:grpSpPr bwMode="auto">
           <a:xfrm>
-            <a:off x="6400800" y="3870325"/>
-            <a:ext cx="381000" cy="762000"/>
+            <a:off x="6593089" y="3870325"/>
+            <a:ext cx="396507" cy="762000"/>
             <a:chOff x="1152" y="2438"/>
             <a:chExt cx="240" cy="480"/>
           </a:xfrm>
@@ -8693,10 +9416,16 @@
                 <a:defRPr/>
               </a:pPr>
               <a:r>
-                <a:rPr lang="en-US" altLang="zh-TW" sz="1600"/>
+                <a:rPr lang="en-US" altLang="zh-TW" sz="1600" b="1">
+                  <a:latin typeface="汉仪南宫体简" panose="02010609000101010101" pitchFamily="49" charset="-122"/>
+                  <a:ea typeface="汉仪南宫体简" panose="02010609000101010101" pitchFamily="49" charset="-122"/>
+                </a:rPr>
                 <a:t>1</a:t>
               </a:r>
-              <a:endParaRPr lang="en-US" altLang="zh-TW" sz="1600" baseline="-25000"/>
+              <a:endParaRPr lang="en-US" altLang="zh-TW" sz="1600" b="1" baseline="-25000">
+                <a:latin typeface="汉仪南宫体简" panose="02010609000101010101" pitchFamily="49" charset="-122"/>
+                <a:ea typeface="汉仪南宫体简" panose="02010609000101010101" pitchFamily="49" charset="-122"/>
+              </a:endParaRPr>
             </a:p>
           </p:txBody>
         </p:sp>
@@ -8731,7 +9460,10 @@
             <a:bodyPr/>
             <a:lstStyle/>
             <a:p>
-              <a:endParaRPr lang="en-US"/>
+              <a:endParaRPr lang="en-US" b="1">
+                <a:latin typeface="汉仪南宫体简" panose="02010609000101010101" pitchFamily="49" charset="-122"/>
+                <a:ea typeface="汉仪南宫体简" panose="02010609000101010101" pitchFamily="49" charset="-122"/>
+              </a:endParaRPr>
             </a:p>
           </p:txBody>
         </p:sp>
@@ -8746,8 +9478,8 @@
         </p:nvSpPr>
         <p:spPr bwMode="auto">
           <a:xfrm>
-            <a:off x="6457950" y="3489326"/>
-            <a:ext cx="323850" cy="396875"/>
+            <a:off x="6652565" y="3489326"/>
+            <a:ext cx="337031" cy="396875"/>
           </a:xfrm>
           <a:prstGeom prst="rect">
             <a:avLst/>
@@ -8761,7 +9493,7 @@
           </a:ln>
         </p:spPr>
         <p:txBody>
-          <a:bodyPr wrap="none">
+          <a:bodyPr wrap="square">
             <a:spAutoFit/>
           </a:bodyPr>
           <a:lstStyle/>
@@ -8771,8 +9503,9 @@
               <a:buNone/>
             </a:pPr>
             <a:r>
-              <a:rPr lang="en-US" sz="2000">
-                <a:latin typeface="Verdana" pitchFamily="34" charset="0"/>
+              <a:rPr lang="en-US" sz="2000" b="1">
+                <a:latin typeface="汉仪南宫体简" panose="02010609000101010101" pitchFamily="49" charset="-122"/>
+                <a:ea typeface="汉仪南宫体简" panose="02010609000101010101" pitchFamily="49" charset="-122"/>
                 <a:sym typeface="Symbol" pitchFamily="18" charset="2"/>
               </a:rPr>
               <a:t></a:t>
@@ -8790,8 +9523,8 @@
         </p:nvSpPr>
         <p:spPr bwMode="auto">
           <a:xfrm>
-            <a:off x="6789631" y="4632325"/>
-            <a:ext cx="317715" cy="400110"/>
+            <a:off x="6969761" y="4632325"/>
+            <a:ext cx="359007" cy="400110"/>
           </a:xfrm>
           <a:prstGeom prst="rect">
             <a:avLst/>
@@ -8805,7 +9538,7 @@
           </a:ln>
         </p:spPr>
         <p:txBody>
-          <a:bodyPr wrap="none">
+          <a:bodyPr wrap="square">
             <a:spAutoFit/>
           </a:bodyPr>
           <a:lstStyle/>
@@ -8815,10 +9548,12 @@
               <a:buNone/>
             </a:pPr>
             <a:r>
-              <a:rPr lang="en-US" sz="2000">
+              <a:rPr lang="en-US" sz="2000" b="1">
                 <a:solidFill>
                   <a:srgbClr val="006600"/>
                 </a:solidFill>
+                <a:latin typeface="汉仪南宫体简" panose="02010609000101010101" pitchFamily="49" charset="-122"/>
+                <a:ea typeface="汉仪南宫体简" panose="02010609000101010101" pitchFamily="49" charset="-122"/>
               </a:rPr>
               <a:t>T</a:t>
             </a:r>
@@ -8835,8 +9570,8 @@
         </p:nvSpPr>
         <p:spPr bwMode="auto">
           <a:xfrm>
-            <a:off x="7399231" y="4632325"/>
-            <a:ext cx="317715" cy="400110"/>
+            <a:off x="7579361" y="4632325"/>
+            <a:ext cx="359007" cy="400110"/>
           </a:xfrm>
           <a:prstGeom prst="rect">
             <a:avLst/>
@@ -8850,7 +9585,7 @@
           </a:ln>
         </p:spPr>
         <p:txBody>
-          <a:bodyPr wrap="none">
+          <a:bodyPr wrap="square">
             <a:spAutoFit/>
           </a:bodyPr>
           <a:lstStyle/>
@@ -8860,10 +9595,12 @@
               <a:buNone/>
             </a:pPr>
             <a:r>
-              <a:rPr lang="en-US" sz="2000">
+              <a:rPr lang="en-US" sz="2000" b="1">
                 <a:solidFill>
                   <a:srgbClr val="006600"/>
                 </a:solidFill>
+                <a:latin typeface="汉仪南宫体简" panose="02010609000101010101" pitchFamily="49" charset="-122"/>
+                <a:ea typeface="汉仪南宫体简" panose="02010609000101010101" pitchFamily="49" charset="-122"/>
               </a:rPr>
               <a:t>T</a:t>
             </a:r>
@@ -8880,8 +9617,8 @@
         </p:nvSpPr>
         <p:spPr bwMode="auto">
           <a:xfrm>
-            <a:off x="7067550" y="3489326"/>
-            <a:ext cx="323850" cy="396875"/>
+            <a:off x="7262165" y="3489326"/>
+            <a:ext cx="337031" cy="396875"/>
           </a:xfrm>
           <a:prstGeom prst="rect">
             <a:avLst/>
@@ -8895,7 +9632,7 @@
           </a:ln>
         </p:spPr>
         <p:txBody>
-          <a:bodyPr wrap="none">
+          <a:bodyPr wrap="square">
             <a:spAutoFit/>
           </a:bodyPr>
           <a:lstStyle/>
@@ -8905,8 +9642,9 @@
               <a:buNone/>
             </a:pPr>
             <a:r>
-              <a:rPr lang="en-US" sz="2000">
-                <a:latin typeface="Verdana" pitchFamily="34" charset="0"/>
+              <a:rPr lang="en-US" sz="2000" b="1">
+                <a:latin typeface="汉仪南宫体简" panose="02010609000101010101" pitchFamily="49" charset="-122"/>
+                <a:ea typeface="汉仪南宫体简" panose="02010609000101010101" pitchFamily="49" charset="-122"/>
                 <a:sym typeface="Symbol" pitchFamily="18" charset="2"/>
               </a:rPr>
               <a:t></a:t>
@@ -8924,8 +9662,8 @@
         </p:nvGrpSpPr>
         <p:grpSpPr bwMode="auto">
           <a:xfrm>
-            <a:off x="7010400" y="3886200"/>
-            <a:ext cx="381000" cy="762000"/>
+            <a:off x="7202689" y="3886200"/>
+            <a:ext cx="396507" cy="762000"/>
             <a:chOff x="1536" y="2448"/>
             <a:chExt cx="240" cy="480"/>
           </a:xfrm>
@@ -8973,10 +9711,16 @@
                 <a:defRPr/>
               </a:pPr>
               <a:r>
-                <a:rPr lang="en-US" altLang="zh-TW" sz="1600"/>
+                <a:rPr lang="en-US" altLang="zh-TW" sz="1600" b="1">
+                  <a:latin typeface="汉仪南宫体简" panose="02010609000101010101" pitchFamily="49" charset="-122"/>
+                  <a:ea typeface="汉仪南宫体简" panose="02010609000101010101" pitchFamily="49" charset="-122"/>
+                </a:rPr>
                 <a:t>1</a:t>
               </a:r>
-              <a:endParaRPr lang="en-US" altLang="zh-TW" sz="1600" baseline="-25000"/>
+              <a:endParaRPr lang="en-US" altLang="zh-TW" sz="1600" b="1" baseline="-25000">
+                <a:latin typeface="汉仪南宫体简" panose="02010609000101010101" pitchFamily="49" charset="-122"/>
+                <a:ea typeface="汉仪南宫体简" panose="02010609000101010101" pitchFamily="49" charset="-122"/>
+              </a:endParaRPr>
             </a:p>
           </p:txBody>
         </p:sp>
@@ -9011,7 +9755,10 @@
             <a:bodyPr/>
             <a:lstStyle/>
             <a:p>
-              <a:endParaRPr lang="en-US"/>
+              <a:endParaRPr lang="en-US" b="1">
+                <a:latin typeface="汉仪南宫体简" panose="02010609000101010101" pitchFamily="49" charset="-122"/>
+                <a:ea typeface="汉仪南宫体简" panose="02010609000101010101" pitchFamily="49" charset="-122"/>
+              </a:endParaRPr>
             </a:p>
           </p:txBody>
         </p:sp>
@@ -9026,8 +9773,8 @@
         </p:nvGrpSpPr>
         <p:grpSpPr bwMode="auto">
           <a:xfrm>
-            <a:off x="7620000" y="3886200"/>
-            <a:ext cx="381000" cy="762000"/>
+            <a:off x="7812289" y="3886200"/>
+            <a:ext cx="396507" cy="762000"/>
             <a:chOff x="1920" y="2448"/>
             <a:chExt cx="240" cy="480"/>
           </a:xfrm>
@@ -9075,10 +9822,16 @@
                 <a:defRPr/>
               </a:pPr>
               <a:r>
-                <a:rPr lang="en-US" altLang="zh-TW" sz="1600"/>
+                <a:rPr lang="en-US" altLang="zh-TW" sz="1600" b="1">
+                  <a:latin typeface="汉仪南宫体简" panose="02010609000101010101" pitchFamily="49" charset="-122"/>
+                  <a:ea typeface="汉仪南宫体简" panose="02010609000101010101" pitchFamily="49" charset="-122"/>
+                </a:rPr>
                 <a:t>1</a:t>
               </a:r>
-              <a:endParaRPr lang="en-US" altLang="zh-TW" sz="1600" baseline="-25000"/>
+              <a:endParaRPr lang="en-US" altLang="zh-TW" sz="1600" b="1" baseline="-25000">
+                <a:latin typeface="汉仪南宫体简" panose="02010609000101010101" pitchFamily="49" charset="-122"/>
+                <a:ea typeface="汉仪南宫体简" panose="02010609000101010101" pitchFamily="49" charset="-122"/>
+              </a:endParaRPr>
             </a:p>
           </p:txBody>
         </p:sp>
@@ -9113,7 +9866,10 @@
             <a:bodyPr/>
             <a:lstStyle/>
             <a:p>
-              <a:endParaRPr lang="en-US"/>
+              <a:endParaRPr lang="en-US" b="1">
+                <a:latin typeface="汉仪南宫体简" panose="02010609000101010101" pitchFamily="49" charset="-122"/>
+                <a:ea typeface="汉仪南宫体简" panose="02010609000101010101" pitchFamily="49" charset="-122"/>
+              </a:endParaRPr>
             </a:p>
           </p:txBody>
         </p:sp>
@@ -9128,8 +9884,8 @@
         </p:nvSpPr>
         <p:spPr bwMode="auto">
           <a:xfrm>
-            <a:off x="7924801" y="4616451"/>
-            <a:ext cx="523875" cy="396875"/>
+            <a:off x="8111275" y="4616451"/>
+            <a:ext cx="545197" cy="396875"/>
           </a:xfrm>
           <a:prstGeom prst="rect">
             <a:avLst/>
@@ -9143,7 +9899,7 @@
           </a:ln>
         </p:spPr>
         <p:txBody>
-          <a:bodyPr wrap="none">
+          <a:bodyPr wrap="square">
             <a:spAutoFit/>
           </a:bodyPr>
           <a:lstStyle/>
@@ -9153,10 +9909,12 @@
               <a:buNone/>
             </a:pPr>
             <a:r>
-              <a:rPr lang="en-US" sz="2000">
+              <a:rPr lang="en-US" sz="2000" b="1">
                 <a:solidFill>
                   <a:srgbClr val="FF0000"/>
                 </a:solidFill>
+                <a:latin typeface="汉仪南宫体简" panose="02010609000101010101" pitchFamily="49" charset="-122"/>
+                <a:ea typeface="汉仪南宫体简" panose="02010609000101010101" pitchFamily="49" charset="-122"/>
               </a:rPr>
               <a:t>NT</a:t>
             </a:r>
@@ -9173,8 +9931,8 @@
         </p:nvGrpSpPr>
         <p:grpSpPr bwMode="auto">
           <a:xfrm>
-            <a:off x="8229600" y="3886201"/>
-            <a:ext cx="381000" cy="746125"/>
+            <a:off x="8421889" y="3886201"/>
+            <a:ext cx="396507" cy="746125"/>
             <a:chOff x="2304" y="2448"/>
             <a:chExt cx="240" cy="470"/>
           </a:xfrm>
@@ -9210,7 +9968,10 @@
             <a:bodyPr/>
             <a:lstStyle/>
             <a:p>
-              <a:endParaRPr lang="en-US"/>
+              <a:endParaRPr lang="en-US" b="1">
+                <a:latin typeface="汉仪南宫体简" panose="02010609000101010101" pitchFamily="49" charset="-122"/>
+                <a:ea typeface="汉仪南宫体简" panose="02010609000101010101" pitchFamily="49" charset="-122"/>
+              </a:endParaRPr>
             </a:p>
           </p:txBody>
         </p:sp>
@@ -9257,17 +10018,21 @@
                 <a:defRPr/>
               </a:pPr>
               <a:r>
-                <a:rPr lang="en-US" altLang="zh-TW" sz="1600">
+                <a:rPr lang="en-US" altLang="zh-TW" sz="1600" b="1">
                   <a:solidFill>
                     <a:schemeClr val="bg1"/>
                   </a:solidFill>
+                  <a:latin typeface="汉仪南宫体简" panose="02010609000101010101" pitchFamily="49" charset="-122"/>
+                  <a:ea typeface="汉仪南宫体简" panose="02010609000101010101" pitchFamily="49" charset="-122"/>
                 </a:rPr>
                 <a:t>0</a:t>
               </a:r>
-              <a:endParaRPr lang="en-US" altLang="zh-TW" sz="1600" baseline="-25000">
+              <a:endParaRPr lang="en-US" altLang="zh-TW" sz="1600" b="1" baseline="-25000">
                 <a:solidFill>
                   <a:schemeClr val="bg1"/>
                 </a:solidFill>
+                <a:latin typeface="汉仪南宫体简" panose="02010609000101010101" pitchFamily="49" charset="-122"/>
+                <a:ea typeface="汉仪南宫体简" panose="02010609000101010101" pitchFamily="49" charset="-122"/>
               </a:endParaRPr>
             </a:p>
           </p:txBody>
@@ -9283,8 +10048,8 @@
         </p:nvSpPr>
         <p:spPr bwMode="auto">
           <a:xfrm>
-            <a:off x="7620000" y="3429001"/>
-            <a:ext cx="419100" cy="519113"/>
+            <a:off x="7810738" y="3429001"/>
+            <a:ext cx="436158" cy="519113"/>
           </a:xfrm>
           <a:prstGeom prst="rect">
             <a:avLst/>
@@ -9298,7 +10063,7 @@
           </a:ln>
         </p:spPr>
         <p:txBody>
-          <a:bodyPr wrap="none">
+          <a:bodyPr wrap="square">
             <a:spAutoFit/>
           </a:bodyPr>
           <a:lstStyle/>
@@ -9308,8 +10073,9 @@
               <a:buNone/>
             </a:pPr>
             <a:r>
-              <a:rPr lang="en-US" sz="2800">
-                <a:latin typeface="Verdana" pitchFamily="34" charset="0"/>
+              <a:rPr lang="en-US" sz="2800" b="1">
+                <a:latin typeface="汉仪南宫体简" panose="02010609000101010101" pitchFamily="49" charset="-122"/>
+                <a:ea typeface="汉仪南宫体简" panose="02010609000101010101" pitchFamily="49" charset="-122"/>
                 <a:sym typeface="Wingdings" pitchFamily="2" charset="2"/>
               </a:rPr>
               <a:t></a:t>
@@ -9327,8 +10093,8 @@
         </p:nvSpPr>
         <p:spPr bwMode="auto">
           <a:xfrm>
-            <a:off x="8618431" y="4632325"/>
-            <a:ext cx="317715" cy="400110"/>
+            <a:off x="8798561" y="4632325"/>
+            <a:ext cx="359007" cy="400110"/>
           </a:xfrm>
           <a:prstGeom prst="rect">
             <a:avLst/>
@@ -9342,7 +10108,7 @@
           </a:ln>
         </p:spPr>
         <p:txBody>
-          <a:bodyPr wrap="none">
+          <a:bodyPr wrap="square">
             <a:spAutoFit/>
           </a:bodyPr>
           <a:lstStyle/>
@@ -9352,10 +10118,12 @@
               <a:buNone/>
             </a:pPr>
             <a:r>
-              <a:rPr lang="en-US" sz="2000">
+              <a:rPr lang="en-US" sz="2000" b="1">
                 <a:solidFill>
                   <a:srgbClr val="006600"/>
                 </a:solidFill>
+                <a:latin typeface="汉仪南宫体简" panose="02010609000101010101" pitchFamily="49" charset="-122"/>
+                <a:ea typeface="汉仪南宫体简" panose="02010609000101010101" pitchFamily="49" charset="-122"/>
               </a:rPr>
               <a:t>T</a:t>
             </a:r>
@@ -9372,8 +10140,8 @@
         </p:nvGrpSpPr>
         <p:grpSpPr bwMode="auto">
           <a:xfrm>
-            <a:off x="8839200" y="3886200"/>
-            <a:ext cx="381000" cy="762000"/>
+            <a:off x="9031489" y="3886200"/>
+            <a:ext cx="396507" cy="762000"/>
             <a:chOff x="768" y="2438"/>
             <a:chExt cx="240" cy="480"/>
           </a:xfrm>
@@ -9421,10 +10189,16 @@
                 <a:defRPr/>
               </a:pPr>
               <a:r>
-                <a:rPr lang="en-US" altLang="zh-TW" sz="1600" dirty="0"/>
+                <a:rPr lang="en-US" altLang="zh-TW" sz="1600" b="1" dirty="0">
+                  <a:latin typeface="汉仪南宫体简" panose="02010609000101010101" pitchFamily="49" charset="-122"/>
+                  <a:ea typeface="汉仪南宫体简" panose="02010609000101010101" pitchFamily="49" charset="-122"/>
+                </a:rPr>
                 <a:t>1</a:t>
               </a:r>
-              <a:endParaRPr lang="en-US" altLang="zh-TW" sz="1600" baseline="-25000" dirty="0"/>
+              <a:endParaRPr lang="en-US" altLang="zh-TW" sz="1600" b="1" baseline="-25000" dirty="0">
+                <a:latin typeface="汉仪南宫体简" panose="02010609000101010101" pitchFamily="49" charset="-122"/>
+                <a:ea typeface="汉仪南宫体简" panose="02010609000101010101" pitchFamily="49" charset="-122"/>
+              </a:endParaRPr>
             </a:p>
           </p:txBody>
         </p:sp>
@@ -9459,7 +10233,10 @@
             <a:bodyPr/>
             <a:lstStyle/>
             <a:p>
-              <a:endParaRPr lang="en-US"/>
+              <a:endParaRPr lang="en-US" b="1">
+                <a:latin typeface="汉仪南宫体简" panose="02010609000101010101" pitchFamily="49" charset="-122"/>
+                <a:ea typeface="汉仪南宫体简" panose="02010609000101010101" pitchFamily="49" charset="-122"/>
+              </a:endParaRPr>
             </a:p>
           </p:txBody>
         </p:sp>
@@ -9474,8 +10251,8 @@
         </p:nvSpPr>
         <p:spPr bwMode="auto">
           <a:xfrm>
-            <a:off x="8229600" y="3429001"/>
-            <a:ext cx="419100" cy="519113"/>
+            <a:off x="8420338" y="3429001"/>
+            <a:ext cx="436158" cy="519113"/>
           </a:xfrm>
           <a:prstGeom prst="rect">
             <a:avLst/>
@@ -9489,7 +10266,7 @@
           </a:ln>
         </p:spPr>
         <p:txBody>
-          <a:bodyPr wrap="none">
+          <a:bodyPr wrap="square">
             <a:spAutoFit/>
           </a:bodyPr>
           <a:lstStyle/>
@@ -9499,8 +10276,9 @@
               <a:buNone/>
             </a:pPr>
             <a:r>
-              <a:rPr lang="en-US" sz="2800">
-                <a:latin typeface="Verdana" pitchFamily="34" charset="0"/>
+              <a:rPr lang="en-US" sz="2800" b="1">
+                <a:latin typeface="汉仪南宫体简" panose="02010609000101010101" pitchFamily="49" charset="-122"/>
+                <a:ea typeface="汉仪南宫体简" panose="02010609000101010101" pitchFamily="49" charset="-122"/>
                 <a:sym typeface="Wingdings" pitchFamily="2" charset="2"/>
               </a:rPr>
               <a:t></a:t>
@@ -9518,8 +10296,8 @@
         </p:nvSpPr>
         <p:spPr bwMode="auto">
           <a:xfrm>
-            <a:off x="8839200" y="5771366"/>
-            <a:ext cx="1891865" cy="461665"/>
+            <a:off x="8960534" y="5771366"/>
+            <a:ext cx="2210761" cy="461665"/>
           </a:xfrm>
           <a:prstGeom prst="rect">
             <a:avLst/>
@@ -9533,7 +10311,7 @@
           </a:ln>
         </p:spPr>
         <p:txBody>
-          <a:bodyPr wrap="none">
+          <a:bodyPr wrap="square">
             <a:spAutoFit/>
           </a:bodyPr>
           <a:lstStyle/>
@@ -9543,7 +10321,10 @@
               <a:buNone/>
             </a:pPr>
             <a:r>
-              <a:rPr lang="en-US" sz="2400" dirty="0"/>
+              <a:rPr lang="en-US" sz="2400" b="1" dirty="0">
+                <a:latin typeface="汉仪南宫体简" panose="02010609000101010101" pitchFamily="49" charset="-122"/>
+                <a:ea typeface="汉仪南宫体简" panose="02010609000101010101" pitchFamily="49" charset="-122"/>
+              </a:rPr>
               <a:t>60% accuracy</a:t>
             </a:r>
           </a:p>
@@ -11181,18 +11962,23 @@
           <a:lstStyle/>
           <a:p>
             <a:r>
-              <a:rPr lang="en-GB" altLang="zh-CN" b="1" dirty="0"/>
-              <a:t>Branch History Table </a:t>
-            </a:r>
-            <a:r>
-              <a:rPr lang="en-GB" altLang="zh-CN" dirty="0"/>
-              <a:t>(</a:t>
-            </a:r>
-            <a:r>
-              <a:rPr kumimoji="1" lang="en-US" altLang="zh-CN" dirty="0"/>
+              <a:rPr lang="en-GB" altLang="zh-CN" b="1" dirty="0">
+                <a:latin typeface="汉仪南宫体简" panose="02010609000101010101" pitchFamily="49" charset="-122"/>
+                <a:ea typeface="汉仪南宫体简" panose="02010609000101010101" pitchFamily="49" charset="-122"/>
+              </a:rPr>
+              <a:t>Branch History Table (</a:t>
+            </a:r>
+            <a:r>
+              <a:rPr kumimoji="1" lang="en-US" altLang="zh-CN" b="1" dirty="0">
+                <a:latin typeface="汉仪南宫体简" panose="02010609000101010101" pitchFamily="49" charset="-122"/>
+                <a:ea typeface="汉仪南宫体简" panose="02010609000101010101" pitchFamily="49" charset="-122"/>
+              </a:rPr>
               <a:t>BHT)</a:t>
             </a:r>
-            <a:endParaRPr kumimoji="1" lang="zh-CN" altLang="en-US" dirty="0"/>
+            <a:endParaRPr kumimoji="1" lang="zh-CN" altLang="en-US" b="1" dirty="0">
+              <a:latin typeface="汉仪南宫体简" panose="02010609000101010101" pitchFamily="49" charset="-122"/>
+              <a:ea typeface="汉仪南宫体简" panose="02010609000101010101" pitchFamily="49" charset="-122"/>
+            </a:endParaRPr>
           </a:p>
         </p:txBody>
       </p:sp>
@@ -11256,7 +12042,7 @@
           <a:p>
             <a:pPr algn="ctr"/>
             <a:r>
-              <a:rPr lang="en-US" altLang="zh-CN" sz="3200" b="0" cap="none" spc="0" dirty="0">
+              <a:rPr lang="en-US" altLang="zh-CN" sz="3200" b="1" cap="none" spc="0" dirty="0">
                 <a:ln w="0"/>
                 <a:solidFill>
                   <a:schemeClr val="accent1"/>
@@ -11268,10 +12054,12 @@
                     </a:srgbClr>
                   </a:outerShdw>
                 </a:effectLst>
+                <a:latin typeface="汉仪南宫体简" panose="02010609000101010101" pitchFamily="49" charset="-122"/>
+                <a:ea typeface="汉仪南宫体简" panose="02010609000101010101" pitchFamily="49" charset="-122"/>
               </a:rPr>
               <a:t>ST</a:t>
             </a:r>
-            <a:endParaRPr lang="zh-CN" altLang="en-US" sz="3200" b="0" cap="none" spc="0" dirty="0">
+            <a:endParaRPr lang="zh-CN" altLang="en-US" sz="3200" b="1" cap="none" spc="0" dirty="0">
               <a:ln w="0"/>
               <a:solidFill>
                 <a:schemeClr val="accent1"/>
@@ -11283,6 +12071,8 @@
                   </a:srgbClr>
                 </a:outerShdw>
               </a:effectLst>
+              <a:latin typeface="汉仪南宫体简" panose="02010609000101010101" pitchFamily="49" charset="-122"/>
+              <a:ea typeface="汉仪南宫体简" panose="02010609000101010101" pitchFamily="49" charset="-122"/>
             </a:endParaRPr>
           </a:p>
         </p:txBody>
@@ -11302,7 +12092,7 @@
         <p:spPr>
           <a:xfrm>
             <a:off x="8567196" y="3447165"/>
-            <a:ext cx="793184" cy="584775"/>
+            <a:ext cx="916282" cy="584775"/>
           </a:xfrm>
           <a:prstGeom prst="rect">
             <a:avLst/>
@@ -11317,7 +12107,7 @@
           <a:p>
             <a:pPr algn="ctr"/>
             <a:r>
-              <a:rPr lang="en-US" altLang="zh-CN" sz="3200" dirty="0">
+              <a:rPr lang="en-US" altLang="zh-CN" sz="3200" b="1" dirty="0">
                 <a:ln w="0"/>
                 <a:solidFill>
                   <a:schemeClr val="accent1"/>
@@ -11329,11 +12119,13 @@
                     </a:srgbClr>
                   </a:outerShdw>
                 </a:effectLst>
+                <a:latin typeface="汉仪南宫体简" panose="02010609000101010101" pitchFamily="49" charset="-122"/>
+                <a:ea typeface="汉仪南宫体简" panose="02010609000101010101" pitchFamily="49" charset="-122"/>
               </a:rPr>
               <a:t>W</a:t>
             </a:r>
             <a:r>
-              <a:rPr lang="en-US" altLang="zh-CN" sz="3200" b="0" cap="none" spc="0" dirty="0">
+              <a:rPr lang="en-US" altLang="zh-CN" sz="3200" b="1" cap="none" spc="0" dirty="0">
                 <a:ln w="0"/>
                 <a:solidFill>
                   <a:schemeClr val="accent1"/>
@@ -11345,10 +12137,12 @@
                     </a:srgbClr>
                   </a:outerShdw>
                 </a:effectLst>
+                <a:latin typeface="汉仪南宫体简" panose="02010609000101010101" pitchFamily="49" charset="-122"/>
+                <a:ea typeface="汉仪南宫体简" panose="02010609000101010101" pitchFamily="49" charset="-122"/>
               </a:rPr>
               <a:t>T</a:t>
             </a:r>
-            <a:endParaRPr lang="zh-CN" altLang="en-US" sz="3200" b="0" cap="none" spc="0" dirty="0">
+            <a:endParaRPr lang="zh-CN" altLang="en-US" sz="3200" b="1" cap="none" spc="0" dirty="0">
               <a:ln w="0"/>
               <a:solidFill>
                 <a:schemeClr val="accent1"/>
@@ -11360,6 +12154,8 @@
                   </a:srgbClr>
                 </a:outerShdw>
               </a:effectLst>
+              <a:latin typeface="汉仪南宫体简" panose="02010609000101010101" pitchFamily="49" charset="-122"/>
+              <a:ea typeface="汉仪南宫体简" panose="02010609000101010101" pitchFamily="49" charset="-122"/>
             </a:endParaRPr>
           </a:p>
         </p:txBody>
@@ -11394,7 +12190,7 @@
           <a:p>
             <a:pPr algn="ctr"/>
             <a:r>
-              <a:rPr lang="en-US" altLang="zh-CN" sz="3200" dirty="0">
+              <a:rPr lang="en-US" altLang="zh-CN" sz="3200" b="1" dirty="0">
                 <a:ln w="0"/>
                 <a:solidFill>
                   <a:schemeClr val="accent1"/>
@@ -11406,10 +12202,12 @@
                     </a:srgbClr>
                   </a:outerShdw>
                 </a:effectLst>
+                <a:latin typeface="汉仪南宫体简" panose="02010609000101010101" pitchFamily="49" charset="-122"/>
+                <a:ea typeface="汉仪南宫体简" panose="02010609000101010101" pitchFamily="49" charset="-122"/>
               </a:rPr>
               <a:t>WN</a:t>
             </a:r>
-            <a:endParaRPr lang="zh-CN" altLang="en-US" sz="3200" b="0" cap="none" spc="0" dirty="0">
+            <a:endParaRPr lang="zh-CN" altLang="en-US" sz="3200" b="1" cap="none" spc="0" dirty="0">
               <a:ln w="0"/>
               <a:solidFill>
                 <a:schemeClr val="accent1"/>
@@ -11421,6 +12219,8 @@
                   </a:srgbClr>
                 </a:outerShdw>
               </a:effectLst>
+              <a:latin typeface="汉仪南宫体简" panose="02010609000101010101" pitchFamily="49" charset="-122"/>
+              <a:ea typeface="汉仪南宫体简" panose="02010609000101010101" pitchFamily="49" charset="-122"/>
             </a:endParaRPr>
           </a:p>
         </p:txBody>
@@ -11455,7 +12255,7 @@
           <a:p>
             <a:pPr algn="ctr"/>
             <a:r>
-              <a:rPr lang="en-US" altLang="zh-CN" sz="3200" dirty="0">
+              <a:rPr lang="en-US" altLang="zh-CN" sz="3200" b="1" dirty="0">
                 <a:ln w="0"/>
                 <a:solidFill>
                   <a:schemeClr val="accent1"/>
@@ -11467,10 +12267,12 @@
                     </a:srgbClr>
                   </a:outerShdw>
                 </a:effectLst>
+                <a:latin typeface="汉仪南宫体简" panose="02010609000101010101" pitchFamily="49" charset="-122"/>
+                <a:ea typeface="汉仪南宫体简" panose="02010609000101010101" pitchFamily="49" charset="-122"/>
               </a:rPr>
               <a:t>SN</a:t>
             </a:r>
-            <a:endParaRPr lang="zh-CN" altLang="en-US" sz="3200" b="0" cap="none" spc="0" dirty="0">
+            <a:endParaRPr lang="zh-CN" altLang="en-US" sz="3200" b="1" cap="none" spc="0" dirty="0">
               <a:ln w="0"/>
               <a:solidFill>
                 <a:schemeClr val="accent1"/>
@@ -11482,6 +12284,8 @@
                   </a:srgbClr>
                 </a:outerShdw>
               </a:effectLst>
+              <a:latin typeface="汉仪南宫体简" panose="02010609000101010101" pitchFamily="49" charset="-122"/>
+              <a:ea typeface="汉仪南宫体简" panose="02010609000101010101" pitchFamily="49" charset="-122"/>
             </a:endParaRPr>
           </a:p>
         </p:txBody>
@@ -11516,90 +12320,156 @@
               <a:buNone/>
             </a:pPr>
             <a:r>
-              <a:rPr kumimoji="1" lang="zh-CN" altLang="en-US" dirty="0"/>
+              <a:rPr kumimoji="1" lang="zh-CN" altLang="en-US" b="1" dirty="0">
+                <a:latin typeface="汉仪南宫体简" panose="02010609000101010101" pitchFamily="49" charset="-122"/>
+                <a:ea typeface="汉仪南宫体简" panose="02010609000101010101" pitchFamily="49" charset="-122"/>
+              </a:rPr>
               <a:t>* </a:t>
             </a:r>
             <a:r>
-              <a:rPr kumimoji="1" lang="en-US" altLang="zh-CN" dirty="0"/>
+              <a:rPr kumimoji="1" lang="en-US" altLang="zh-CN" b="1" dirty="0">
+                <a:latin typeface="汉仪南宫体简" panose="02010609000101010101" pitchFamily="49" charset="-122"/>
+                <a:ea typeface="汉仪南宫体简" panose="02010609000101010101" pitchFamily="49" charset="-122"/>
+              </a:rPr>
               <a:t>BHT</a:t>
             </a:r>
             <a:r>
-              <a:rPr kumimoji="1" lang="ja-JP" altLang="en-US"/>
+              <a:rPr kumimoji="1" lang="ja-JP" altLang="en-US" b="1" dirty="0">
+                <a:latin typeface="汉仪南宫体简" panose="02010609000101010101" pitchFamily="49" charset="-122"/>
+                <a:ea typeface="汉仪南宫体简" panose="02010609000101010101" pitchFamily="49" charset="-122"/>
+              </a:rPr>
               <a:t>是一个</a:t>
             </a:r>
             <a:r>
-              <a:rPr kumimoji="1" lang="en-US" altLang="ja-JP" dirty="0"/>
+              <a:rPr kumimoji="1" lang="en-US" altLang="ja-JP" b="1" dirty="0">
+                <a:latin typeface="汉仪南宫体简" panose="02010609000101010101" pitchFamily="49" charset="-122"/>
+                <a:ea typeface="汉仪南宫体简" panose="02010609000101010101" pitchFamily="49" charset="-122"/>
+              </a:rPr>
               <a:t>N</a:t>
             </a:r>
             <a:r>
-              <a:rPr kumimoji="1" lang="zh-CN" altLang="en-US" dirty="0"/>
+              <a:rPr kumimoji="1" lang="zh-CN" altLang="en-US" b="1" dirty="0">
+                <a:latin typeface="汉仪南宫体简" panose="02010609000101010101" pitchFamily="49" charset="-122"/>
+                <a:ea typeface="汉仪南宫体简" panose="02010609000101010101" pitchFamily="49" charset="-122"/>
+              </a:rPr>
               <a:t>*</a:t>
             </a:r>
             <a:r>
-              <a:rPr kumimoji="1" lang="en-US" altLang="zh-CN" dirty="0"/>
+              <a:rPr kumimoji="1" lang="en-US" altLang="zh-CN" b="1" dirty="0">
+                <a:latin typeface="汉仪南宫体简" panose="02010609000101010101" pitchFamily="49" charset="-122"/>
+                <a:ea typeface="汉仪南宫体简" panose="02010609000101010101" pitchFamily="49" charset="-122"/>
+              </a:rPr>
               <a:t>2</a:t>
             </a:r>
             <a:r>
-              <a:rPr kumimoji="1" lang="ja-JP" altLang="en-US"/>
+              <a:rPr kumimoji="1" lang="ja-JP" altLang="en-US" b="1" dirty="0">
+                <a:latin typeface="汉仪南宫体简" panose="02010609000101010101" pitchFamily="49" charset="-122"/>
+                <a:ea typeface="汉仪南宫体简" panose="02010609000101010101" pitchFamily="49" charset="-122"/>
+              </a:rPr>
               <a:t>的</a:t>
             </a:r>
             <a:r>
-              <a:rPr kumimoji="1" lang="en-US" altLang="ja-JP" dirty="0"/>
+              <a:rPr kumimoji="1" lang="en-US" altLang="ja-JP" b="1" dirty="0">
+                <a:latin typeface="汉仪南宫体简" panose="02010609000101010101" pitchFamily="49" charset="-122"/>
+                <a:ea typeface="汉仪南宫体简" panose="02010609000101010101" pitchFamily="49" charset="-122"/>
+              </a:rPr>
               <a:t>cache</a:t>
             </a:r>
             <a:r>
-              <a:rPr kumimoji="1" lang="zh-CN" altLang="en-US" dirty="0"/>
+              <a:rPr kumimoji="1" lang="zh-CN" altLang="en-US" b="1" dirty="0">
+                <a:latin typeface="汉仪南宫体简" panose="02010609000101010101" pitchFamily="49" charset="-122"/>
+                <a:ea typeface="汉仪南宫体简" panose="02010609000101010101" pitchFamily="49" charset="-122"/>
+              </a:rPr>
               <a:t>，</a:t>
             </a:r>
             <a:r>
-              <a:rPr kumimoji="1" lang="en-US" altLang="zh-CN" dirty="0"/>
+              <a:rPr kumimoji="1" lang="en-US" altLang="zh-CN" b="1" dirty="0">
+                <a:latin typeface="汉仪南宫体简" panose="02010609000101010101" pitchFamily="49" charset="-122"/>
+                <a:ea typeface="汉仪南宫体简" panose="02010609000101010101" pitchFamily="49" charset="-122"/>
+              </a:rPr>
               <a:t>N</a:t>
             </a:r>
             <a:r>
-              <a:rPr kumimoji="1" lang="ja-JP" altLang="en-US"/>
+              <a:rPr kumimoji="1" lang="ja-JP" altLang="en-US" b="1" dirty="0">
+                <a:latin typeface="汉仪南宫体简" panose="02010609000101010101" pitchFamily="49" charset="-122"/>
+                <a:ea typeface="汉仪南宫体简" panose="02010609000101010101" pitchFamily="49" charset="-122"/>
+              </a:rPr>
               <a:t>表示</a:t>
             </a:r>
             <a:r>
-              <a:rPr kumimoji="1" lang="en-US" altLang="ja-JP" dirty="0"/>
+              <a:rPr kumimoji="1" lang="en-US" altLang="ja-JP" b="1" dirty="0">
+                <a:latin typeface="汉仪南宫体简" panose="02010609000101010101" pitchFamily="49" charset="-122"/>
+                <a:ea typeface="汉仪南宫体简" panose="02010609000101010101" pitchFamily="49" charset="-122"/>
+              </a:rPr>
               <a:t>BHT</a:t>
             </a:r>
             <a:r>
-              <a:rPr kumimoji="1" lang="ja-JP" altLang="en-US"/>
+              <a:rPr kumimoji="1" lang="ja-JP" altLang="en-US" b="1" dirty="0">
+                <a:latin typeface="汉仪南宫体简" panose="02010609000101010101" pitchFamily="49" charset="-122"/>
+                <a:ea typeface="汉仪南宫体简" panose="02010609000101010101" pitchFamily="49" charset="-122"/>
+              </a:rPr>
               <a:t>的行数</a:t>
             </a:r>
             <a:r>
-              <a:rPr kumimoji="1" lang="zh-CN" altLang="en-US" dirty="0"/>
+              <a:rPr kumimoji="1" lang="zh-CN" altLang="en-US" b="1" dirty="0">
+                <a:latin typeface="汉仪南宫体简" panose="02010609000101010101" pitchFamily="49" charset="-122"/>
+                <a:ea typeface="汉仪南宫体简" panose="02010609000101010101" pitchFamily="49" charset="-122"/>
+              </a:rPr>
               <a:t>，</a:t>
             </a:r>
             <a:r>
-              <a:rPr kumimoji="1" lang="en-US" altLang="zh-CN" dirty="0"/>
+              <a:rPr kumimoji="1" lang="en-US" altLang="zh-CN" b="1" dirty="0">
+                <a:latin typeface="汉仪南宫体简" panose="02010609000101010101" pitchFamily="49" charset="-122"/>
+                <a:ea typeface="汉仪南宫体简" panose="02010609000101010101" pitchFamily="49" charset="-122"/>
+              </a:rPr>
               <a:t>2</a:t>
             </a:r>
             <a:r>
-              <a:rPr kumimoji="1" lang="ja-JP" altLang="en-US"/>
+              <a:rPr kumimoji="1" lang="ja-JP" altLang="en-US" b="1" dirty="0">
+                <a:latin typeface="汉仪南宫体简" panose="02010609000101010101" pitchFamily="49" charset="-122"/>
+                <a:ea typeface="汉仪南宫体简" panose="02010609000101010101" pitchFamily="49" charset="-122"/>
+              </a:rPr>
               <a:t>表示</a:t>
             </a:r>
             <a:r>
-              <a:rPr kumimoji="1" lang="en-US" altLang="zh-CN" dirty="0"/>
+              <a:rPr kumimoji="1" lang="en-US" altLang="zh-CN" b="1" dirty="0">
+                <a:latin typeface="汉仪南宫体简" panose="02010609000101010101" pitchFamily="49" charset="-122"/>
+                <a:ea typeface="汉仪南宫体简" panose="02010609000101010101" pitchFamily="49" charset="-122"/>
+              </a:rPr>
               <a:t>2bit</a:t>
             </a:r>
             <a:r>
-              <a:rPr kumimoji="1" lang="zh-CN" altLang="en-US" dirty="0"/>
+              <a:rPr kumimoji="1" lang="zh-CN" altLang="en-US" b="1" dirty="0">
+                <a:latin typeface="汉仪南宫体简" panose="02010609000101010101" pitchFamily="49" charset="-122"/>
+                <a:ea typeface="汉仪南宫体简" panose="02010609000101010101" pitchFamily="49" charset="-122"/>
+              </a:rPr>
               <a:t>；</a:t>
             </a:r>
             <a:r>
-              <a:rPr kumimoji="1" lang="en-US" altLang="zh-CN" dirty="0"/>
+              <a:rPr kumimoji="1" lang="en-US" altLang="zh-CN" b="1" dirty="0">
+                <a:latin typeface="汉仪南宫体简" panose="02010609000101010101" pitchFamily="49" charset="-122"/>
+                <a:ea typeface="汉仪南宫体简" panose="02010609000101010101" pitchFamily="49" charset="-122"/>
+              </a:rPr>
               <a:t>cache</a:t>
             </a:r>
             <a:r>
-              <a:rPr kumimoji="1" lang="ja-JP" altLang="en-US"/>
+              <a:rPr kumimoji="1" lang="ja-JP" altLang="en-US" b="1" dirty="0">
+                <a:latin typeface="汉仪南宫体简" panose="02010609000101010101" pitchFamily="49" charset="-122"/>
+                <a:ea typeface="汉仪南宫体简" panose="02010609000101010101" pitchFamily="49" charset="-122"/>
+              </a:rPr>
               <a:t>可以采用直接映射方式</a:t>
             </a:r>
             <a:r>
-              <a:rPr kumimoji="1" lang="zh-CN" altLang="en-US" dirty="0"/>
+              <a:rPr kumimoji="1" lang="zh-CN" altLang="en-US" b="1" dirty="0">
+                <a:latin typeface="汉仪南宫体简" panose="02010609000101010101" pitchFamily="49" charset="-122"/>
+                <a:ea typeface="汉仪南宫体简" panose="02010609000101010101" pitchFamily="49" charset="-122"/>
+              </a:rPr>
               <a:t>。</a:t>
             </a:r>
-            <a:endParaRPr kumimoji="1" lang="en-US" altLang="zh-CN" dirty="0"/>
+            <a:endParaRPr kumimoji="1" lang="en-US" altLang="zh-CN" b="1" dirty="0">
+              <a:latin typeface="汉仪南宫体简" panose="02010609000101010101" pitchFamily="49" charset="-122"/>
+              <a:ea typeface="汉仪南宫体简" panose="02010609000101010101" pitchFamily="49" charset="-122"/>
+            </a:endParaRPr>
           </a:p>
         </p:txBody>
       </p:sp>
@@ -11645,8 +12515,8 @@
         </p:nvSpPr>
         <p:spPr>
           <a:xfrm>
-            <a:off x="1006997" y="76200"/>
-            <a:ext cx="9280003" cy="838200"/>
+            <a:off x="1006997" y="76199"/>
+            <a:ext cx="10069837" cy="925807"/>
           </a:xfrm>
         </p:spPr>
         <p:txBody>
@@ -11656,18 +12526,30 @@
           <a:lstStyle/>
           <a:p>
             <a:r>
-              <a:rPr lang="en-US" dirty="0"/>
+              <a:rPr lang="en-US" b="1" dirty="0">
+                <a:latin typeface="汉仪南宫体简" panose="02010609000101010101" pitchFamily="49" charset="-122"/>
+                <a:ea typeface="汉仪南宫体简" panose="02010609000101010101" pitchFamily="49" charset="-122"/>
+              </a:rPr>
               <a:t>Example using 2-bit</a:t>
             </a:r>
             <a:r>
-              <a:rPr lang="zh-CN" altLang="en-US" dirty="0"/>
+              <a:rPr lang="zh-CN" altLang="en-US" b="1" dirty="0">
+                <a:latin typeface="汉仪南宫体简" panose="02010609000101010101" pitchFamily="49" charset="-122"/>
+                <a:ea typeface="汉仪南宫体简" panose="02010609000101010101" pitchFamily="49" charset="-122"/>
+              </a:rPr>
               <a:t> </a:t>
             </a:r>
             <a:r>
-              <a:rPr lang="en-US" altLang="zh-CN" dirty="0"/>
+              <a:rPr lang="en-US" altLang="zh-CN" b="1" dirty="0">
+                <a:latin typeface="汉仪南宫体简" panose="02010609000101010101" pitchFamily="49" charset="-122"/>
+                <a:ea typeface="汉仪南宫体简" panose="02010609000101010101" pitchFamily="49" charset="-122"/>
+              </a:rPr>
               <a:t>branch history table </a:t>
             </a:r>
-            <a:endParaRPr lang="en-US" dirty="0"/>
+            <a:endParaRPr lang="en-US" b="1" dirty="0">
+              <a:latin typeface="汉仪南宫体简" panose="02010609000101010101" pitchFamily="49" charset="-122"/>
+              <a:ea typeface="汉仪南宫体简" panose="02010609000101010101" pitchFamily="49" charset="-122"/>
+            </a:endParaRPr>
           </a:p>
         </p:txBody>
       </p:sp>
@@ -11682,7 +12564,7 @@
         <p:spPr bwMode="auto">
           <a:xfrm>
             <a:off x="1897856" y="1420544"/>
-            <a:ext cx="2986088" cy="1200329"/>
+            <a:ext cx="3240238" cy="1200329"/>
           </a:xfrm>
           <a:prstGeom prst="rect">
             <a:avLst/>
@@ -11697,7 +12579,7 @@
           <a:effectLst/>
         </p:spPr>
         <p:txBody>
-          <a:bodyPr>
+          <a:bodyPr wrap="square">
             <a:spAutoFit/>
           </a:bodyPr>
           <a:lstStyle/>
@@ -11708,47 +12590,52 @@
               <a:defRPr/>
             </a:pPr>
             <a:r>
-              <a:rPr lang="en-US" dirty="0">
+              <a:rPr lang="en-US" b="1" dirty="0">
                 <a:solidFill>
                   <a:srgbClr val="0000FF"/>
                 </a:solidFill>
-                <a:latin typeface="Verdana" pitchFamily="34" charset="0"/>
+                <a:latin typeface="汉仪南宫体简" panose="02010609000101010101" pitchFamily="49" charset="-122"/>
+                <a:ea typeface="汉仪南宫体简" panose="02010609000101010101" pitchFamily="49" charset="-122"/>
               </a:rPr>
               <a:t> for (</a:t>
             </a:r>
             <a:r>
-              <a:rPr lang="en-US" dirty="0" err="1">
+              <a:rPr lang="en-US" b="1" dirty="0" err="1">
                 <a:solidFill>
                   <a:srgbClr val="0000FF"/>
                 </a:solidFill>
-                <a:latin typeface="Verdana" pitchFamily="34" charset="0"/>
+                <a:latin typeface="汉仪南宫体简" panose="02010609000101010101" pitchFamily="49" charset="-122"/>
+                <a:ea typeface="汉仪南宫体简" panose="02010609000101010101" pitchFamily="49" charset="-122"/>
               </a:rPr>
               <a:t>i</a:t>
             </a:r>
             <a:r>
-              <a:rPr lang="en-US" dirty="0">
+              <a:rPr lang="en-US" b="1" dirty="0">
                 <a:solidFill>
                   <a:srgbClr val="0000FF"/>
                 </a:solidFill>
-                <a:latin typeface="Verdana" pitchFamily="34" charset="0"/>
+                <a:latin typeface="汉仪南宫体简" panose="02010609000101010101" pitchFamily="49" charset="-122"/>
+                <a:ea typeface="汉仪南宫体简" panose="02010609000101010101" pitchFamily="49" charset="-122"/>
               </a:rPr>
               <a:t>=0; </a:t>
             </a:r>
             <a:r>
-              <a:rPr lang="en-US" dirty="0" err="1">
+              <a:rPr lang="en-US" b="1" dirty="0" err="1">
                 <a:solidFill>
                   <a:srgbClr val="0000FF"/>
                 </a:solidFill>
-                <a:latin typeface="Verdana" pitchFamily="34" charset="0"/>
+                <a:latin typeface="汉仪南宫体简" panose="02010609000101010101" pitchFamily="49" charset="-122"/>
+                <a:ea typeface="汉仪南宫体简" panose="02010609000101010101" pitchFamily="49" charset="-122"/>
               </a:rPr>
               <a:t>i</a:t>
             </a:r>
             <a:r>
-              <a:rPr lang="en-US" dirty="0">
+              <a:rPr lang="en-US" b="1" dirty="0">
                 <a:solidFill>
                   <a:srgbClr val="0000FF"/>
                 </a:solidFill>
-                <a:latin typeface="Verdana" pitchFamily="34" charset="0"/>
+                <a:latin typeface="汉仪南宫体简" panose="02010609000101010101" pitchFamily="49" charset="-122"/>
+                <a:ea typeface="汉仪南宫体简" panose="02010609000101010101" pitchFamily="49" charset="-122"/>
               </a:rPr>
               <a:t>&lt;</a:t>
             </a:r>
@@ -11762,34 +12649,38 @@
                     <a:srgbClr val="C0C0C0"/>
                   </a:outerShdw>
                 </a:effectLst>
-                <a:latin typeface="Verdana" pitchFamily="34" charset="0"/>
+                <a:latin typeface="汉仪南宫体简" panose="02010609000101010101" pitchFamily="49" charset="-122"/>
+                <a:ea typeface="汉仪南宫体简" panose="02010609000101010101" pitchFamily="49" charset="-122"/>
               </a:rPr>
               <a:t>4</a:t>
             </a:r>
             <a:r>
-              <a:rPr lang="en-US" dirty="0">
+              <a:rPr lang="en-US" b="1" dirty="0">
                 <a:solidFill>
                   <a:srgbClr val="0000FF"/>
                 </a:solidFill>
-                <a:latin typeface="Verdana" pitchFamily="34" charset="0"/>
+                <a:latin typeface="汉仪南宫体简" panose="02010609000101010101" pitchFamily="49" charset="-122"/>
+                <a:ea typeface="汉仪南宫体简" panose="02010609000101010101" pitchFamily="49" charset="-122"/>
               </a:rPr>
               <a:t>; </a:t>
             </a:r>
             <a:r>
-              <a:rPr lang="en-US" dirty="0" err="1">
+              <a:rPr lang="en-US" b="1" dirty="0" err="1">
                 <a:solidFill>
                   <a:srgbClr val="0000FF"/>
                 </a:solidFill>
-                <a:latin typeface="Verdana" pitchFamily="34" charset="0"/>
+                <a:latin typeface="汉仪南宫体简" panose="02010609000101010101" pitchFamily="49" charset="-122"/>
+                <a:ea typeface="汉仪南宫体简" panose="02010609000101010101" pitchFamily="49" charset="-122"/>
               </a:rPr>
               <a:t>i</a:t>
             </a:r>
             <a:r>
-              <a:rPr lang="en-US" dirty="0">
+              <a:rPr lang="en-US" b="1" dirty="0">
                 <a:solidFill>
                   <a:srgbClr val="0000FF"/>
                 </a:solidFill>
-                <a:latin typeface="Verdana" pitchFamily="34" charset="0"/>
+                <a:latin typeface="汉仪南宫体简" panose="02010609000101010101" pitchFamily="49" charset="-122"/>
+                <a:ea typeface="汉仪南宫体简" panose="02010609000101010101" pitchFamily="49" charset="-122"/>
               </a:rPr>
               <a:t>++) {</a:t>
             </a:r>
@@ -11801,11 +12692,12 @@
               <a:defRPr/>
             </a:pPr>
             <a:r>
-              <a:rPr lang="en-US" dirty="0">
+              <a:rPr lang="en-US" b="1" dirty="0">
                 <a:solidFill>
                   <a:srgbClr val="0000FF"/>
                 </a:solidFill>
-                <a:latin typeface="Verdana" pitchFamily="34" charset="0"/>
+                <a:latin typeface="汉仪南宫体简" panose="02010609000101010101" pitchFamily="49" charset="-122"/>
+                <a:ea typeface="汉仪南宫体简" panose="02010609000101010101" pitchFamily="49" charset="-122"/>
               </a:rPr>
               <a:t>	….</a:t>
             </a:r>
@@ -11817,20 +12709,22 @@
               <a:defRPr/>
             </a:pPr>
             <a:r>
-              <a:rPr lang="zh-CN" altLang="en-US" dirty="0">
+              <a:rPr lang="zh-CN" altLang="en-US" b="1" dirty="0">
                 <a:solidFill>
                   <a:srgbClr val="0000FF"/>
                 </a:solidFill>
-                <a:latin typeface="Verdana" pitchFamily="34" charset="0"/>
+                <a:latin typeface="汉仪南宫体简" panose="02010609000101010101" pitchFamily="49" charset="-122"/>
+                <a:ea typeface="汉仪南宫体简" panose="02010609000101010101" pitchFamily="49" charset="-122"/>
               </a:rPr>
               <a:t> </a:t>
             </a:r>
             <a:r>
-              <a:rPr lang="en-US" dirty="0">
+              <a:rPr lang="en-US" b="1" dirty="0">
                 <a:solidFill>
                   <a:srgbClr val="0000FF"/>
                 </a:solidFill>
-                <a:latin typeface="Verdana" pitchFamily="34" charset="0"/>
+                <a:latin typeface="汉仪南宫体简" panose="02010609000101010101" pitchFamily="49" charset="-122"/>
+                <a:ea typeface="汉仪南宫体简" panose="02010609000101010101" pitchFamily="49" charset="-122"/>
               </a:rPr>
               <a:t>}</a:t>
             </a:r>
@@ -11841,11 +12735,12 @@
               <a:buNone/>
               <a:defRPr/>
             </a:pPr>
-            <a:endParaRPr lang="en-US" dirty="0">
+            <a:endParaRPr lang="en-US" b="1" dirty="0">
               <a:solidFill>
                 <a:srgbClr val="0000FF"/>
               </a:solidFill>
-              <a:latin typeface="Verdana" pitchFamily="34" charset="0"/>
+              <a:latin typeface="汉仪南宫体简" panose="02010609000101010101" pitchFamily="49" charset="-122"/>
+              <a:ea typeface="汉仪南宫体简" panose="02010609000101010101" pitchFamily="49" charset="-122"/>
             </a:endParaRPr>
           </a:p>
         </p:txBody>
@@ -11860,8 +12755,8 @@
         </p:nvSpPr>
         <p:spPr bwMode="auto">
           <a:xfrm>
-            <a:off x="2743200" y="4022725"/>
-            <a:ext cx="304800" cy="304800"/>
+            <a:off x="2743200" y="4022724"/>
+            <a:ext cx="330742" cy="336657"/>
           </a:xfrm>
           <a:prstGeom prst="ellipse">
             <a:avLst/>
@@ -11893,17 +12788,21 @@
               <a:defRPr/>
             </a:pPr>
             <a:r>
-              <a:rPr lang="en-US" altLang="zh-TW" sz="1600" dirty="0">
+              <a:rPr lang="en-US" altLang="zh-TW" sz="1600" b="1" dirty="0">
                 <a:solidFill>
                   <a:schemeClr val="bg1"/>
                 </a:solidFill>
+                <a:latin typeface="汉仪南宫体简" panose="02010609000101010101" pitchFamily="49" charset="-122"/>
+                <a:ea typeface="汉仪南宫体简" panose="02010609000101010101" pitchFamily="49" charset="-122"/>
               </a:rPr>
               <a:t>01</a:t>
             </a:r>
-            <a:endParaRPr lang="en-US" altLang="zh-TW" sz="1600" baseline="-25000" dirty="0">
+            <a:endParaRPr lang="en-US" altLang="zh-TW" sz="1600" b="1" baseline="-25000" dirty="0">
               <a:solidFill>
                 <a:schemeClr val="bg1"/>
               </a:solidFill>
+              <a:latin typeface="汉仪南宫体简" panose="02010609000101010101" pitchFamily="49" charset="-122"/>
+              <a:ea typeface="汉仪南宫体简" panose="02010609000101010101" pitchFamily="49" charset="-122"/>
             </a:endParaRPr>
           </a:p>
         </p:txBody>
@@ -11918,8 +12817,8 @@
         </p:nvSpPr>
         <p:spPr bwMode="auto">
           <a:xfrm>
-            <a:off x="2112964" y="4022725"/>
-            <a:ext cx="554037" cy="336550"/>
+            <a:off x="2083648" y="4022724"/>
+            <a:ext cx="664813" cy="338554"/>
           </a:xfrm>
           <a:prstGeom prst="rect">
             <a:avLst/>
@@ -11933,7 +12832,7 @@
           </a:ln>
         </p:spPr>
         <p:txBody>
-          <a:bodyPr wrap="none">
+          <a:bodyPr wrap="square">
             <a:spAutoFit/>
           </a:bodyPr>
           <a:lstStyle/>
@@ -11943,8 +12842,9 @@
               <a:buNone/>
             </a:pPr>
             <a:r>
-              <a:rPr lang="en-US" sz="1600">
-                <a:latin typeface="Arial Narrow" pitchFamily="34" charset="0"/>
+              <a:rPr lang="en-US" sz="1600" b="1">
+                <a:latin typeface="汉仪南宫体简" panose="02010609000101010101" pitchFamily="49" charset="-122"/>
+                <a:ea typeface="汉仪南宫体简" panose="02010609000101010101" pitchFamily="49" charset="-122"/>
               </a:rPr>
               <a:t>Pred</a:t>
             </a:r>
@@ -11961,8 +12861,8 @@
         </p:nvSpPr>
         <p:spPr bwMode="auto">
           <a:xfrm>
-            <a:off x="2112964" y="4818064"/>
-            <a:ext cx="650875" cy="338137"/>
+            <a:off x="2112964" y="4818063"/>
+            <a:ext cx="823101" cy="338554"/>
           </a:xfrm>
           <a:prstGeom prst="rect">
             <a:avLst/>
@@ -11976,7 +12876,7 @@
           </a:ln>
         </p:spPr>
         <p:txBody>
-          <a:bodyPr wrap="none">
+          <a:bodyPr wrap="square">
             <a:spAutoFit/>
           </a:bodyPr>
           <a:lstStyle/>
@@ -11986,8 +12886,9 @@
               <a:buNone/>
             </a:pPr>
             <a:r>
-              <a:rPr lang="en-US" sz="1600">
-                <a:latin typeface="Arial Narrow" pitchFamily="34" charset="0"/>
+              <a:rPr lang="en-US" sz="1600" b="1">
+                <a:latin typeface="汉仪南宫体简" panose="02010609000101010101" pitchFamily="49" charset="-122"/>
+                <a:ea typeface="汉仪南宫体简" panose="02010609000101010101" pitchFamily="49" charset="-122"/>
               </a:rPr>
               <a:t>Actual</a:t>
             </a:r>
@@ -12004,8 +12905,8 @@
         </p:nvSpPr>
         <p:spPr bwMode="auto">
           <a:xfrm>
-            <a:off x="3044825" y="4768850"/>
-            <a:ext cx="317716" cy="400110"/>
+            <a:off x="3044824" y="4768849"/>
+            <a:ext cx="374327" cy="400110"/>
           </a:xfrm>
           <a:prstGeom prst="rect">
             <a:avLst/>
@@ -12019,7 +12920,7 @@
           </a:ln>
         </p:spPr>
         <p:txBody>
-          <a:bodyPr wrap="none">
+          <a:bodyPr wrap="square">
             <a:spAutoFit/>
           </a:bodyPr>
           <a:lstStyle/>
@@ -12029,10 +12930,12 @@
               <a:buNone/>
             </a:pPr>
             <a:r>
-              <a:rPr lang="en-US" sz="2000">
+              <a:rPr lang="en-US" sz="2000" b="1">
                 <a:solidFill>
                   <a:srgbClr val="006600"/>
                 </a:solidFill>
+                <a:latin typeface="汉仪南宫体简" panose="02010609000101010101" pitchFamily="49" charset="-122"/>
+                <a:ea typeface="汉仪南宫体简" panose="02010609000101010101" pitchFamily="49" charset="-122"/>
               </a:rPr>
               <a:t>T</a:t>
             </a:r>
@@ -12049,8 +12952,8 @@
         </p:nvSpPr>
         <p:spPr bwMode="auto">
           <a:xfrm>
-            <a:off x="3654425" y="4768850"/>
-            <a:ext cx="317716" cy="400110"/>
+            <a:off x="3654424" y="4768849"/>
+            <a:ext cx="374327" cy="400110"/>
           </a:xfrm>
           <a:prstGeom prst="rect">
             <a:avLst/>
@@ -12064,7 +12967,7 @@
           </a:ln>
         </p:spPr>
         <p:txBody>
-          <a:bodyPr wrap="none">
+          <a:bodyPr wrap="square">
             <a:spAutoFit/>
           </a:bodyPr>
           <a:lstStyle/>
@@ -12074,10 +12977,12 @@
               <a:buNone/>
             </a:pPr>
             <a:r>
-              <a:rPr lang="en-US" sz="2000">
+              <a:rPr lang="en-US" sz="2000" b="1">
                 <a:solidFill>
                   <a:srgbClr val="006600"/>
                 </a:solidFill>
+                <a:latin typeface="汉仪南宫体简" panose="02010609000101010101" pitchFamily="49" charset="-122"/>
+                <a:ea typeface="汉仪南宫体简" panose="02010609000101010101" pitchFamily="49" charset="-122"/>
               </a:rPr>
               <a:t>T</a:t>
             </a:r>
@@ -12094,8 +12999,8 @@
         </p:nvSpPr>
         <p:spPr bwMode="auto">
           <a:xfrm>
-            <a:off x="3333750" y="3625851"/>
-            <a:ext cx="323850" cy="396875"/>
+            <a:off x="3333749" y="3625851"/>
+            <a:ext cx="351413" cy="400110"/>
           </a:xfrm>
           <a:prstGeom prst="rect">
             <a:avLst/>
@@ -12109,7 +13014,7 @@
           </a:ln>
         </p:spPr>
         <p:txBody>
-          <a:bodyPr wrap="none">
+          <a:bodyPr wrap="square">
             <a:spAutoFit/>
           </a:bodyPr>
           <a:lstStyle/>
@@ -12119,8 +13024,9 @@
               <a:buNone/>
             </a:pPr>
             <a:r>
-              <a:rPr lang="en-US" sz="2000">
-                <a:latin typeface="Verdana" pitchFamily="34" charset="0"/>
+              <a:rPr lang="en-US" sz="2000" b="1">
+                <a:latin typeface="汉仪南宫体简" panose="02010609000101010101" pitchFamily="49" charset="-122"/>
+                <a:ea typeface="汉仪南宫体简" panose="02010609000101010101" pitchFamily="49" charset="-122"/>
                 <a:sym typeface="Symbol" pitchFamily="18" charset="2"/>
               </a:rPr>
               <a:t></a:t>
@@ -12138,8 +13044,8 @@
         </p:nvGrpSpPr>
         <p:grpSpPr bwMode="auto">
           <a:xfrm>
-            <a:off x="3276600" y="4022725"/>
-            <a:ext cx="381000" cy="762000"/>
+            <a:off x="3276599" y="4022724"/>
+            <a:ext cx="413427" cy="841643"/>
             <a:chOff x="768" y="2438"/>
             <a:chExt cx="240" cy="480"/>
           </a:xfrm>
@@ -12187,14 +13093,23 @@
                 <a:defRPr/>
               </a:pPr>
               <a:r>
-                <a:rPr lang="en-US" altLang="zh-TW" sz="1600" dirty="0"/>
+                <a:rPr lang="en-US" altLang="zh-TW" sz="1600" b="1" dirty="0">
+                  <a:latin typeface="汉仪南宫体简" panose="02010609000101010101" pitchFamily="49" charset="-122"/>
+                  <a:ea typeface="汉仪南宫体简" panose="02010609000101010101" pitchFamily="49" charset="-122"/>
+                </a:rPr>
                 <a:t>1</a:t>
               </a:r>
               <a:r>
-                <a:rPr lang="en-US" altLang="zh-CN" sz="1600" dirty="0"/>
+                <a:rPr lang="en-US" altLang="zh-CN" sz="1600" b="1" dirty="0">
+                  <a:latin typeface="汉仪南宫体简" panose="02010609000101010101" pitchFamily="49" charset="-122"/>
+                  <a:ea typeface="汉仪南宫体简" panose="02010609000101010101" pitchFamily="49" charset="-122"/>
+                </a:rPr>
                 <a:t>1</a:t>
               </a:r>
-              <a:endParaRPr lang="en-US" altLang="zh-TW" sz="1600" baseline="-25000" dirty="0"/>
+              <a:endParaRPr lang="en-US" altLang="zh-TW" sz="1600" b="1" baseline="-25000" dirty="0">
+                <a:latin typeface="汉仪南宫体简" panose="02010609000101010101" pitchFamily="49" charset="-122"/>
+                <a:ea typeface="汉仪南宫体简" panose="02010609000101010101" pitchFamily="49" charset="-122"/>
+              </a:endParaRPr>
             </a:p>
           </p:txBody>
         </p:sp>
@@ -12229,7 +13144,10 @@
             <a:bodyPr/>
             <a:lstStyle/>
             <a:p>
-              <a:endParaRPr lang="en-US"/>
+              <a:endParaRPr lang="en-US" b="1">
+                <a:latin typeface="汉仪南宫体简" panose="02010609000101010101" pitchFamily="49" charset="-122"/>
+                <a:ea typeface="汉仪南宫体简" panose="02010609000101010101" pitchFamily="49" charset="-122"/>
+              </a:endParaRPr>
             </a:p>
           </p:txBody>
         </p:sp>
@@ -12244,8 +13162,8 @@
         </p:nvGrpSpPr>
         <p:grpSpPr bwMode="auto">
           <a:xfrm>
-            <a:off x="3886200" y="4022725"/>
-            <a:ext cx="381000" cy="762000"/>
+            <a:off x="3886199" y="4022724"/>
+            <a:ext cx="413427" cy="841643"/>
             <a:chOff x="1152" y="2438"/>
             <a:chExt cx="240" cy="480"/>
           </a:xfrm>
@@ -12293,10 +13211,16 @@
                 <a:defRPr/>
               </a:pPr>
               <a:r>
-                <a:rPr lang="en-US" altLang="zh-TW" sz="1600" dirty="0"/>
+                <a:rPr lang="en-US" altLang="zh-TW" sz="1600" b="1" dirty="0">
+                  <a:latin typeface="汉仪南宫体简" panose="02010609000101010101" pitchFamily="49" charset="-122"/>
+                  <a:ea typeface="汉仪南宫体简" panose="02010609000101010101" pitchFamily="49" charset="-122"/>
+                </a:rPr>
                 <a:t>11</a:t>
               </a:r>
-              <a:endParaRPr lang="en-US" altLang="zh-TW" sz="1600" baseline="-25000" dirty="0"/>
+              <a:endParaRPr lang="en-US" altLang="zh-TW" sz="1600" b="1" baseline="-25000" dirty="0">
+                <a:latin typeface="汉仪南宫体简" panose="02010609000101010101" pitchFamily="49" charset="-122"/>
+                <a:ea typeface="汉仪南宫体简" panose="02010609000101010101" pitchFamily="49" charset="-122"/>
+              </a:endParaRPr>
             </a:p>
           </p:txBody>
         </p:sp>
@@ -12331,7 +13255,10 @@
             <a:bodyPr/>
             <a:lstStyle/>
             <a:p>
-              <a:endParaRPr lang="en-US"/>
+              <a:endParaRPr lang="en-US" b="1">
+                <a:latin typeface="汉仪南宫体简" panose="02010609000101010101" pitchFamily="49" charset="-122"/>
+                <a:ea typeface="汉仪南宫体简" panose="02010609000101010101" pitchFamily="49" charset="-122"/>
+              </a:endParaRPr>
             </a:p>
           </p:txBody>
         </p:sp>
@@ -12346,8 +13273,8 @@
         </p:nvSpPr>
         <p:spPr bwMode="auto">
           <a:xfrm>
-            <a:off x="3943350" y="3641726"/>
-            <a:ext cx="323850" cy="396875"/>
+            <a:off x="3943349" y="3641726"/>
+            <a:ext cx="351413" cy="400110"/>
           </a:xfrm>
           <a:prstGeom prst="rect">
             <a:avLst/>
@@ -12361,7 +13288,7 @@
           </a:ln>
         </p:spPr>
         <p:txBody>
-          <a:bodyPr wrap="none">
+          <a:bodyPr wrap="square">
             <a:spAutoFit/>
           </a:bodyPr>
           <a:lstStyle/>
@@ -12371,8 +13298,9 @@
               <a:buNone/>
             </a:pPr>
             <a:r>
-              <a:rPr lang="en-US" sz="2000">
-                <a:latin typeface="Verdana" pitchFamily="34" charset="0"/>
+              <a:rPr lang="en-US" sz="2000" b="1">
+                <a:latin typeface="汉仪南宫体简" panose="02010609000101010101" pitchFamily="49" charset="-122"/>
+                <a:ea typeface="汉仪南宫体简" panose="02010609000101010101" pitchFamily="49" charset="-122"/>
                 <a:sym typeface="Symbol" pitchFamily="18" charset="2"/>
               </a:rPr>
               <a:t></a:t>
@@ -12390,8 +13318,8 @@
         </p:nvSpPr>
         <p:spPr bwMode="auto">
           <a:xfrm>
-            <a:off x="4264025" y="4784725"/>
-            <a:ext cx="317716" cy="400110"/>
+            <a:off x="4264024" y="4784724"/>
+            <a:ext cx="374327" cy="400110"/>
           </a:xfrm>
           <a:prstGeom prst="rect">
             <a:avLst/>
@@ -12405,7 +13333,7 @@
           </a:ln>
         </p:spPr>
         <p:txBody>
-          <a:bodyPr wrap="none">
+          <a:bodyPr wrap="square">
             <a:spAutoFit/>
           </a:bodyPr>
           <a:lstStyle/>
@@ -12415,10 +13343,12 @@
               <a:buNone/>
             </a:pPr>
             <a:r>
-              <a:rPr lang="en-US" sz="2000">
+              <a:rPr lang="en-US" sz="2000" b="1">
                 <a:solidFill>
                   <a:srgbClr val="006600"/>
                 </a:solidFill>
+                <a:latin typeface="汉仪南宫体简" panose="02010609000101010101" pitchFamily="49" charset="-122"/>
+                <a:ea typeface="汉仪南宫体简" panose="02010609000101010101" pitchFamily="49" charset="-122"/>
               </a:rPr>
               <a:t>T</a:t>
             </a:r>
@@ -12435,8 +13365,8 @@
         </p:nvSpPr>
         <p:spPr bwMode="auto">
           <a:xfrm>
-            <a:off x="4873625" y="4784725"/>
-            <a:ext cx="317716" cy="400110"/>
+            <a:off x="4873624" y="4784724"/>
+            <a:ext cx="374327" cy="400110"/>
           </a:xfrm>
           <a:prstGeom prst="rect">
             <a:avLst/>
@@ -12450,7 +13380,7 @@
           </a:ln>
         </p:spPr>
         <p:txBody>
-          <a:bodyPr wrap="none">
+          <a:bodyPr wrap="square">
             <a:spAutoFit/>
           </a:bodyPr>
           <a:lstStyle/>
@@ -12460,10 +13390,12 @@
               <a:buNone/>
             </a:pPr>
             <a:r>
-              <a:rPr lang="en-US" sz="2000">
+              <a:rPr lang="en-US" sz="2000" b="1">
                 <a:solidFill>
                   <a:srgbClr val="006600"/>
                 </a:solidFill>
+                <a:latin typeface="汉仪南宫体简" panose="02010609000101010101" pitchFamily="49" charset="-122"/>
+                <a:ea typeface="汉仪南宫体简" panose="02010609000101010101" pitchFamily="49" charset="-122"/>
               </a:rPr>
               <a:t>T</a:t>
             </a:r>
@@ -12480,8 +13412,8 @@
         </p:nvSpPr>
         <p:spPr bwMode="auto">
           <a:xfrm>
-            <a:off x="4552950" y="3641726"/>
-            <a:ext cx="323850" cy="396875"/>
+            <a:off x="4552949" y="3641726"/>
+            <a:ext cx="351413" cy="400110"/>
           </a:xfrm>
           <a:prstGeom prst="rect">
             <a:avLst/>
@@ -12495,7 +13427,7 @@
           </a:ln>
         </p:spPr>
         <p:txBody>
-          <a:bodyPr wrap="none">
+          <a:bodyPr wrap="square">
             <a:spAutoFit/>
           </a:bodyPr>
           <a:lstStyle/>
@@ -12505,8 +13437,9 @@
               <a:buNone/>
             </a:pPr>
             <a:r>
-              <a:rPr lang="en-US" sz="2000">
-                <a:latin typeface="Verdana" pitchFamily="34" charset="0"/>
+              <a:rPr lang="en-US" sz="2000" b="1">
+                <a:latin typeface="汉仪南宫体简" panose="02010609000101010101" pitchFamily="49" charset="-122"/>
+                <a:ea typeface="汉仪南宫体简" panose="02010609000101010101" pitchFamily="49" charset="-122"/>
                 <a:sym typeface="Symbol" pitchFamily="18" charset="2"/>
               </a:rPr>
               <a:t></a:t>
@@ -12524,8 +13457,8 @@
         </p:nvGrpSpPr>
         <p:grpSpPr bwMode="auto">
           <a:xfrm>
-            <a:off x="4495800" y="4038600"/>
-            <a:ext cx="381000" cy="762000"/>
+            <a:off x="4495799" y="4038599"/>
+            <a:ext cx="413427" cy="841643"/>
             <a:chOff x="1536" y="2448"/>
             <a:chExt cx="240" cy="480"/>
           </a:xfrm>
@@ -12573,10 +13506,16 @@
                 <a:defRPr/>
               </a:pPr>
               <a:r>
-                <a:rPr lang="en-US" altLang="zh-TW" sz="1600"/>
+                <a:rPr lang="en-US" altLang="zh-TW" sz="1600" b="1">
+                  <a:latin typeface="汉仪南宫体简" panose="02010609000101010101" pitchFamily="49" charset="-122"/>
+                  <a:ea typeface="汉仪南宫体简" panose="02010609000101010101" pitchFamily="49" charset="-122"/>
+                </a:rPr>
                 <a:t>11</a:t>
               </a:r>
-              <a:endParaRPr lang="en-US" altLang="zh-TW" sz="1600" baseline="-25000"/>
+              <a:endParaRPr lang="en-US" altLang="zh-TW" sz="1600" b="1" baseline="-25000">
+                <a:latin typeface="汉仪南宫体简" panose="02010609000101010101" pitchFamily="49" charset="-122"/>
+                <a:ea typeface="汉仪南宫体简" panose="02010609000101010101" pitchFamily="49" charset="-122"/>
+              </a:endParaRPr>
             </a:p>
           </p:txBody>
         </p:sp>
@@ -12611,7 +13550,10 @@
             <a:bodyPr/>
             <a:lstStyle/>
             <a:p>
-              <a:endParaRPr lang="en-US"/>
+              <a:endParaRPr lang="en-US" b="1">
+                <a:latin typeface="汉仪南宫体简" panose="02010609000101010101" pitchFamily="49" charset="-122"/>
+                <a:ea typeface="汉仪南宫体简" panose="02010609000101010101" pitchFamily="49" charset="-122"/>
+              </a:endParaRPr>
             </a:p>
           </p:txBody>
         </p:sp>
@@ -12626,8 +13568,8 @@
         </p:nvGrpSpPr>
         <p:grpSpPr bwMode="auto">
           <a:xfrm>
-            <a:off x="5105400" y="4038600"/>
-            <a:ext cx="381000" cy="762000"/>
+            <a:off x="5105399" y="4038599"/>
+            <a:ext cx="413427" cy="841643"/>
             <a:chOff x="1920" y="2448"/>
             <a:chExt cx="240" cy="480"/>
           </a:xfrm>
@@ -12675,10 +13617,16 @@
                 <a:defRPr/>
               </a:pPr>
               <a:r>
-                <a:rPr lang="en-US" altLang="zh-TW" sz="1600"/>
+                <a:rPr lang="en-US" altLang="zh-TW" sz="1600" b="1">
+                  <a:latin typeface="汉仪南宫体简" panose="02010609000101010101" pitchFamily="49" charset="-122"/>
+                  <a:ea typeface="汉仪南宫体简" panose="02010609000101010101" pitchFamily="49" charset="-122"/>
+                </a:rPr>
                 <a:t>11</a:t>
               </a:r>
-              <a:endParaRPr lang="en-US" altLang="zh-TW" sz="1600" baseline="-25000"/>
+              <a:endParaRPr lang="en-US" altLang="zh-TW" sz="1600" b="1" baseline="-25000">
+                <a:latin typeface="汉仪南宫体简" panose="02010609000101010101" pitchFamily="49" charset="-122"/>
+                <a:ea typeface="汉仪南宫体简" panose="02010609000101010101" pitchFamily="49" charset="-122"/>
+              </a:endParaRPr>
             </a:p>
           </p:txBody>
         </p:sp>
@@ -12713,7 +13661,10 @@
             <a:bodyPr/>
             <a:lstStyle/>
             <a:p>
-              <a:endParaRPr lang="en-US"/>
+              <a:endParaRPr lang="en-US" b="1">
+                <a:latin typeface="汉仪南宫体简" panose="02010609000101010101" pitchFamily="49" charset="-122"/>
+                <a:ea typeface="汉仪南宫体简" panose="02010609000101010101" pitchFamily="49" charset="-122"/>
+              </a:endParaRPr>
             </a:p>
           </p:txBody>
         </p:sp>
@@ -12728,8 +13679,8 @@
         </p:nvSpPr>
         <p:spPr bwMode="auto">
           <a:xfrm>
-            <a:off x="6819526" y="1069112"/>
-            <a:ext cx="2265364" cy="1754326"/>
+            <a:off x="6819525" y="1069111"/>
+            <a:ext cx="2630377" cy="1754326"/>
           </a:xfrm>
           <a:prstGeom prst="rect">
             <a:avLst/>
@@ -12745,7 +13696,7 @@
           </a:ln>
         </p:spPr>
         <p:txBody>
-          <a:bodyPr wrap="none">
+          <a:bodyPr wrap="square">
             <a:spAutoFit/>
           </a:bodyPr>
           <a:lstStyle/>
@@ -12755,17 +13706,19 @@
               <a:buNone/>
             </a:pPr>
             <a:r>
-              <a:rPr lang="en-US">
-                <a:latin typeface="Verdana" pitchFamily="34" charset="0"/>
+              <a:rPr lang="en-US" b="1">
+                <a:latin typeface="汉仪南宫体简" panose="02010609000101010101" pitchFamily="49" charset="-122"/>
+                <a:ea typeface="汉仪南宫体简" panose="02010609000101010101" pitchFamily="49" charset="-122"/>
               </a:rPr>
               <a:t> </a:t>
             </a:r>
             <a:r>
-              <a:rPr lang="en-US">
+              <a:rPr lang="en-US" b="1">
                 <a:solidFill>
                   <a:srgbClr val="0000FF"/>
                 </a:solidFill>
-                <a:latin typeface="Verdana" pitchFamily="34" charset="0"/>
+                <a:latin typeface="汉仪南宫体简" panose="02010609000101010101" pitchFamily="49" charset="-122"/>
+                <a:ea typeface="汉仪南宫体简" panose="02010609000101010101" pitchFamily="49" charset="-122"/>
               </a:rPr>
               <a:t>addi   r10, r0, 4</a:t>
             </a:r>
@@ -12776,11 +13729,12 @@
               <a:buNone/>
             </a:pPr>
             <a:r>
-              <a:rPr lang="en-US">
+              <a:rPr lang="en-US" b="1">
                 <a:solidFill>
                   <a:srgbClr val="0000FF"/>
                 </a:solidFill>
-                <a:latin typeface="Verdana" pitchFamily="34" charset="0"/>
+                <a:latin typeface="汉仪南宫体简" panose="02010609000101010101" pitchFamily="49" charset="-122"/>
+                <a:ea typeface="汉仪南宫体简" panose="02010609000101010101" pitchFamily="49" charset="-122"/>
               </a:rPr>
               <a:t> addi   r1,   r1, r0</a:t>
             </a:r>
@@ -12791,11 +13745,12 @@
               <a:buNone/>
             </a:pPr>
             <a:r>
-              <a:rPr lang="en-US">
+              <a:rPr lang="en-US" b="1">
                 <a:solidFill>
                   <a:srgbClr val="0000FF"/>
                 </a:solidFill>
-                <a:latin typeface="Verdana" pitchFamily="34" charset="0"/>
+                <a:latin typeface="汉仪南宫体简" panose="02010609000101010101" pitchFamily="49" charset="-122"/>
+                <a:ea typeface="汉仪南宫体简" panose="02010609000101010101" pitchFamily="49" charset="-122"/>
               </a:rPr>
               <a:t>L1:</a:t>
             </a:r>
@@ -12806,11 +13761,12 @@
               <a:buNone/>
             </a:pPr>
             <a:r>
-              <a:rPr lang="en-US">
+              <a:rPr lang="en-US" b="1">
                 <a:solidFill>
                   <a:srgbClr val="0000FF"/>
                 </a:solidFill>
-                <a:latin typeface="Verdana" pitchFamily="34" charset="0"/>
+                <a:latin typeface="汉仪南宫体简" panose="02010609000101010101" pitchFamily="49" charset="-122"/>
+                <a:ea typeface="汉仪南宫体简" panose="02010609000101010101" pitchFamily="49" charset="-122"/>
               </a:rPr>
               <a:t> … …</a:t>
             </a:r>
@@ -12821,11 +13777,12 @@
               <a:buNone/>
             </a:pPr>
             <a:r>
-              <a:rPr lang="en-US">
+              <a:rPr lang="en-US" b="1">
                 <a:solidFill>
                   <a:srgbClr val="0000FF"/>
                 </a:solidFill>
-                <a:latin typeface="Verdana" pitchFamily="34" charset="0"/>
+                <a:latin typeface="汉仪南宫体简" panose="02010609000101010101" pitchFamily="49" charset="-122"/>
+                <a:ea typeface="汉仪南宫体简" panose="02010609000101010101" pitchFamily="49" charset="-122"/>
               </a:rPr>
               <a:t> addi   r1, r1,   1</a:t>
             </a:r>
@@ -12836,11 +13793,12 @@
               <a:buNone/>
             </a:pPr>
             <a:r>
-              <a:rPr lang="en-US">
+              <a:rPr lang="en-US" b="1">
                 <a:solidFill>
                   <a:srgbClr val="FF0000"/>
                 </a:solidFill>
-                <a:latin typeface="Verdana" pitchFamily="34" charset="0"/>
+                <a:latin typeface="汉仪南宫体简" panose="02010609000101010101" pitchFamily="49" charset="-122"/>
+                <a:ea typeface="汉仪南宫体简" panose="02010609000101010101" pitchFamily="49" charset="-122"/>
               </a:rPr>
               <a:t> bne    r1, r10, L1</a:t>
             </a:r>
@@ -12858,7 +13816,7 @@
         <p:spPr bwMode="auto">
           <a:xfrm>
             <a:off x="5410201" y="4768851"/>
-            <a:ext cx="523875" cy="396875"/>
+            <a:ext cx="568463" cy="400110"/>
           </a:xfrm>
           <a:prstGeom prst="rect">
             <a:avLst/>
@@ -12872,7 +13830,7 @@
           </a:ln>
         </p:spPr>
         <p:txBody>
-          <a:bodyPr wrap="none">
+          <a:bodyPr wrap="square">
             <a:spAutoFit/>
           </a:bodyPr>
           <a:lstStyle/>
@@ -12882,10 +13840,12 @@
               <a:buNone/>
             </a:pPr>
             <a:r>
-              <a:rPr lang="en-US" sz="2000">
+              <a:rPr lang="en-US" sz="2000" b="1">
                 <a:solidFill>
                   <a:srgbClr val="FF0000"/>
                 </a:solidFill>
+                <a:latin typeface="汉仪南宫体简" panose="02010609000101010101" pitchFamily="49" charset="-122"/>
+                <a:ea typeface="汉仪南宫体简" panose="02010609000101010101" pitchFamily="49" charset="-122"/>
               </a:rPr>
               <a:t>NT</a:t>
             </a:r>
@@ -12902,8 +13862,8 @@
         </p:nvGrpSpPr>
         <p:grpSpPr bwMode="auto">
           <a:xfrm>
-            <a:off x="5715000" y="4038601"/>
-            <a:ext cx="381000" cy="746125"/>
+            <a:off x="5714999" y="4038601"/>
+            <a:ext cx="413427" cy="824109"/>
             <a:chOff x="2304" y="2448"/>
             <a:chExt cx="240" cy="470"/>
           </a:xfrm>
@@ -12939,7 +13899,10 @@
             <a:bodyPr/>
             <a:lstStyle/>
             <a:p>
-              <a:endParaRPr lang="en-US"/>
+              <a:endParaRPr lang="en-US" b="1">
+                <a:latin typeface="汉仪南宫体简" panose="02010609000101010101" pitchFamily="49" charset="-122"/>
+                <a:ea typeface="汉仪南宫体简" panose="02010609000101010101" pitchFamily="49" charset="-122"/>
+              </a:endParaRPr>
             </a:p>
           </p:txBody>
         </p:sp>
@@ -12986,10 +13949,16 @@
                 <a:defRPr/>
               </a:pPr>
               <a:r>
-                <a:rPr lang="en-US" altLang="zh-TW" sz="1600" dirty="0"/>
+                <a:rPr lang="en-US" altLang="zh-TW" sz="1600" b="1" dirty="0">
+                  <a:latin typeface="汉仪南宫体简" panose="02010609000101010101" pitchFamily="49" charset="-122"/>
+                  <a:ea typeface="汉仪南宫体简" panose="02010609000101010101" pitchFamily="49" charset="-122"/>
+                </a:rPr>
                 <a:t>10</a:t>
               </a:r>
-              <a:endParaRPr lang="en-US" altLang="zh-TW" sz="1600" baseline="-25000" dirty="0"/>
+              <a:endParaRPr lang="en-US" altLang="zh-TW" sz="1600" b="1" baseline="-25000" dirty="0">
+                <a:latin typeface="汉仪南宫体简" panose="02010609000101010101" pitchFamily="49" charset="-122"/>
+                <a:ea typeface="汉仪南宫体简" panose="02010609000101010101" pitchFamily="49" charset="-122"/>
+              </a:endParaRPr>
             </a:p>
           </p:txBody>
         </p:sp>
@@ -13004,8 +13973,8 @@
         </p:nvSpPr>
         <p:spPr bwMode="auto">
           <a:xfrm>
-            <a:off x="2667000" y="3519488"/>
-            <a:ext cx="419100" cy="519112"/>
+            <a:off x="2667000" y="3519487"/>
+            <a:ext cx="454770" cy="523220"/>
           </a:xfrm>
           <a:prstGeom prst="rect">
             <a:avLst/>
@@ -13019,7 +13988,7 @@
           </a:ln>
         </p:spPr>
         <p:txBody>
-          <a:bodyPr wrap="none">
+          <a:bodyPr wrap="square">
             <a:spAutoFit/>
           </a:bodyPr>
           <a:lstStyle/>
@@ -13029,8 +13998,9 @@
               <a:buNone/>
             </a:pPr>
             <a:r>
-              <a:rPr lang="en-US" sz="2800">
-                <a:latin typeface="Verdana" pitchFamily="34" charset="0"/>
+              <a:rPr lang="en-US" sz="2800" b="1">
+                <a:latin typeface="汉仪南宫体简" panose="02010609000101010101" pitchFamily="49" charset="-122"/>
+                <a:ea typeface="汉仪南宫体简" panose="02010609000101010101" pitchFamily="49" charset="-122"/>
                 <a:sym typeface="Wingdings" pitchFamily="2" charset="2"/>
               </a:rPr>
               <a:t></a:t>
@@ -13049,7 +14019,7 @@
         <p:spPr bwMode="auto">
           <a:xfrm>
             <a:off x="5105400" y="3581401"/>
-            <a:ext cx="419100" cy="519113"/>
+            <a:ext cx="454770" cy="523220"/>
           </a:xfrm>
           <a:prstGeom prst="rect">
             <a:avLst/>
@@ -13063,7 +14033,7 @@
           </a:ln>
         </p:spPr>
         <p:txBody>
-          <a:bodyPr wrap="none">
+          <a:bodyPr wrap="square">
             <a:spAutoFit/>
           </a:bodyPr>
           <a:lstStyle/>
@@ -13073,8 +14043,9 @@
               <a:buNone/>
             </a:pPr>
             <a:r>
-              <a:rPr lang="en-US" sz="2800" dirty="0">
-                <a:latin typeface="Verdana" pitchFamily="34" charset="0"/>
+              <a:rPr lang="en-US" sz="2800" b="1" dirty="0">
+                <a:latin typeface="汉仪南宫体简" panose="02010609000101010101" pitchFamily="49" charset="-122"/>
+                <a:ea typeface="汉仪南宫体简" panose="02010609000101010101" pitchFamily="49" charset="-122"/>
                 <a:sym typeface="Wingdings" pitchFamily="2" charset="2"/>
               </a:rPr>
               <a:t></a:t>
@@ -13092,8 +14063,8 @@
         </p:nvSpPr>
         <p:spPr bwMode="auto">
           <a:xfrm>
-            <a:off x="6092825" y="4784725"/>
-            <a:ext cx="317716" cy="400110"/>
+            <a:off x="6092824" y="4784724"/>
+            <a:ext cx="374327" cy="400110"/>
           </a:xfrm>
           <a:prstGeom prst="rect">
             <a:avLst/>
@@ -13107,7 +14078,7 @@
           </a:ln>
         </p:spPr>
         <p:txBody>
-          <a:bodyPr wrap="none">
+          <a:bodyPr wrap="square">
             <a:spAutoFit/>
           </a:bodyPr>
           <a:lstStyle/>
@@ -13117,10 +14088,12 @@
               <a:buNone/>
             </a:pPr>
             <a:r>
-              <a:rPr lang="en-US" sz="2000">
+              <a:rPr lang="en-US" sz="2000" b="1">
                 <a:solidFill>
                   <a:srgbClr val="006600"/>
                 </a:solidFill>
+                <a:latin typeface="汉仪南宫体简" panose="02010609000101010101" pitchFamily="49" charset="-122"/>
+                <a:ea typeface="汉仪南宫体简" panose="02010609000101010101" pitchFamily="49" charset="-122"/>
               </a:rPr>
               <a:t>T</a:t>
             </a:r>
@@ -13137,8 +14110,8 @@
         </p:nvGrpSpPr>
         <p:grpSpPr bwMode="auto">
           <a:xfrm>
-            <a:off x="6324600" y="4038600"/>
-            <a:ext cx="381000" cy="762000"/>
+            <a:off x="6324599" y="4038599"/>
+            <a:ext cx="413427" cy="841643"/>
             <a:chOff x="768" y="2438"/>
             <a:chExt cx="240" cy="480"/>
           </a:xfrm>
@@ -13186,10 +14159,16 @@
                 <a:defRPr/>
               </a:pPr>
               <a:r>
-                <a:rPr lang="en-US" altLang="zh-TW" sz="1600"/>
+                <a:rPr lang="en-US" altLang="zh-TW" sz="1600" b="1">
+                  <a:latin typeface="汉仪南宫体简" panose="02010609000101010101" pitchFamily="49" charset="-122"/>
+                  <a:ea typeface="汉仪南宫体简" panose="02010609000101010101" pitchFamily="49" charset="-122"/>
+                </a:rPr>
                 <a:t>11</a:t>
               </a:r>
-              <a:endParaRPr lang="en-US" altLang="zh-TW" sz="1600" baseline="-25000"/>
+              <a:endParaRPr lang="en-US" altLang="zh-TW" sz="1600" b="1" baseline="-25000">
+                <a:latin typeface="汉仪南宫体简" panose="02010609000101010101" pitchFamily="49" charset="-122"/>
+                <a:ea typeface="汉仪南宫体简" panose="02010609000101010101" pitchFamily="49" charset="-122"/>
+              </a:endParaRPr>
             </a:p>
           </p:txBody>
         </p:sp>
@@ -13224,7 +14203,10 @@
             <a:bodyPr/>
             <a:lstStyle/>
             <a:p>
-              <a:endParaRPr lang="en-US"/>
+              <a:endParaRPr lang="en-US" b="1">
+                <a:latin typeface="汉仪南宫体简" panose="02010609000101010101" pitchFamily="49" charset="-122"/>
+                <a:ea typeface="汉仪南宫体简" panose="02010609000101010101" pitchFamily="49" charset="-122"/>
+              </a:endParaRPr>
             </a:p>
           </p:txBody>
         </p:sp>
@@ -13239,8 +14221,8 @@
         </p:nvSpPr>
         <p:spPr bwMode="auto">
           <a:xfrm>
-            <a:off x="5772150" y="3657601"/>
-            <a:ext cx="323850" cy="396875"/>
+            <a:off x="5772149" y="3657601"/>
+            <a:ext cx="351413" cy="400110"/>
           </a:xfrm>
           <a:prstGeom prst="rect">
             <a:avLst/>
@@ -13254,7 +14236,7 @@
           </a:ln>
         </p:spPr>
         <p:txBody>
-          <a:bodyPr wrap="none">
+          <a:bodyPr wrap="square">
             <a:spAutoFit/>
           </a:bodyPr>
           <a:lstStyle/>
@@ -13264,14 +14246,16 @@
               <a:buNone/>
             </a:pPr>
             <a:r>
-              <a:rPr lang="en-US" sz="2000">
-                <a:latin typeface="Verdana" pitchFamily="34" charset="0"/>
+              <a:rPr lang="en-US" sz="2000" b="1">
+                <a:latin typeface="汉仪南宫体简" panose="02010609000101010101" pitchFamily="49" charset="-122"/>
+                <a:ea typeface="汉仪南宫体简" panose="02010609000101010101" pitchFamily="49" charset="-122"/>
                 <a:sym typeface="Symbol" pitchFamily="18" charset="2"/>
               </a:rPr>
               <a:t></a:t>
             </a:r>
-            <a:endParaRPr lang="en-US" sz="2000">
-              <a:latin typeface="Verdana" pitchFamily="34" charset="0"/>
+            <a:endParaRPr lang="en-US" sz="2000" b="1">
+              <a:latin typeface="汉仪南宫体简" panose="02010609000101010101" pitchFamily="49" charset="-122"/>
+              <a:ea typeface="汉仪南宫体简" panose="02010609000101010101" pitchFamily="49" charset="-122"/>
               <a:sym typeface="Wingdings" pitchFamily="2" charset="2"/>
             </a:endParaRPr>
           </a:p>
@@ -13287,8 +14271,8 @@
         </p:nvSpPr>
         <p:spPr bwMode="auto">
           <a:xfrm>
-            <a:off x="6702425" y="4768850"/>
-            <a:ext cx="317716" cy="400110"/>
+            <a:off x="6702424" y="4768849"/>
+            <a:ext cx="374327" cy="400110"/>
           </a:xfrm>
           <a:prstGeom prst="rect">
             <a:avLst/>
@@ -13302,7 +14286,7 @@
           </a:ln>
         </p:spPr>
         <p:txBody>
-          <a:bodyPr wrap="none">
+          <a:bodyPr wrap="square">
             <a:spAutoFit/>
           </a:bodyPr>
           <a:lstStyle/>
@@ -13312,10 +14296,12 @@
               <a:buNone/>
             </a:pPr>
             <a:r>
-              <a:rPr lang="en-US" sz="2000">
+              <a:rPr lang="en-US" sz="2000" b="1">
                 <a:solidFill>
                   <a:srgbClr val="006600"/>
                 </a:solidFill>
+                <a:latin typeface="汉仪南宫体简" panose="02010609000101010101" pitchFamily="49" charset="-122"/>
+                <a:ea typeface="汉仪南宫体简" panose="02010609000101010101" pitchFamily="49" charset="-122"/>
               </a:rPr>
               <a:t>T</a:t>
             </a:r>
@@ -13332,8 +14318,8 @@
         </p:nvSpPr>
         <p:spPr bwMode="auto">
           <a:xfrm>
-            <a:off x="6381750" y="3625851"/>
-            <a:ext cx="323850" cy="396875"/>
+            <a:off x="6381749" y="3625851"/>
+            <a:ext cx="351413" cy="400110"/>
           </a:xfrm>
           <a:prstGeom prst="rect">
             <a:avLst/>
@@ -13347,7 +14333,7 @@
           </a:ln>
         </p:spPr>
         <p:txBody>
-          <a:bodyPr wrap="none">
+          <a:bodyPr wrap="square">
             <a:spAutoFit/>
           </a:bodyPr>
           <a:lstStyle/>
@@ -13357,8 +14343,9 @@
               <a:buNone/>
             </a:pPr>
             <a:r>
-              <a:rPr lang="en-US" sz="2000">
-                <a:latin typeface="Verdana" pitchFamily="34" charset="0"/>
+              <a:rPr lang="en-US" sz="2000" b="1">
+                <a:latin typeface="汉仪南宫体简" panose="02010609000101010101" pitchFamily="49" charset="-122"/>
+                <a:ea typeface="汉仪南宫体简" panose="02010609000101010101" pitchFamily="49" charset="-122"/>
                 <a:sym typeface="Symbol" pitchFamily="18" charset="2"/>
               </a:rPr>
               <a:t></a:t>
@@ -13376,8 +14363,8 @@
         </p:nvGrpSpPr>
         <p:grpSpPr bwMode="auto">
           <a:xfrm>
-            <a:off x="6934200" y="4022725"/>
-            <a:ext cx="381000" cy="762000"/>
+            <a:off x="6934199" y="4022724"/>
+            <a:ext cx="413427" cy="841643"/>
             <a:chOff x="1152" y="2438"/>
             <a:chExt cx="240" cy="480"/>
           </a:xfrm>
@@ -13425,10 +14412,16 @@
                 <a:defRPr/>
               </a:pPr>
               <a:r>
-                <a:rPr lang="en-US" altLang="zh-TW" sz="1600"/>
+                <a:rPr lang="en-US" altLang="zh-TW" sz="1600" b="1">
+                  <a:latin typeface="汉仪南宫体简" panose="02010609000101010101" pitchFamily="49" charset="-122"/>
+                  <a:ea typeface="汉仪南宫体简" panose="02010609000101010101" pitchFamily="49" charset="-122"/>
+                </a:rPr>
                 <a:t>11</a:t>
               </a:r>
-              <a:endParaRPr lang="en-US" altLang="zh-TW" sz="1600" baseline="-25000"/>
+              <a:endParaRPr lang="en-US" altLang="zh-TW" sz="1600" b="1" baseline="-25000">
+                <a:latin typeface="汉仪南宫体简" panose="02010609000101010101" pitchFamily="49" charset="-122"/>
+                <a:ea typeface="汉仪南宫体简" panose="02010609000101010101" pitchFamily="49" charset="-122"/>
+              </a:endParaRPr>
             </a:p>
           </p:txBody>
         </p:sp>
@@ -13463,7 +14456,10 @@
             <a:bodyPr/>
             <a:lstStyle/>
             <a:p>
-              <a:endParaRPr lang="en-US"/>
+              <a:endParaRPr lang="en-US" b="1">
+                <a:latin typeface="汉仪南宫体简" panose="02010609000101010101" pitchFamily="49" charset="-122"/>
+                <a:ea typeface="汉仪南宫体简" panose="02010609000101010101" pitchFamily="49" charset="-122"/>
+              </a:endParaRPr>
             </a:p>
           </p:txBody>
         </p:sp>
@@ -13478,8 +14474,8 @@
         </p:nvSpPr>
         <p:spPr bwMode="auto">
           <a:xfrm>
-            <a:off x="6991350" y="3641726"/>
-            <a:ext cx="323850" cy="396875"/>
+            <a:off x="6991349" y="3641726"/>
+            <a:ext cx="351413" cy="400110"/>
           </a:xfrm>
           <a:prstGeom prst="rect">
             <a:avLst/>
@@ -13493,7 +14489,7 @@
           </a:ln>
         </p:spPr>
         <p:txBody>
-          <a:bodyPr wrap="none">
+          <a:bodyPr wrap="square">
             <a:spAutoFit/>
           </a:bodyPr>
           <a:lstStyle/>
@@ -13503,8 +14499,9 @@
               <a:buNone/>
             </a:pPr>
             <a:r>
-              <a:rPr lang="en-US" sz="2000">
-                <a:latin typeface="Verdana" pitchFamily="34" charset="0"/>
+              <a:rPr lang="en-US" sz="2000" b="1">
+                <a:latin typeface="汉仪南宫体简" panose="02010609000101010101" pitchFamily="49" charset="-122"/>
+                <a:ea typeface="汉仪南宫体简" panose="02010609000101010101" pitchFamily="49" charset="-122"/>
                 <a:sym typeface="Symbol" pitchFamily="18" charset="2"/>
               </a:rPr>
               <a:t></a:t>
@@ -13522,8 +14519,8 @@
         </p:nvSpPr>
         <p:spPr bwMode="auto">
           <a:xfrm>
-            <a:off x="7312025" y="4784725"/>
-            <a:ext cx="317716" cy="400110"/>
+            <a:off x="7312024" y="4784724"/>
+            <a:ext cx="374327" cy="400110"/>
           </a:xfrm>
           <a:prstGeom prst="rect">
             <a:avLst/>
@@ -13537,7 +14534,7 @@
           </a:ln>
         </p:spPr>
         <p:txBody>
-          <a:bodyPr wrap="none">
+          <a:bodyPr wrap="square">
             <a:spAutoFit/>
           </a:bodyPr>
           <a:lstStyle/>
@@ -13547,10 +14544,12 @@
               <a:buNone/>
             </a:pPr>
             <a:r>
-              <a:rPr lang="en-US" sz="2000">
+              <a:rPr lang="en-US" sz="2000" b="1">
                 <a:solidFill>
                   <a:srgbClr val="006600"/>
                 </a:solidFill>
+                <a:latin typeface="汉仪南宫体简" panose="02010609000101010101" pitchFamily="49" charset="-122"/>
+                <a:ea typeface="汉仪南宫体简" panose="02010609000101010101" pitchFamily="49" charset="-122"/>
               </a:rPr>
               <a:t>T</a:t>
             </a:r>
@@ -13567,8 +14566,8 @@
         </p:nvSpPr>
         <p:spPr bwMode="auto">
           <a:xfrm>
-            <a:off x="7921625" y="4784725"/>
-            <a:ext cx="317716" cy="400110"/>
+            <a:off x="7921624" y="4784724"/>
+            <a:ext cx="374327" cy="400110"/>
           </a:xfrm>
           <a:prstGeom prst="rect">
             <a:avLst/>
@@ -13582,7 +14581,7 @@
           </a:ln>
         </p:spPr>
         <p:txBody>
-          <a:bodyPr wrap="none">
+          <a:bodyPr wrap="square">
             <a:spAutoFit/>
           </a:bodyPr>
           <a:lstStyle/>
@@ -13592,10 +14591,12 @@
               <a:buNone/>
             </a:pPr>
             <a:r>
-              <a:rPr lang="en-US" sz="2000">
+              <a:rPr lang="en-US" sz="2000" b="1">
                 <a:solidFill>
                   <a:srgbClr val="006600"/>
                 </a:solidFill>
+                <a:latin typeface="汉仪南宫体简" panose="02010609000101010101" pitchFamily="49" charset="-122"/>
+                <a:ea typeface="汉仪南宫体简" panose="02010609000101010101" pitchFamily="49" charset="-122"/>
               </a:rPr>
               <a:t>T</a:t>
             </a:r>
@@ -13612,8 +14613,8 @@
         </p:nvSpPr>
         <p:spPr bwMode="auto">
           <a:xfrm>
-            <a:off x="7600950" y="3641726"/>
-            <a:ext cx="323850" cy="396875"/>
+            <a:off x="7600949" y="3641726"/>
+            <a:ext cx="351413" cy="400110"/>
           </a:xfrm>
           <a:prstGeom prst="rect">
             <a:avLst/>
@@ -13627,7 +14628,7 @@
           </a:ln>
         </p:spPr>
         <p:txBody>
-          <a:bodyPr wrap="none">
+          <a:bodyPr wrap="square">
             <a:spAutoFit/>
           </a:bodyPr>
           <a:lstStyle/>
@@ -13637,8 +14638,9 @@
               <a:buNone/>
             </a:pPr>
             <a:r>
-              <a:rPr lang="en-US" sz="2000">
-                <a:latin typeface="Verdana" pitchFamily="34" charset="0"/>
+              <a:rPr lang="en-US" sz="2000" b="1">
+                <a:latin typeface="汉仪南宫体简" panose="02010609000101010101" pitchFamily="49" charset="-122"/>
+                <a:ea typeface="汉仪南宫体简" panose="02010609000101010101" pitchFamily="49" charset="-122"/>
                 <a:sym typeface="Symbol" pitchFamily="18" charset="2"/>
               </a:rPr>
               <a:t></a:t>
@@ -13656,8 +14658,8 @@
         </p:nvGrpSpPr>
         <p:grpSpPr bwMode="auto">
           <a:xfrm>
-            <a:off x="7543800" y="4038600"/>
-            <a:ext cx="381000" cy="762000"/>
+            <a:off x="7543799" y="4038599"/>
+            <a:ext cx="413427" cy="841643"/>
             <a:chOff x="1536" y="2448"/>
             <a:chExt cx="240" cy="480"/>
           </a:xfrm>
@@ -13705,10 +14707,16 @@
                 <a:defRPr/>
               </a:pPr>
               <a:r>
-                <a:rPr lang="en-US" altLang="zh-TW" sz="1600"/>
+                <a:rPr lang="en-US" altLang="zh-TW" sz="1600" b="1">
+                  <a:latin typeface="汉仪南宫体简" panose="02010609000101010101" pitchFamily="49" charset="-122"/>
+                  <a:ea typeface="汉仪南宫体简" panose="02010609000101010101" pitchFamily="49" charset="-122"/>
+                </a:rPr>
                 <a:t>11</a:t>
               </a:r>
-              <a:endParaRPr lang="en-US" altLang="zh-TW" sz="1600" baseline="-25000"/>
+              <a:endParaRPr lang="en-US" altLang="zh-TW" sz="1600" b="1" baseline="-25000">
+                <a:latin typeface="汉仪南宫体简" panose="02010609000101010101" pitchFamily="49" charset="-122"/>
+                <a:ea typeface="汉仪南宫体简" panose="02010609000101010101" pitchFamily="49" charset="-122"/>
+              </a:endParaRPr>
             </a:p>
           </p:txBody>
         </p:sp>
@@ -13743,7 +14751,10 @@
             <a:bodyPr/>
             <a:lstStyle/>
             <a:p>
-              <a:endParaRPr lang="en-US"/>
+              <a:endParaRPr lang="en-US" b="1">
+                <a:latin typeface="汉仪南宫体简" panose="02010609000101010101" pitchFamily="49" charset="-122"/>
+                <a:ea typeface="汉仪南宫体简" panose="02010609000101010101" pitchFamily="49" charset="-122"/>
+              </a:endParaRPr>
             </a:p>
           </p:txBody>
         </p:sp>
@@ -13758,8 +14769,8 @@
         </p:nvGrpSpPr>
         <p:grpSpPr bwMode="auto">
           <a:xfrm>
-            <a:off x="8153400" y="4038600"/>
-            <a:ext cx="381000" cy="762000"/>
+            <a:off x="8153399" y="4038599"/>
+            <a:ext cx="413427" cy="841643"/>
             <a:chOff x="1920" y="2448"/>
             <a:chExt cx="240" cy="480"/>
           </a:xfrm>
@@ -13807,10 +14818,16 @@
                 <a:defRPr/>
               </a:pPr>
               <a:r>
-                <a:rPr lang="en-US" altLang="zh-TW" sz="1600"/>
+                <a:rPr lang="en-US" altLang="zh-TW" sz="1600" b="1">
+                  <a:latin typeface="汉仪南宫体简" panose="02010609000101010101" pitchFamily="49" charset="-122"/>
+                  <a:ea typeface="汉仪南宫体简" panose="02010609000101010101" pitchFamily="49" charset="-122"/>
+                </a:rPr>
                 <a:t>11</a:t>
               </a:r>
-              <a:endParaRPr lang="en-US" altLang="zh-TW" sz="1600" baseline="-25000"/>
+              <a:endParaRPr lang="en-US" altLang="zh-TW" sz="1600" b="1" baseline="-25000">
+                <a:latin typeface="汉仪南宫体简" panose="02010609000101010101" pitchFamily="49" charset="-122"/>
+                <a:ea typeface="汉仪南宫体简" panose="02010609000101010101" pitchFamily="49" charset="-122"/>
+              </a:endParaRPr>
             </a:p>
           </p:txBody>
         </p:sp>
@@ -13845,7 +14862,10 @@
             <a:bodyPr/>
             <a:lstStyle/>
             <a:p>
-              <a:endParaRPr lang="en-US"/>
+              <a:endParaRPr lang="en-US" b="1">
+                <a:latin typeface="汉仪南宫体简" panose="02010609000101010101" pitchFamily="49" charset="-122"/>
+                <a:ea typeface="汉仪南宫体简" panose="02010609000101010101" pitchFamily="49" charset="-122"/>
+              </a:endParaRPr>
             </a:p>
           </p:txBody>
         </p:sp>
@@ -13861,7 +14881,7 @@
         <p:spPr bwMode="auto">
           <a:xfrm>
             <a:off x="8458201" y="4768851"/>
-            <a:ext cx="523875" cy="396875"/>
+            <a:ext cx="568463" cy="400110"/>
           </a:xfrm>
           <a:prstGeom prst="rect">
             <a:avLst/>
@@ -13875,7 +14895,7 @@
           </a:ln>
         </p:spPr>
         <p:txBody>
-          <a:bodyPr wrap="none">
+          <a:bodyPr wrap="square">
             <a:spAutoFit/>
           </a:bodyPr>
           <a:lstStyle/>
@@ -13885,10 +14905,12 @@
               <a:buNone/>
             </a:pPr>
             <a:r>
-              <a:rPr lang="en-US" sz="2000">
+              <a:rPr lang="en-US" sz="2000" b="1">
                 <a:solidFill>
                   <a:srgbClr val="FF0000"/>
                 </a:solidFill>
+                <a:latin typeface="汉仪南宫体简" panose="02010609000101010101" pitchFamily="49" charset="-122"/>
+                <a:ea typeface="汉仪南宫体简" panose="02010609000101010101" pitchFamily="49" charset="-122"/>
               </a:rPr>
               <a:t>NT</a:t>
             </a:r>
@@ -13905,8 +14927,8 @@
         </p:nvGrpSpPr>
         <p:grpSpPr bwMode="auto">
           <a:xfrm>
-            <a:off x="8763000" y="4038601"/>
-            <a:ext cx="381000" cy="746125"/>
+            <a:off x="8762999" y="4038601"/>
+            <a:ext cx="413427" cy="824109"/>
             <a:chOff x="2304" y="2448"/>
             <a:chExt cx="240" cy="470"/>
           </a:xfrm>
@@ -13942,7 +14964,10 @@
             <a:bodyPr/>
             <a:lstStyle/>
             <a:p>
-              <a:endParaRPr lang="en-US"/>
+              <a:endParaRPr lang="en-US" b="1">
+                <a:latin typeface="汉仪南宫体简" panose="02010609000101010101" pitchFamily="49" charset="-122"/>
+                <a:ea typeface="汉仪南宫体简" panose="02010609000101010101" pitchFamily="49" charset="-122"/>
+              </a:endParaRPr>
             </a:p>
           </p:txBody>
         </p:sp>
@@ -13989,10 +15014,16 @@
                 <a:defRPr/>
               </a:pPr>
               <a:r>
-                <a:rPr lang="en-US" altLang="zh-TW" sz="1600"/>
+                <a:rPr lang="en-US" altLang="zh-TW" sz="1600" b="1">
+                  <a:latin typeface="汉仪南宫体简" panose="02010609000101010101" pitchFamily="49" charset="-122"/>
+                  <a:ea typeface="汉仪南宫体简" panose="02010609000101010101" pitchFamily="49" charset="-122"/>
+                </a:rPr>
                 <a:t>10</a:t>
               </a:r>
-              <a:endParaRPr lang="en-US" altLang="zh-TW" sz="1600" baseline="-25000"/>
+              <a:endParaRPr lang="en-US" altLang="zh-TW" sz="1600" b="1" baseline="-25000">
+                <a:latin typeface="汉仪南宫体简" panose="02010609000101010101" pitchFamily="49" charset="-122"/>
+                <a:ea typeface="汉仪南宫体简" panose="02010609000101010101" pitchFamily="49" charset="-122"/>
+              </a:endParaRPr>
             </a:p>
           </p:txBody>
         </p:sp>
@@ -14008,7 +15039,7 @@
         <p:spPr bwMode="auto">
           <a:xfrm>
             <a:off x="8153400" y="3581401"/>
-            <a:ext cx="419100" cy="519113"/>
+            <a:ext cx="454770" cy="523220"/>
           </a:xfrm>
           <a:prstGeom prst="rect">
             <a:avLst/>
@@ -14022,7 +15053,7 @@
           </a:ln>
         </p:spPr>
         <p:txBody>
-          <a:bodyPr wrap="none">
+          <a:bodyPr wrap="square">
             <a:spAutoFit/>
           </a:bodyPr>
           <a:lstStyle/>
@@ -14032,8 +15063,9 @@
               <a:buNone/>
             </a:pPr>
             <a:r>
-              <a:rPr lang="en-US" sz="2800">
-                <a:latin typeface="Verdana" pitchFamily="34" charset="0"/>
+              <a:rPr lang="en-US" sz="2800" b="1">
+                <a:latin typeface="汉仪南宫体简" panose="02010609000101010101" pitchFamily="49" charset="-122"/>
+                <a:ea typeface="汉仪南宫体简" panose="02010609000101010101" pitchFamily="49" charset="-122"/>
                 <a:sym typeface="Wingdings" pitchFamily="2" charset="2"/>
               </a:rPr>
               <a:t></a:t>
@@ -14051,8 +15083,8 @@
         </p:nvSpPr>
         <p:spPr bwMode="auto">
           <a:xfrm>
-            <a:off x="9140825" y="4784725"/>
-            <a:ext cx="317716" cy="400110"/>
+            <a:off x="9140824" y="4784724"/>
+            <a:ext cx="374327" cy="400110"/>
           </a:xfrm>
           <a:prstGeom prst="rect">
             <a:avLst/>
@@ -14066,7 +15098,7 @@
           </a:ln>
         </p:spPr>
         <p:txBody>
-          <a:bodyPr wrap="none">
+          <a:bodyPr wrap="square">
             <a:spAutoFit/>
           </a:bodyPr>
           <a:lstStyle/>
@@ -14076,10 +15108,12 @@
               <a:buNone/>
             </a:pPr>
             <a:r>
-              <a:rPr lang="en-US" sz="2000">
+              <a:rPr lang="en-US" sz="2000" b="1">
                 <a:solidFill>
                   <a:srgbClr val="006600"/>
                 </a:solidFill>
+                <a:latin typeface="汉仪南宫体简" panose="02010609000101010101" pitchFamily="49" charset="-122"/>
+                <a:ea typeface="汉仪南宫体简" panose="02010609000101010101" pitchFamily="49" charset="-122"/>
               </a:rPr>
               <a:t>T</a:t>
             </a:r>
@@ -14096,8 +15130,8 @@
         </p:nvGrpSpPr>
         <p:grpSpPr bwMode="auto">
           <a:xfrm>
-            <a:off x="9372600" y="4038600"/>
-            <a:ext cx="381000" cy="762000"/>
+            <a:off x="9372599" y="4038599"/>
+            <a:ext cx="413427" cy="841643"/>
             <a:chOff x="768" y="2438"/>
             <a:chExt cx="240" cy="480"/>
           </a:xfrm>
@@ -14145,10 +15179,16 @@
                 <a:defRPr/>
               </a:pPr>
               <a:r>
-                <a:rPr lang="en-US" altLang="zh-TW" sz="1600"/>
+                <a:rPr lang="en-US" altLang="zh-TW" sz="1600" b="1">
+                  <a:latin typeface="汉仪南宫体简" panose="02010609000101010101" pitchFamily="49" charset="-122"/>
+                  <a:ea typeface="汉仪南宫体简" panose="02010609000101010101" pitchFamily="49" charset="-122"/>
+                </a:rPr>
                 <a:t>1</a:t>
               </a:r>
-              <a:endParaRPr lang="en-US" altLang="zh-TW" sz="1600" baseline="-25000"/>
+              <a:endParaRPr lang="en-US" altLang="zh-TW" sz="1600" b="1" baseline="-25000">
+                <a:latin typeface="汉仪南宫体简" panose="02010609000101010101" pitchFamily="49" charset="-122"/>
+                <a:ea typeface="汉仪南宫体简" panose="02010609000101010101" pitchFamily="49" charset="-122"/>
+              </a:endParaRPr>
             </a:p>
           </p:txBody>
         </p:sp>
@@ -14183,7 +15223,10 @@
             <a:bodyPr/>
             <a:lstStyle/>
             <a:p>
-              <a:endParaRPr lang="en-US"/>
+              <a:endParaRPr lang="en-US" b="1">
+                <a:latin typeface="汉仪南宫体简" panose="02010609000101010101" pitchFamily="49" charset="-122"/>
+                <a:ea typeface="汉仪南宫体简" panose="02010609000101010101" pitchFamily="49" charset="-122"/>
+              </a:endParaRPr>
             </a:p>
           </p:txBody>
         </p:sp>
@@ -14198,8 +15241,8 @@
         </p:nvSpPr>
         <p:spPr bwMode="auto">
           <a:xfrm>
-            <a:off x="8820150" y="3676651"/>
-            <a:ext cx="323850" cy="396875"/>
+            <a:off x="8820149" y="3676651"/>
+            <a:ext cx="351413" cy="400110"/>
           </a:xfrm>
           <a:prstGeom prst="rect">
             <a:avLst/>
@@ -14213,7 +15256,7 @@
           </a:ln>
         </p:spPr>
         <p:txBody>
-          <a:bodyPr wrap="none">
+          <a:bodyPr wrap="square">
             <a:spAutoFit/>
           </a:bodyPr>
           <a:lstStyle/>
@@ -14223,8 +15266,9 @@
               <a:buNone/>
             </a:pPr>
             <a:r>
-              <a:rPr lang="en-US" sz="2000">
-                <a:latin typeface="Verdana" pitchFamily="34" charset="0"/>
+              <a:rPr lang="en-US" sz="2000" b="1">
+                <a:latin typeface="汉仪南宫体简" panose="02010609000101010101" pitchFamily="49" charset="-122"/>
+                <a:ea typeface="汉仪南宫体简" panose="02010609000101010101" pitchFamily="49" charset="-122"/>
                 <a:sym typeface="Symbol" pitchFamily="18" charset="2"/>
               </a:rPr>
               <a:t></a:t>
@@ -14243,7 +15287,7 @@
         <p:spPr bwMode="auto">
           <a:xfrm>
             <a:off x="7620001" y="5791201"/>
-            <a:ext cx="1891865" cy="461665"/>
+            <a:ext cx="2305101" cy="461665"/>
           </a:xfrm>
           <a:prstGeom prst="rect">
             <a:avLst/>
@@ -14257,7 +15301,7 @@
           </a:ln>
         </p:spPr>
         <p:txBody>
-          <a:bodyPr wrap="none">
+          <a:bodyPr wrap="square">
             <a:spAutoFit/>
           </a:bodyPr>
           <a:lstStyle/>
@@ -14267,7 +15311,10 @@
               <a:buNone/>
             </a:pPr>
             <a:r>
-              <a:rPr lang="en-US" sz="2400"/>
+              <a:rPr lang="en-US" sz="2400" b="1">
+                <a:latin typeface="汉仪南宫体简" panose="02010609000101010101" pitchFamily="49" charset="-122"/>
+                <a:ea typeface="汉仪南宫体简" panose="02010609000101010101" pitchFamily="49" charset="-122"/>
+              </a:rPr>
               <a:t>80% accuracy</a:t>
             </a:r>
           </a:p>
@@ -15905,18 +16952,30 @@
           <a:lstStyle/>
           <a:p>
             <a:r>
-              <a:rPr lang="en-GB" altLang="zh-CN" b="1" dirty="0"/>
+              <a:rPr lang="en-GB" altLang="zh-CN" b="1" dirty="0">
+                <a:latin typeface="汉仪南宫体简" panose="02010609000101010101" pitchFamily="49" charset="-122"/>
+                <a:ea typeface="汉仪南宫体简" panose="02010609000101010101" pitchFamily="49" charset="-122"/>
+              </a:rPr>
               <a:t>Branch History Table </a:t>
             </a:r>
             <a:r>
-              <a:rPr lang="en-GB" altLang="zh-CN" dirty="0"/>
+              <a:rPr lang="en-GB" altLang="zh-CN" dirty="0">
+                <a:latin typeface="汉仪南宫体简" panose="02010609000101010101" pitchFamily="49" charset="-122"/>
+                <a:ea typeface="汉仪南宫体简" panose="02010609000101010101" pitchFamily="49" charset="-122"/>
+              </a:rPr>
               <a:t>(</a:t>
             </a:r>
             <a:r>
-              <a:rPr kumimoji="1" lang="en-US" altLang="zh-CN" dirty="0"/>
+              <a:rPr kumimoji="1" lang="en-US" altLang="zh-CN" dirty="0">
+                <a:latin typeface="汉仪南宫体简" panose="02010609000101010101" pitchFamily="49" charset="-122"/>
+                <a:ea typeface="汉仪南宫体简" panose="02010609000101010101" pitchFamily="49" charset="-122"/>
+              </a:rPr>
               <a:t>BHT)</a:t>
             </a:r>
-            <a:endParaRPr kumimoji="1" lang="zh-CN" altLang="en-US" dirty="0"/>
+            <a:endParaRPr kumimoji="1" lang="zh-CN" altLang="en-US" dirty="0">
+              <a:latin typeface="汉仪南宫体简" panose="02010609000101010101" pitchFamily="49" charset="-122"/>
+              <a:ea typeface="汉仪南宫体简" panose="02010609000101010101" pitchFamily="49" charset="-122"/>
+            </a:endParaRPr>
           </a:p>
         </p:txBody>
       </p:sp>
